--- a/Movie_analysis_project.pptx
+++ b/Movie_analysis_project.pptx
@@ -20,7 +20,8 @@
     <p:sldId id="268" r:id="rId14"/>
     <p:sldId id="272" r:id="rId15"/>
     <p:sldId id="270" r:id="rId16"/>
-    <p:sldId id="273" r:id="rId17"/>
+    <p:sldId id="274" r:id="rId17"/>
+    <p:sldId id="273" r:id="rId18"/>
   </p:sldIdLst>
   <p:sldSz cx="12192000" cy="6858000"/>
   <p:notesSz cx="6858000" cy="9144000"/>
@@ -13667,8 +13668,8 @@
         </p:nvSpPr>
         <p:spPr>
           <a:xfrm>
-            <a:off x="1429565" y="6027500"/>
-            <a:ext cx="9328745" cy="523220"/>
+            <a:off x="1282699" y="6134972"/>
+            <a:ext cx="9328745" cy="307777"/>
           </a:xfrm>
           <a:prstGeom prst="rect">
             <a:avLst/>
@@ -13683,17 +13684,17 @@
           <a:p>
             <a:r>
               <a:rPr lang="en-US" sz="1400" dirty="0"/>
-              <a:t>Family, Fantasy, Musical, Adventure, Drama, Sport, Fantasy, and Romance are performing best financially in domestic market with at or over $400M gross. </a:t>
+              <a:t>Family, Fantasy, Musical, and Romance are performing best financially in domestic market with at or over $400M gross. </a:t>
             </a:r>
           </a:p>
         </p:txBody>
       </p:sp>
       <p:pic>
         <p:nvPicPr>
-          <p:cNvPr id="7" name="Picture 6" descr="Chart, bar chart&#10;&#10;Description automatically generated">
+          <p:cNvPr id="12" name="Picture 11" descr="Chart, funnel chart&#10;&#10;Description automatically generated">
             <a:extLst>
               <a:ext uri="{FF2B5EF4-FFF2-40B4-BE49-F238E27FC236}">
-                <a16:creationId xmlns:a16="http://schemas.microsoft.com/office/drawing/2014/main" id="{80A8BFB9-D5C0-AB4C-B78A-6C5C7B9EF57D}"/>
+                <a16:creationId xmlns:a16="http://schemas.microsoft.com/office/drawing/2014/main" id="{E0F4DCDC-284C-3E42-BE76-9AAB0190C89E}"/>
               </a:ext>
             </a:extLst>
           </p:cNvPr>
@@ -13710,8 +13711,8 @@
         </p:blipFill>
         <p:spPr>
           <a:xfrm>
-            <a:off x="1715911" y="2309161"/>
-            <a:ext cx="8218311" cy="3718339"/>
+            <a:off x="1282699" y="2220610"/>
+            <a:ext cx="8448323" cy="3806890"/>
           </a:xfrm>
           <a:prstGeom prst="rect">
             <a:avLst/>
@@ -13920,8 +13921,8 @@
         </p:nvSpPr>
         <p:spPr>
           <a:xfrm>
-            <a:off x="1429565" y="6027500"/>
-            <a:ext cx="9328745" cy="307777"/>
+            <a:off x="1195521" y="6196746"/>
+            <a:ext cx="9328745" cy="523220"/>
           </a:xfrm>
           <a:prstGeom prst="rect">
             <a:avLst/>
@@ -13936,17 +13937,17 @@
           <a:p>
             <a:r>
               <a:rPr lang="en-US" sz="1400" dirty="0"/>
-              <a:t>Fantasy, Romance, Adventure, Drama, and Sport are performing best financially with over $800M foreign gross. </a:t>
+              <a:t>Fantasy, Romance are performing best financially with over $800M foreign gross. Adventure, Fantasy, Musical, Family are the next highest performing genres with about $500M in foreign gross. </a:t>
             </a:r>
           </a:p>
         </p:txBody>
       </p:sp>
       <p:pic>
         <p:nvPicPr>
-          <p:cNvPr id="7" name="Picture 6" descr="Chart, funnel chart&#10;&#10;Description automatically generated">
+          <p:cNvPr id="12" name="Picture 11" descr="Chart, funnel chart&#10;&#10;Description automatically generated">
             <a:extLst>
               <a:ext uri="{FF2B5EF4-FFF2-40B4-BE49-F238E27FC236}">
-                <a16:creationId xmlns:a16="http://schemas.microsoft.com/office/drawing/2014/main" id="{CC6773EF-DF97-7848-B57E-8B5498CBBA08}"/>
+                <a16:creationId xmlns:a16="http://schemas.microsoft.com/office/drawing/2014/main" id="{E0B9FF58-103B-F542-A97E-98932AE40368}"/>
               </a:ext>
             </a:extLst>
           </p:cNvPr>
@@ -13963,8 +13964,8 @@
         </p:blipFill>
         <p:spPr>
           <a:xfrm>
-            <a:off x="1825978" y="2335055"/>
-            <a:ext cx="7961489" cy="3692445"/>
+            <a:off x="1195521" y="2335999"/>
+            <a:ext cx="8241989" cy="3801361"/>
           </a:xfrm>
           <a:prstGeom prst="rect">
             <a:avLst/>
@@ -14159,66 +14160,6 @@
           </a:fontRef>
         </p:style>
       </p:cxnSp>
-      <p:pic>
-        <p:nvPicPr>
-          <p:cNvPr id="5" name="Picture 4" descr="Chart&#10;&#10;Description automatically generated">
-            <a:extLst>
-              <a:ext uri="{FF2B5EF4-FFF2-40B4-BE49-F238E27FC236}">
-                <a16:creationId xmlns:a16="http://schemas.microsoft.com/office/drawing/2014/main" id="{3161B015-6308-D645-AE79-E88565194F8E}"/>
-              </a:ext>
-            </a:extLst>
-          </p:cNvPr>
-          <p:cNvPicPr>
-            <a:picLocks noChangeAspect="1"/>
-          </p:cNvPicPr>
-          <p:nvPr/>
-        </p:nvPicPr>
-        <p:blipFill>
-          <a:blip r:embed="rId2"/>
-          <a:stretch>
-            <a:fillRect/>
-          </a:stretch>
-        </p:blipFill>
-        <p:spPr>
-          <a:xfrm>
-            <a:off x="132959" y="2533651"/>
-            <a:ext cx="5827573" cy="2636660"/>
-          </a:xfrm>
-          <a:prstGeom prst="rect">
-            <a:avLst/>
-          </a:prstGeom>
-        </p:spPr>
-      </p:pic>
-      <p:pic>
-        <p:nvPicPr>
-          <p:cNvPr id="7" name="Picture 6" descr="Chart, funnel chart&#10;&#10;Description automatically generated">
-            <a:extLst>
-              <a:ext uri="{FF2B5EF4-FFF2-40B4-BE49-F238E27FC236}">
-                <a16:creationId xmlns:a16="http://schemas.microsoft.com/office/drawing/2014/main" id="{0509EE35-97B5-B444-B313-0BACD986B4D4}"/>
-              </a:ext>
-            </a:extLst>
-          </p:cNvPr>
-          <p:cNvPicPr>
-            <a:picLocks noChangeAspect="1"/>
-          </p:cNvPicPr>
-          <p:nvPr/>
-        </p:nvPicPr>
-        <p:blipFill>
-          <a:blip r:embed="rId3"/>
-          <a:stretch>
-            <a:fillRect/>
-          </a:stretch>
-        </p:blipFill>
-        <p:spPr>
-          <a:xfrm>
-            <a:off x="5913315" y="2533660"/>
-            <a:ext cx="5685031" cy="2636651"/>
-          </a:xfrm>
-          <a:prstGeom prst="rect">
-            <a:avLst/>
-          </a:prstGeom>
-        </p:spPr>
-      </p:pic>
       <p:sp>
         <p:nvSpPr>
           <p:cNvPr id="11" name="TextBox 10">
@@ -14255,11 +14196,71 @@
           <a:p>
             <a:r>
               <a:rPr lang="en-US" sz="1400" dirty="0"/>
-              <a:t>Adventure, Drama, Sport, Fantasy, Romance genres have over $1.2B worldwide gross. Family, Fantasy, Musical are close to $1B. Documentary, Drama, Sport, and Sci-Fi are producing over $0.8B in worldwide gross. </a:t>
+              <a:t>Fantasy &amp; Romance genres have over $1.2B worldwide gross. Family, Fantasy, Musical are close to $1B. Documentary, Drama, Sport, and Sci-Fi are producing over $0.8B in worldwide gross. </a:t>
             </a:r>
           </a:p>
         </p:txBody>
       </p:sp>
+      <p:pic>
+        <p:nvPicPr>
+          <p:cNvPr id="12" name="Picture 11" descr="Chart&#10;&#10;Description automatically generated">
+            <a:extLst>
+              <a:ext uri="{FF2B5EF4-FFF2-40B4-BE49-F238E27FC236}">
+                <a16:creationId xmlns:a16="http://schemas.microsoft.com/office/drawing/2014/main" id="{1CB1EB99-44FA-7248-AC75-AB640730F337}"/>
+              </a:ext>
+            </a:extLst>
+          </p:cNvPr>
+          <p:cNvPicPr>
+            <a:picLocks noChangeAspect="1"/>
+          </p:cNvPicPr>
+          <p:nvPr/>
+        </p:nvPicPr>
+        <p:blipFill>
+          <a:blip r:embed="rId2"/>
+          <a:stretch>
+            <a:fillRect/>
+          </a:stretch>
+        </p:blipFill>
+        <p:spPr>
+          <a:xfrm>
+            <a:off x="3041" y="2504446"/>
+            <a:ext cx="5910274" cy="2663222"/>
+          </a:xfrm>
+          <a:prstGeom prst="rect">
+            <a:avLst/>
+          </a:prstGeom>
+        </p:spPr>
+      </p:pic>
+      <p:pic>
+        <p:nvPicPr>
+          <p:cNvPr id="14" name="Picture 13" descr="Chart&#10;&#10;Description automatically generated">
+            <a:extLst>
+              <a:ext uri="{FF2B5EF4-FFF2-40B4-BE49-F238E27FC236}">
+                <a16:creationId xmlns:a16="http://schemas.microsoft.com/office/drawing/2014/main" id="{E29B527B-F2E2-D449-89F4-653B5F729A08}"/>
+              </a:ext>
+            </a:extLst>
+          </p:cNvPr>
+          <p:cNvPicPr>
+            <a:picLocks noChangeAspect="1"/>
+          </p:cNvPicPr>
+          <p:nvPr/>
+        </p:nvPicPr>
+        <p:blipFill>
+          <a:blip r:embed="rId3"/>
+          <a:stretch>
+            <a:fillRect/>
+          </a:stretch>
+        </p:blipFill>
+        <p:spPr>
+          <a:xfrm>
+            <a:off x="5913315" y="2532567"/>
+            <a:ext cx="5689601" cy="2635101"/>
+          </a:xfrm>
+          <a:prstGeom prst="rect">
+            <a:avLst/>
+          </a:prstGeom>
+        </p:spPr>
+      </p:pic>
     </p:spTree>
     <p:extLst>
       <p:ext uri="{BB962C8B-B14F-4D97-AF65-F5344CB8AC3E}">
@@ -14448,12 +14449,51 @@
           </a:fontRef>
         </p:style>
       </p:cxnSp>
+      <p:sp>
+        <p:nvSpPr>
+          <p:cNvPr id="9" name="TextBox 8">
+            <a:extLst>
+              <a:ext uri="{FF2B5EF4-FFF2-40B4-BE49-F238E27FC236}">
+                <a16:creationId xmlns:a16="http://schemas.microsoft.com/office/drawing/2014/main" id="{39040D76-26B0-ED46-A6E9-17BFCF0D8A04}"/>
+              </a:ext>
+            </a:extLst>
+          </p:cNvPr>
+          <p:cNvSpPr txBox="1"/>
+          <p:nvPr/>
+        </p:nvSpPr>
+        <p:spPr>
+          <a:xfrm>
+            <a:off x="1399821" y="5959010"/>
+            <a:ext cx="9328745" cy="738664"/>
+          </a:xfrm>
+          <a:prstGeom prst="rect">
+            <a:avLst/>
+          </a:prstGeom>
+          <a:noFill/>
+        </p:spPr>
+        <p:txBody>
+          <a:bodyPr wrap="square" rtlCol="0">
+            <a:spAutoFit/>
+          </a:bodyPr>
+          <a:lstStyle/>
+          <a:p>
+            <a:r>
+              <a:rPr lang="en-US" sz="1400" dirty="0"/>
+              <a:t>Fantasy and Romance (aka ’Frozen’) are by far the most profitable genres. On average a combination of these genres is responsible for over $1B in ROI. Family, Fantasy, Musical are the second on the list with ROI over $0.8B. </a:t>
+            </a:r>
+            <a:br>
+              <a:rPr lang="en-US" sz="1400" dirty="0"/>
+            </a:br>
+            <a:endParaRPr lang="en-US" sz="1400" dirty="0"/>
+          </a:p>
+        </p:txBody>
+      </p:sp>
       <p:pic>
         <p:nvPicPr>
-          <p:cNvPr id="5" name="Picture 4" descr="Chart, bar chart&#10;&#10;Description automatically generated">
+          <p:cNvPr id="7" name="Picture 6" descr="Chart&#10;&#10;Description automatically generated">
             <a:extLst>
               <a:ext uri="{FF2B5EF4-FFF2-40B4-BE49-F238E27FC236}">
-                <a16:creationId xmlns:a16="http://schemas.microsoft.com/office/drawing/2014/main" id="{2244D058-3B6E-6C41-B932-AC789FCAADD9}"/>
+                <a16:creationId xmlns:a16="http://schemas.microsoft.com/office/drawing/2014/main" id="{3BA886E0-C64B-1643-BB44-12446A3573F9}"/>
               </a:ext>
             </a:extLst>
           </p:cNvPr>
@@ -14470,8 +14510,450 @@
         </p:blipFill>
         <p:spPr>
           <a:xfrm>
-            <a:off x="1463434" y="2342341"/>
-            <a:ext cx="7913511" cy="3580434"/>
+            <a:off x="1399821" y="2240844"/>
+            <a:ext cx="8316384" cy="3747437"/>
+          </a:xfrm>
+          <a:prstGeom prst="rect">
+            <a:avLst/>
+          </a:prstGeom>
+        </p:spPr>
+      </p:pic>
+    </p:spTree>
+    <p:extLst>
+      <p:ext uri="{BB962C8B-B14F-4D97-AF65-F5344CB8AC3E}">
+        <p14:creationId xmlns:p14="http://schemas.microsoft.com/office/powerpoint/2010/main" val="923369118"/>
+      </p:ext>
+    </p:extLst>
+  </p:cSld>
+  <p:clrMapOvr>
+    <a:overrideClrMapping bg1="lt1" tx1="dk1" bg2="lt2" tx2="dk2" accent1="accent1" accent2="accent2" accent3="accent3" accent4="accent4" accent5="accent5" accent6="accent6" hlink="hlink" folHlink="folHlink"/>
+  </p:clrMapOvr>
+</p:sld>
+</file>
+
+<file path=ppt/slides/slide16.xml><?xml version="1.0" encoding="utf-8"?>
+<p:sld xmlns:a="http://schemas.openxmlformats.org/drawingml/2006/main" xmlns:r="http://schemas.openxmlformats.org/officeDocument/2006/relationships" xmlns:p="http://schemas.openxmlformats.org/presentationml/2006/main">
+  <p:cSld>
+    <p:bg>
+      <p:bgPr>
+        <a:solidFill>
+          <a:schemeClr val="bg1"/>
+        </a:solidFill>
+        <a:effectLst/>
+      </p:bgPr>
+    </p:bg>
+    <p:spTree>
+      <p:nvGrpSpPr>
+        <p:cNvPr id="1" name=""/>
+        <p:cNvGrpSpPr/>
+        <p:nvPr/>
+      </p:nvGrpSpPr>
+      <p:grpSpPr>
+        <a:xfrm>
+          <a:off x="0" y="0"/>
+          <a:ext cx="0" cy="0"/>
+          <a:chOff x="0" y="0"/>
+          <a:chExt cx="0" cy="0"/>
+        </a:xfrm>
+      </p:grpSpPr>
+      <p:cxnSp>
+        <p:nvCxnSpPr>
+          <p:cNvPr id="38" name="Straight Connector 25">
+            <a:extLst>
+              <a:ext uri="{FF2B5EF4-FFF2-40B4-BE49-F238E27FC236}">
+                <a16:creationId xmlns:a16="http://schemas.microsoft.com/office/drawing/2014/main" id="{AEED5540-64E5-4258-ABA4-753F07B71B38}"/>
+              </a:ext>
+              <a:ext uri="{C183D7F6-B498-43B3-948B-1728B52AA6E4}">
+                <adec:decorative xmlns:adec="http://schemas.microsoft.com/office/drawing/2017/decorative" val="1"/>
+              </a:ext>
+            </a:extLst>
+          </p:cNvPr>
+          <p:cNvCxnSpPr>
+            <a:cxnSpLocks noGrp="1" noRot="1" noChangeAspect="1" noMove="1" noResize="1" noEditPoints="1" noAdjustHandles="1" noChangeArrowheads="1" noChangeShapeType="1"/>
+          </p:cNvCxnSpPr>
+          <p:nvPr>
+            <p:extLst>
+              <p:ext uri="{386F3935-93C4-4BCD-93E2-E3B085C9AB24}">
+                <p16:designElem xmlns:p16="http://schemas.microsoft.com/office/powerpoint/2015/main" val="1"/>
+              </p:ext>
+            </p:extLst>
+          </p:nvPr>
+        </p:nvCxnSpPr>
+        <p:spPr>
+          <a:xfrm>
+            <a:off x="1524000" y="4571506"/>
+            <a:ext cx="971155" cy="0"/>
+          </a:xfrm>
+          <a:prstGeom prst="line">
+            <a:avLst/>
+          </a:prstGeom>
+          <a:ln w="31750">
+            <a:solidFill>
+              <a:schemeClr val="tx1"/>
+            </a:solidFill>
+          </a:ln>
+        </p:spPr>
+        <p:style>
+          <a:lnRef idx="1">
+            <a:schemeClr val="accent1"/>
+          </a:lnRef>
+          <a:fillRef idx="0">
+            <a:schemeClr val="accent1"/>
+          </a:fillRef>
+          <a:effectRef idx="0">
+            <a:schemeClr val="accent1"/>
+          </a:effectRef>
+          <a:fontRef idx="minor">
+            <a:schemeClr val="tx1"/>
+          </a:fontRef>
+        </p:style>
+      </p:cxnSp>
+      <p:sp useBgFill="1">
+        <p:nvSpPr>
+          <p:cNvPr id="39" name="Rectangle 27">
+            <a:extLst>
+              <a:ext uri="{FF2B5EF4-FFF2-40B4-BE49-F238E27FC236}">
+                <a16:creationId xmlns:a16="http://schemas.microsoft.com/office/drawing/2014/main" id="{40E0E787-6A3F-4579-9E73-AC9FBB0E3A45}"/>
+              </a:ext>
+              <a:ext uri="{C183D7F6-B498-43B3-948B-1728B52AA6E4}">
+                <adec:decorative xmlns:adec="http://schemas.microsoft.com/office/drawing/2017/decorative" val="1"/>
+              </a:ext>
+            </a:extLst>
+          </p:cNvPr>
+          <p:cNvSpPr>
+            <a:spLocks noGrp="1" noRot="1" noChangeAspect="1" noMove="1" noResize="1" noEditPoints="1" noAdjustHandles="1" noChangeArrowheads="1" noChangeShapeType="1" noTextEdit="1"/>
+          </p:cNvSpPr>
+          <p:nvPr>
+            <p:extLst>
+              <p:ext uri="{386F3935-93C4-4BCD-93E2-E3B085C9AB24}">
+                <p16:designElem xmlns:p16="http://schemas.microsoft.com/office/powerpoint/2015/main" val="1"/>
+              </p:ext>
+            </p:extLst>
+          </p:nvPr>
+        </p:nvSpPr>
+        <p:spPr>
+          <a:xfrm>
+            <a:off x="0" y="0"/>
+            <a:ext cx="12192000" cy="6858000"/>
+          </a:xfrm>
+          <a:prstGeom prst="rect">
+            <a:avLst/>
+          </a:prstGeom>
+          <a:ln w="12700" cap="flat" cmpd="sng" algn="ctr">
+            <a:noFill/>
+            <a:prstDash val="solid"/>
+            <a:miter lim="800000"/>
+          </a:ln>
+          <a:effectLst/>
+        </p:spPr>
+        <p:style>
+          <a:lnRef idx="2">
+            <a:schemeClr val="accent1">
+              <a:shade val="50000"/>
+            </a:schemeClr>
+          </a:lnRef>
+          <a:fillRef idx="1">
+            <a:schemeClr val="accent1"/>
+          </a:fillRef>
+          <a:effectRef idx="0">
+            <a:schemeClr val="accent1"/>
+          </a:effectRef>
+          <a:fontRef idx="minor">
+            <a:schemeClr val="lt1"/>
+          </a:fontRef>
+        </p:style>
+        <p:txBody>
+          <a:bodyPr rtlCol="0" anchor="ctr"/>
+          <a:lstStyle/>
+          <a:p>
+            <a:pPr algn="ctr"/>
+            <a:endParaRPr lang="en-US"/>
+          </a:p>
+        </p:txBody>
+      </p:sp>
+      <p:sp>
+        <p:nvSpPr>
+          <p:cNvPr id="40" name="Oval 29">
+            <a:extLst>
+              <a:ext uri="{FF2B5EF4-FFF2-40B4-BE49-F238E27FC236}">
+                <a16:creationId xmlns:a16="http://schemas.microsoft.com/office/drawing/2014/main" id="{787B812C-3070-452B-83FE-78736A499F27}"/>
+              </a:ext>
+              <a:ext uri="{C183D7F6-B498-43B3-948B-1728B52AA6E4}">
+                <adec:decorative xmlns:adec="http://schemas.microsoft.com/office/drawing/2017/decorative" val="1"/>
+              </a:ext>
+            </a:extLst>
+          </p:cNvPr>
+          <p:cNvSpPr>
+            <a:spLocks noGrp="1" noRot="1" noChangeAspect="1" noMove="1" noResize="1" noEditPoints="1" noAdjustHandles="1" noChangeArrowheads="1" noChangeShapeType="1" noTextEdit="1"/>
+          </p:cNvSpPr>
+          <p:nvPr>
+            <p:extLst>
+              <p:ext uri="{386F3935-93C4-4BCD-93E2-E3B085C9AB24}">
+                <p16:designElem xmlns:p16="http://schemas.microsoft.com/office/powerpoint/2015/main" val="1"/>
+              </p:ext>
+            </p:extLst>
+          </p:nvPr>
+        </p:nvSpPr>
+        <p:spPr>
+          <a:xfrm>
+            <a:off x="733197" y="1113411"/>
+            <a:ext cx="4629606" cy="4629606"/>
+          </a:xfrm>
+          <a:prstGeom prst="ellipse">
+            <a:avLst/>
+          </a:prstGeom>
+          <a:solidFill>
+            <a:schemeClr val="tx1"/>
+          </a:solidFill>
+          <a:ln>
+            <a:noFill/>
+          </a:ln>
+        </p:spPr>
+        <p:style>
+          <a:lnRef idx="2">
+            <a:schemeClr val="accent1">
+              <a:shade val="50000"/>
+            </a:schemeClr>
+          </a:lnRef>
+          <a:fillRef idx="1">
+            <a:schemeClr val="accent1"/>
+          </a:fillRef>
+          <a:effectRef idx="0">
+            <a:schemeClr val="accent1"/>
+          </a:effectRef>
+          <a:fontRef idx="minor">
+            <a:schemeClr val="lt1"/>
+          </a:fontRef>
+        </p:style>
+        <p:txBody>
+          <a:bodyPr rtlCol="0" anchor="ctr"/>
+          <a:lstStyle/>
+          <a:p>
+            <a:pPr algn="ctr"/>
+            <a:endParaRPr lang="en-US"/>
+          </a:p>
+        </p:txBody>
+      </p:sp>
+      <p:sp>
+        <p:nvSpPr>
+          <p:cNvPr id="2" name="Title 1">
+            <a:extLst>
+              <a:ext uri="{FF2B5EF4-FFF2-40B4-BE49-F238E27FC236}">
+                <a16:creationId xmlns:a16="http://schemas.microsoft.com/office/drawing/2014/main" id="{7FB15CF9-0F04-B943-9EBC-BD8B45C79C70}"/>
+              </a:ext>
+            </a:extLst>
+          </p:cNvPr>
+          <p:cNvSpPr>
+            <a:spLocks noGrp="1"/>
+          </p:cNvSpPr>
+          <p:nvPr>
+            <p:ph type="title"/>
+          </p:nvPr>
+        </p:nvSpPr>
+        <p:spPr>
+          <a:xfrm>
+            <a:off x="1143000" y="2097740"/>
+            <a:ext cx="3810000" cy="1582719"/>
+          </a:xfrm>
+        </p:spPr>
+        <p:txBody>
+          <a:bodyPr vert="horz" lIns="91440" tIns="45720" rIns="91440" bIns="45720" rtlCol="0" anchor="b">
+            <a:normAutofit/>
+          </a:bodyPr>
+          <a:lstStyle/>
+          <a:p>
+            <a:pPr algn="ctr">
+              <a:lnSpc>
+                <a:spcPct val="110000"/>
+              </a:lnSpc>
+            </a:pPr>
+            <a:r>
+              <a:rPr lang="en-US" sz="2200">
+                <a:solidFill>
+                  <a:schemeClr val="bg1"/>
+                </a:solidFill>
+              </a:rPr>
+              <a:t>Correlation between domestic and foreign gross</a:t>
+            </a:r>
+          </a:p>
+        </p:txBody>
+      </p:sp>
+      <p:pic>
+        <p:nvPicPr>
+          <p:cNvPr id="5" name="Content Placeholder 4" descr="Chart, scatter chart&#10;&#10;Description automatically generated">
+            <a:extLst>
+              <a:ext uri="{FF2B5EF4-FFF2-40B4-BE49-F238E27FC236}">
+                <a16:creationId xmlns:a16="http://schemas.microsoft.com/office/drawing/2014/main" id="{BFA2F233-6730-4E45-8652-33F2246D66E0}"/>
+              </a:ext>
+            </a:extLst>
+          </p:cNvPr>
+          <p:cNvPicPr>
+            <a:picLocks noGrp="1" noChangeAspect="1"/>
+          </p:cNvPicPr>
+          <p:nvPr>
+            <p:ph idx="1"/>
+          </p:nvPr>
+        </p:nvPicPr>
+        <p:blipFill>
+          <a:blip r:embed="rId2"/>
+          <a:stretch>
+            <a:fillRect/>
+          </a:stretch>
+        </p:blipFill>
+        <p:spPr>
+          <a:xfrm>
+            <a:off x="6082396" y="780302"/>
+            <a:ext cx="3224648" cy="3154164"/>
+          </a:xfrm>
+          <a:prstGeom prst="rect">
+            <a:avLst/>
+          </a:prstGeom>
+        </p:spPr>
+      </p:pic>
+      <p:cxnSp>
+        <p:nvCxnSpPr>
+          <p:cNvPr id="41" name="Straight Connector 31">
+            <a:extLst>
+              <a:ext uri="{FF2B5EF4-FFF2-40B4-BE49-F238E27FC236}">
+                <a16:creationId xmlns:a16="http://schemas.microsoft.com/office/drawing/2014/main" id="{651B3B56-501F-42FF-8534-28EF7857BD40}"/>
+              </a:ext>
+              <a:ext uri="{C183D7F6-B498-43B3-948B-1728B52AA6E4}">
+                <adec:decorative xmlns:adec="http://schemas.microsoft.com/office/drawing/2017/decorative" val="1"/>
+              </a:ext>
+            </a:extLst>
+          </p:cNvPr>
+          <p:cNvCxnSpPr>
+            <a:cxnSpLocks noGrp="1" noRot="1" noChangeAspect="1" noMove="1" noResize="1" noEditPoints="1" noAdjustHandles="1" noChangeArrowheads="1" noChangeShapeType="1"/>
+          </p:cNvCxnSpPr>
+          <p:nvPr>
+            <p:extLst>
+              <p:ext uri="{386F3935-93C4-4BCD-93E2-E3B085C9AB24}">
+                <p16:designElem xmlns:p16="http://schemas.microsoft.com/office/powerpoint/2015/main" val="1"/>
+              </p:ext>
+            </p:extLst>
+          </p:nvPr>
+        </p:nvCxnSpPr>
+        <p:spPr>
+          <a:xfrm>
+            <a:off x="2562423" y="3997080"/>
+            <a:ext cx="971155" cy="0"/>
+          </a:xfrm>
+          <a:prstGeom prst="line">
+            <a:avLst/>
+          </a:prstGeom>
+          <a:ln w="31750">
+            <a:solidFill>
+              <a:schemeClr val="bg1"/>
+            </a:solidFill>
+          </a:ln>
+        </p:spPr>
+        <p:style>
+          <a:lnRef idx="1">
+            <a:schemeClr val="accent1"/>
+          </a:lnRef>
+          <a:fillRef idx="0">
+            <a:schemeClr val="accent1"/>
+          </a:fillRef>
+          <a:effectRef idx="0">
+            <a:schemeClr val="accent1"/>
+          </a:effectRef>
+          <a:fontRef idx="minor">
+            <a:schemeClr val="tx1"/>
+          </a:fontRef>
+        </p:style>
+      </p:cxnSp>
+      <p:sp>
+        <p:nvSpPr>
+          <p:cNvPr id="22" name="Title 1">
+            <a:extLst>
+              <a:ext uri="{FF2B5EF4-FFF2-40B4-BE49-F238E27FC236}">
+                <a16:creationId xmlns:a16="http://schemas.microsoft.com/office/drawing/2014/main" id="{C8E8B874-B207-DB46-AE15-64E42DD74EA3}"/>
+              </a:ext>
+            </a:extLst>
+          </p:cNvPr>
+          <p:cNvSpPr txBox="1">
+            <a:spLocks/>
+          </p:cNvSpPr>
+          <p:nvPr/>
+        </p:nvSpPr>
+        <p:spPr>
+          <a:xfrm>
+            <a:off x="1176867" y="3680460"/>
+            <a:ext cx="3810000" cy="801230"/>
+          </a:xfrm>
+          <a:prstGeom prst="rect">
+            <a:avLst/>
+          </a:prstGeom>
+        </p:spPr>
+        <p:txBody>
+          <a:bodyPr vert="horz" lIns="91440" tIns="45720" rIns="91440" bIns="45720" rtlCol="0" anchor="b">
+            <a:normAutofit/>
+          </a:bodyPr>
+          <a:lstStyle>
+            <a:lvl1pPr algn="l" defTabSz="914400" rtl="0" eaLnBrk="1" latinLnBrk="0" hangingPunct="1">
+              <a:lnSpc>
+                <a:spcPct val="120000"/>
+              </a:lnSpc>
+              <a:spcBef>
+                <a:spcPct val="0"/>
+              </a:spcBef>
+              <a:buNone/>
+              <a:defRPr sz="2800" b="1" kern="1200" cap="all" spc="600" baseline="0">
+                <a:solidFill>
+                  <a:schemeClr val="tx1"/>
+                </a:solidFill>
+                <a:latin typeface="+mj-lt"/>
+                <a:ea typeface="+mj-ea"/>
+                <a:cs typeface="+mj-cs"/>
+              </a:defRPr>
+            </a:lvl1pPr>
+          </a:lstStyle>
+          <a:p>
+            <a:pPr algn="ctr">
+              <a:lnSpc>
+                <a:spcPct val="110000"/>
+              </a:lnSpc>
+            </a:pPr>
+            <a:r>
+              <a:rPr lang="en-US" sz="2200">
+                <a:solidFill>
+                  <a:schemeClr val="bg1"/>
+                </a:solidFill>
+              </a:rPr>
+              <a:t>0.76 - 0.83</a:t>
+            </a:r>
+            <a:endParaRPr lang="en-US" sz="2200" dirty="0">
+              <a:solidFill>
+                <a:schemeClr val="bg1"/>
+              </a:solidFill>
+            </a:endParaRPr>
+          </a:p>
+        </p:txBody>
+      </p:sp>
+      <p:pic>
+        <p:nvPicPr>
+          <p:cNvPr id="7" name="Picture 6" descr="Chart, scatter chart&#10;&#10;Description automatically generated">
+            <a:extLst>
+              <a:ext uri="{FF2B5EF4-FFF2-40B4-BE49-F238E27FC236}">
+                <a16:creationId xmlns:a16="http://schemas.microsoft.com/office/drawing/2014/main" id="{1DF5A7E0-6E31-CF44-9646-E7CD604E16A2}"/>
+              </a:ext>
+            </a:extLst>
+          </p:cNvPr>
+          <p:cNvPicPr>
+            <a:picLocks noChangeAspect="1"/>
+          </p:cNvPicPr>
+          <p:nvPr/>
+        </p:nvPicPr>
+        <p:blipFill>
+          <a:blip r:embed="rId3"/>
+          <a:stretch>
+            <a:fillRect/>
+          </a:stretch>
+        </p:blipFill>
+        <p:spPr>
+          <a:xfrm>
+            <a:off x="8235633" y="3934466"/>
+            <a:ext cx="3026257" cy="2742785"/>
           </a:xfrm>
           <a:prstGeom prst="rect">
             <a:avLst/>
@@ -14480,10 +14962,10 @@
       </p:pic>
       <p:sp>
         <p:nvSpPr>
-          <p:cNvPr id="9" name="TextBox 8">
+          <p:cNvPr id="27" name="TextBox 26">
             <a:extLst>
               <a:ext uri="{FF2B5EF4-FFF2-40B4-BE49-F238E27FC236}">
-                <a16:creationId xmlns:a16="http://schemas.microsoft.com/office/drawing/2014/main" id="{39040D76-26B0-ED46-A6E9-17BFCF0D8A04}"/>
+                <a16:creationId xmlns:a16="http://schemas.microsoft.com/office/drawing/2014/main" id="{0A89A0B9-AA1C-4247-97F8-0D0B533D2D30}"/>
               </a:ext>
             </a:extLst>
           </p:cNvPr>
@@ -14492,8 +14974,8 @@
         </p:nvSpPr>
         <p:spPr>
           <a:xfrm>
-            <a:off x="1399821" y="5959010"/>
-            <a:ext cx="9328745" cy="954107"/>
+            <a:off x="698430" y="6004348"/>
+            <a:ext cx="9328745" cy="523220"/>
           </a:xfrm>
           <a:prstGeom prst="rect">
             <a:avLst/>
@@ -14508,19 +14990,21 @@
           <a:p>
             <a:r>
               <a:rPr lang="en-US" sz="1400" dirty="0"/>
-              <a:t>Adventure, Drama, Sport &amp; Fantasy and Romance are by far the most profitable genres. On average a combination of these genres is responsible for over $1B in ROI each. Family, Fantasy, Musical are the second on the list with ROI over $0.8B. </a:t>
+              <a:t>After analyzing two dataset with financial data: The Numbers and  Box Office Mojo, </a:t>
             </a:r>
-            <a:br>
+          </a:p>
+          <a:p>
+            <a:r>
               <a:rPr lang="en-US" sz="1400" dirty="0"/>
-            </a:br>
-            <a:endParaRPr lang="en-US" sz="1400" dirty="0"/>
+              <a:t>we  discovered that there is a strong positive correlation between domestic and foreign gross. </a:t>
+            </a:r>
           </a:p>
         </p:txBody>
       </p:sp>
     </p:spTree>
     <p:extLst>
       <p:ext uri="{BB962C8B-B14F-4D97-AF65-F5344CB8AC3E}">
-        <p14:creationId xmlns:p14="http://schemas.microsoft.com/office/powerpoint/2010/main" val="923369118"/>
+        <p14:creationId xmlns:p14="http://schemas.microsoft.com/office/powerpoint/2010/main" val="2706181510"/>
       </p:ext>
     </p:extLst>
   </p:cSld>
@@ -14530,7 +15014,7 @@
 </p:sld>
 </file>
 
-<file path=ppt/slides/slide16.xml><?xml version="1.0" encoding="utf-8"?>
+<file path=ppt/slides/slide17.xml><?xml version="1.0" encoding="utf-8"?>
 <p:sld xmlns:a="http://schemas.openxmlformats.org/drawingml/2006/main" xmlns:r="http://schemas.openxmlformats.org/officeDocument/2006/relationships" xmlns:p="http://schemas.openxmlformats.org/presentationml/2006/main">
   <p:cSld>
     <p:bg>
@@ -14734,24 +15218,24 @@
           <a:lstStyle/>
           <a:p>
             <a:r>
-              <a:rPr lang="en-US"/>
-              <a:t>Adventure, Drama, Sport, Fantasy and Romance are the most profitable. </a:t>
+              <a:rPr lang="en-US" dirty="0"/>
+              <a:t>Fantasy and Romance are the most profitable. </a:t>
             </a:r>
           </a:p>
           <a:p>
             <a:r>
-              <a:rPr lang="en-US"/>
+              <a:rPr lang="en-US" dirty="0"/>
               <a:t>Action, Adventure, Sci-Fi, Fantasy, Mystery, and War are the most popular.</a:t>
             </a:r>
           </a:p>
           <a:p>
             <a:r>
-              <a:rPr lang="en-US"/>
+              <a:rPr lang="en-US" dirty="0"/>
               <a:t>Release a movie in both domestic and foreign markets to get the maximum gross.  </a:t>
             </a:r>
           </a:p>
           <a:p>
-            <a:endParaRPr lang="en-US"/>
+            <a:endParaRPr lang="en-US" dirty="0"/>
           </a:p>
         </p:txBody>
       </p:sp>

--- a/Movie_analysis_project.pptx
+++ b/Movie_analysis_project.pptx
@@ -10,18 +10,19 @@
     <p:sldId id="259" r:id="rId4"/>
     <p:sldId id="257" r:id="rId5"/>
     <p:sldId id="260" r:id="rId6"/>
-    <p:sldId id="261" r:id="rId7"/>
-    <p:sldId id="262" r:id="rId8"/>
-    <p:sldId id="263" r:id="rId9"/>
-    <p:sldId id="264" r:id="rId10"/>
-    <p:sldId id="265" r:id="rId11"/>
-    <p:sldId id="266" r:id="rId12"/>
+    <p:sldId id="262" r:id="rId7"/>
+    <p:sldId id="263" r:id="rId8"/>
+    <p:sldId id="264" r:id="rId9"/>
+    <p:sldId id="265" r:id="rId10"/>
+    <p:sldId id="266" r:id="rId11"/>
+    <p:sldId id="275" r:id="rId12"/>
     <p:sldId id="267" r:id="rId13"/>
     <p:sldId id="268" r:id="rId14"/>
     <p:sldId id="272" r:id="rId15"/>
     <p:sldId id="270" r:id="rId16"/>
     <p:sldId id="274" r:id="rId17"/>
-    <p:sldId id="273" r:id="rId18"/>
+    <p:sldId id="276" r:id="rId18"/>
+    <p:sldId id="273" r:id="rId19"/>
   </p:sldIdLst>
   <p:sldSz cx="12192000" cy="6858000"/>
   <p:notesSz cx="6858000" cy="9144000"/>
@@ -1618,6 +1619,753 @@
 </file>
 
 <file path=ppt/diagrams/colors3.xml><?xml version="1.0" encoding="utf-8"?>
+<dgm:colorsDef xmlns:dgm="http://schemas.openxmlformats.org/drawingml/2006/diagram" xmlns:a="http://schemas.openxmlformats.org/drawingml/2006/main" uniqueId="urn:microsoft.com/office/officeart/2005/8/colors/accent1_2">
+  <dgm:title val=""/>
+  <dgm:desc val=""/>
+  <dgm:catLst>
+    <dgm:cat type="accent1" pri="11200"/>
+  </dgm:catLst>
+  <dgm:styleLbl name="node0">
+    <dgm:fillClrLst meth="repeat">
+      <a:schemeClr val="accent1"/>
+    </dgm:fillClrLst>
+    <dgm:linClrLst meth="repeat">
+      <a:schemeClr val="lt1"/>
+    </dgm:linClrLst>
+    <dgm:effectClrLst/>
+    <dgm:txLinClrLst/>
+    <dgm:txFillClrLst/>
+    <dgm:txEffectClrLst/>
+  </dgm:styleLbl>
+  <dgm:styleLbl name="alignNode1">
+    <dgm:fillClrLst meth="repeat">
+      <a:schemeClr val="accent1"/>
+    </dgm:fillClrLst>
+    <dgm:linClrLst meth="repeat">
+      <a:schemeClr val="accent1"/>
+    </dgm:linClrLst>
+    <dgm:effectClrLst/>
+    <dgm:txLinClrLst/>
+    <dgm:txFillClrLst/>
+    <dgm:txEffectClrLst/>
+  </dgm:styleLbl>
+  <dgm:styleLbl name="node1">
+    <dgm:fillClrLst meth="repeat">
+      <a:schemeClr val="accent1"/>
+    </dgm:fillClrLst>
+    <dgm:linClrLst meth="repeat">
+      <a:schemeClr val="lt1"/>
+    </dgm:linClrLst>
+    <dgm:effectClrLst/>
+    <dgm:txLinClrLst/>
+    <dgm:txFillClrLst/>
+    <dgm:txEffectClrLst/>
+  </dgm:styleLbl>
+  <dgm:styleLbl name="lnNode1">
+    <dgm:fillClrLst meth="repeat">
+      <a:schemeClr val="accent1"/>
+    </dgm:fillClrLst>
+    <dgm:linClrLst meth="repeat">
+      <a:schemeClr val="lt1"/>
+    </dgm:linClrLst>
+    <dgm:effectClrLst/>
+    <dgm:txLinClrLst/>
+    <dgm:txFillClrLst/>
+    <dgm:txEffectClrLst/>
+  </dgm:styleLbl>
+  <dgm:styleLbl name="vennNode1">
+    <dgm:fillClrLst meth="repeat">
+      <a:schemeClr val="accent1">
+        <a:alpha val="50000"/>
+      </a:schemeClr>
+    </dgm:fillClrLst>
+    <dgm:linClrLst meth="repeat">
+      <a:schemeClr val="lt1"/>
+    </dgm:linClrLst>
+    <dgm:effectClrLst/>
+    <dgm:txLinClrLst/>
+    <dgm:txFillClrLst/>
+    <dgm:txEffectClrLst/>
+  </dgm:styleLbl>
+  <dgm:styleLbl name="node2">
+    <dgm:fillClrLst meth="repeat">
+      <a:schemeClr val="accent1"/>
+    </dgm:fillClrLst>
+    <dgm:linClrLst meth="repeat">
+      <a:schemeClr val="lt1"/>
+    </dgm:linClrLst>
+    <dgm:effectClrLst/>
+    <dgm:txLinClrLst/>
+    <dgm:txFillClrLst/>
+    <dgm:txEffectClrLst/>
+  </dgm:styleLbl>
+  <dgm:styleLbl name="node3">
+    <dgm:fillClrLst meth="repeat">
+      <a:schemeClr val="accent1"/>
+    </dgm:fillClrLst>
+    <dgm:linClrLst meth="repeat">
+      <a:schemeClr val="lt1"/>
+    </dgm:linClrLst>
+    <dgm:effectClrLst/>
+    <dgm:txLinClrLst/>
+    <dgm:txFillClrLst/>
+    <dgm:txEffectClrLst/>
+  </dgm:styleLbl>
+  <dgm:styleLbl name="node4">
+    <dgm:fillClrLst meth="repeat">
+      <a:schemeClr val="accent1"/>
+    </dgm:fillClrLst>
+    <dgm:linClrLst meth="repeat">
+      <a:schemeClr val="lt1"/>
+    </dgm:linClrLst>
+    <dgm:effectClrLst/>
+    <dgm:txLinClrLst/>
+    <dgm:txFillClrLst/>
+    <dgm:txEffectClrLst/>
+  </dgm:styleLbl>
+  <dgm:styleLbl name="fgImgPlace1">
+    <dgm:fillClrLst meth="repeat">
+      <a:schemeClr val="accent1">
+        <a:tint val="50000"/>
+      </a:schemeClr>
+    </dgm:fillClrLst>
+    <dgm:linClrLst meth="repeat">
+      <a:schemeClr val="lt1"/>
+    </dgm:linClrLst>
+    <dgm:effectClrLst/>
+    <dgm:txLinClrLst/>
+    <dgm:txFillClrLst meth="repeat">
+      <a:schemeClr val="lt1"/>
+    </dgm:txFillClrLst>
+    <dgm:txEffectClrLst/>
+  </dgm:styleLbl>
+  <dgm:styleLbl name="alignImgPlace1">
+    <dgm:fillClrLst meth="repeat">
+      <a:schemeClr val="accent1">
+        <a:tint val="50000"/>
+      </a:schemeClr>
+    </dgm:fillClrLst>
+    <dgm:linClrLst meth="repeat">
+      <a:schemeClr val="lt1"/>
+    </dgm:linClrLst>
+    <dgm:effectClrLst/>
+    <dgm:txLinClrLst/>
+    <dgm:txFillClrLst meth="repeat">
+      <a:schemeClr val="lt1"/>
+    </dgm:txFillClrLst>
+    <dgm:txEffectClrLst/>
+  </dgm:styleLbl>
+  <dgm:styleLbl name="bgImgPlace1">
+    <dgm:fillClrLst meth="repeat">
+      <a:schemeClr val="accent1">
+        <a:tint val="50000"/>
+      </a:schemeClr>
+    </dgm:fillClrLst>
+    <dgm:linClrLst meth="repeat">
+      <a:schemeClr val="lt1"/>
+    </dgm:linClrLst>
+    <dgm:effectClrLst/>
+    <dgm:txLinClrLst/>
+    <dgm:txFillClrLst meth="repeat">
+      <a:schemeClr val="lt1"/>
+    </dgm:txFillClrLst>
+    <dgm:txEffectClrLst/>
+  </dgm:styleLbl>
+  <dgm:styleLbl name="sibTrans2D1">
+    <dgm:fillClrLst meth="repeat">
+      <a:schemeClr val="accent1">
+        <a:tint val="60000"/>
+      </a:schemeClr>
+    </dgm:fillClrLst>
+    <dgm:linClrLst meth="repeat">
+      <a:schemeClr val="accent1">
+        <a:tint val="60000"/>
+      </a:schemeClr>
+    </dgm:linClrLst>
+    <dgm:effectClrLst/>
+    <dgm:txLinClrLst/>
+    <dgm:txFillClrLst/>
+    <dgm:txEffectClrLst/>
+  </dgm:styleLbl>
+  <dgm:styleLbl name="fgSibTrans2D1">
+    <dgm:fillClrLst meth="repeat">
+      <a:schemeClr val="accent1">
+        <a:tint val="60000"/>
+      </a:schemeClr>
+    </dgm:fillClrLst>
+    <dgm:linClrLst meth="repeat">
+      <a:schemeClr val="accent1">
+        <a:tint val="60000"/>
+      </a:schemeClr>
+    </dgm:linClrLst>
+    <dgm:effectClrLst/>
+    <dgm:txLinClrLst/>
+    <dgm:txFillClrLst/>
+    <dgm:txEffectClrLst/>
+  </dgm:styleLbl>
+  <dgm:styleLbl name="bgSibTrans2D1">
+    <dgm:fillClrLst meth="repeat">
+      <a:schemeClr val="accent1">
+        <a:tint val="60000"/>
+      </a:schemeClr>
+    </dgm:fillClrLst>
+    <dgm:linClrLst meth="repeat">
+      <a:schemeClr val="accent1">
+        <a:tint val="60000"/>
+      </a:schemeClr>
+    </dgm:linClrLst>
+    <dgm:effectClrLst/>
+    <dgm:txLinClrLst/>
+    <dgm:txFillClrLst/>
+    <dgm:txEffectClrLst/>
+  </dgm:styleLbl>
+  <dgm:styleLbl name="sibTrans1D1">
+    <dgm:fillClrLst meth="repeat">
+      <a:schemeClr val="accent1"/>
+    </dgm:fillClrLst>
+    <dgm:linClrLst meth="repeat">
+      <a:schemeClr val="accent1"/>
+    </dgm:linClrLst>
+    <dgm:effectClrLst/>
+    <dgm:txLinClrLst/>
+    <dgm:txFillClrLst meth="repeat">
+      <a:schemeClr val="tx1"/>
+    </dgm:txFillClrLst>
+    <dgm:txEffectClrLst/>
+  </dgm:styleLbl>
+  <dgm:styleLbl name="callout">
+    <dgm:fillClrLst meth="repeat">
+      <a:schemeClr val="accent1"/>
+    </dgm:fillClrLst>
+    <dgm:linClrLst meth="repeat">
+      <a:schemeClr val="accent1">
+        <a:tint val="50000"/>
+      </a:schemeClr>
+    </dgm:linClrLst>
+    <dgm:effectClrLst/>
+    <dgm:txLinClrLst/>
+    <dgm:txFillClrLst meth="repeat">
+      <a:schemeClr val="tx1"/>
+    </dgm:txFillClrLst>
+    <dgm:txEffectClrLst/>
+  </dgm:styleLbl>
+  <dgm:styleLbl name="asst0">
+    <dgm:fillClrLst meth="repeat">
+      <a:schemeClr val="accent1"/>
+    </dgm:fillClrLst>
+    <dgm:linClrLst meth="repeat">
+      <a:schemeClr val="lt1"/>
+    </dgm:linClrLst>
+    <dgm:effectClrLst/>
+    <dgm:txLinClrLst/>
+    <dgm:txFillClrLst/>
+    <dgm:txEffectClrLst/>
+  </dgm:styleLbl>
+  <dgm:styleLbl name="asst1">
+    <dgm:fillClrLst meth="repeat">
+      <a:schemeClr val="accent1"/>
+    </dgm:fillClrLst>
+    <dgm:linClrLst meth="repeat">
+      <a:schemeClr val="lt1"/>
+    </dgm:linClrLst>
+    <dgm:effectClrLst/>
+    <dgm:txLinClrLst/>
+    <dgm:txFillClrLst/>
+    <dgm:txEffectClrLst/>
+  </dgm:styleLbl>
+  <dgm:styleLbl name="asst2">
+    <dgm:fillClrLst meth="repeat">
+      <a:schemeClr val="accent1"/>
+    </dgm:fillClrLst>
+    <dgm:linClrLst meth="repeat">
+      <a:schemeClr val="lt1"/>
+    </dgm:linClrLst>
+    <dgm:effectClrLst/>
+    <dgm:txLinClrLst/>
+    <dgm:txFillClrLst/>
+    <dgm:txEffectClrLst/>
+  </dgm:styleLbl>
+  <dgm:styleLbl name="asst3">
+    <dgm:fillClrLst meth="repeat">
+      <a:schemeClr val="accent1"/>
+    </dgm:fillClrLst>
+    <dgm:linClrLst meth="repeat">
+      <a:schemeClr val="lt1"/>
+    </dgm:linClrLst>
+    <dgm:effectClrLst/>
+    <dgm:txLinClrLst/>
+    <dgm:txFillClrLst/>
+    <dgm:txEffectClrLst/>
+  </dgm:styleLbl>
+  <dgm:styleLbl name="asst4">
+    <dgm:fillClrLst meth="repeat">
+      <a:schemeClr val="accent1"/>
+    </dgm:fillClrLst>
+    <dgm:linClrLst meth="repeat">
+      <a:schemeClr val="lt1"/>
+    </dgm:linClrLst>
+    <dgm:effectClrLst/>
+    <dgm:txLinClrLst/>
+    <dgm:txFillClrLst/>
+    <dgm:txEffectClrLst/>
+  </dgm:styleLbl>
+  <dgm:styleLbl name="parChTrans2D1">
+    <dgm:fillClrLst meth="repeat">
+      <a:schemeClr val="accent1">
+        <a:tint val="60000"/>
+      </a:schemeClr>
+    </dgm:fillClrLst>
+    <dgm:linClrLst meth="repeat">
+      <a:schemeClr val="accent1">
+        <a:tint val="60000"/>
+      </a:schemeClr>
+    </dgm:linClrLst>
+    <dgm:effectClrLst/>
+    <dgm:txLinClrLst/>
+    <dgm:txFillClrLst meth="repeat">
+      <a:schemeClr val="lt1"/>
+    </dgm:txFillClrLst>
+    <dgm:txEffectClrLst/>
+  </dgm:styleLbl>
+  <dgm:styleLbl name="parChTrans2D2">
+    <dgm:fillClrLst meth="repeat">
+      <a:schemeClr val="accent1"/>
+    </dgm:fillClrLst>
+    <dgm:linClrLst meth="repeat">
+      <a:schemeClr val="accent1"/>
+    </dgm:linClrLst>
+    <dgm:effectClrLst/>
+    <dgm:txLinClrLst/>
+    <dgm:txFillClrLst meth="repeat">
+      <a:schemeClr val="lt1"/>
+    </dgm:txFillClrLst>
+    <dgm:txEffectClrLst/>
+  </dgm:styleLbl>
+  <dgm:styleLbl name="parChTrans2D3">
+    <dgm:fillClrLst meth="repeat">
+      <a:schemeClr val="accent1"/>
+    </dgm:fillClrLst>
+    <dgm:linClrLst meth="repeat">
+      <a:schemeClr val="accent1"/>
+    </dgm:linClrLst>
+    <dgm:effectClrLst/>
+    <dgm:txLinClrLst/>
+    <dgm:txFillClrLst meth="repeat">
+      <a:schemeClr val="lt1"/>
+    </dgm:txFillClrLst>
+    <dgm:txEffectClrLst/>
+  </dgm:styleLbl>
+  <dgm:styleLbl name="parChTrans2D4">
+    <dgm:fillClrLst meth="repeat">
+      <a:schemeClr val="accent1"/>
+    </dgm:fillClrLst>
+    <dgm:linClrLst meth="repeat">
+      <a:schemeClr val="accent1"/>
+    </dgm:linClrLst>
+    <dgm:effectClrLst/>
+    <dgm:txLinClrLst/>
+    <dgm:txFillClrLst meth="repeat">
+      <a:schemeClr val="lt1"/>
+    </dgm:txFillClrLst>
+    <dgm:txEffectClrLst/>
+  </dgm:styleLbl>
+  <dgm:styleLbl name="parChTrans1D1">
+    <dgm:fillClrLst meth="repeat">
+      <a:schemeClr val="accent1"/>
+    </dgm:fillClrLst>
+    <dgm:linClrLst meth="repeat">
+      <a:schemeClr val="accent1">
+        <a:shade val="60000"/>
+      </a:schemeClr>
+    </dgm:linClrLst>
+    <dgm:effectClrLst/>
+    <dgm:txLinClrLst/>
+    <dgm:txFillClrLst meth="repeat">
+      <a:schemeClr val="tx1"/>
+    </dgm:txFillClrLst>
+    <dgm:txEffectClrLst/>
+  </dgm:styleLbl>
+  <dgm:styleLbl name="parChTrans1D2">
+    <dgm:fillClrLst meth="repeat">
+      <a:schemeClr val="accent1"/>
+    </dgm:fillClrLst>
+    <dgm:linClrLst meth="repeat">
+      <a:schemeClr val="accent1">
+        <a:shade val="60000"/>
+      </a:schemeClr>
+    </dgm:linClrLst>
+    <dgm:effectClrLst/>
+    <dgm:txLinClrLst/>
+    <dgm:txFillClrLst meth="repeat">
+      <a:schemeClr val="tx1"/>
+    </dgm:txFillClrLst>
+    <dgm:txEffectClrLst/>
+  </dgm:styleLbl>
+  <dgm:styleLbl name="parChTrans1D3">
+    <dgm:fillClrLst meth="repeat">
+      <a:schemeClr val="accent1"/>
+    </dgm:fillClrLst>
+    <dgm:linClrLst meth="repeat">
+      <a:schemeClr val="accent1">
+        <a:shade val="80000"/>
+      </a:schemeClr>
+    </dgm:linClrLst>
+    <dgm:effectClrLst/>
+    <dgm:txLinClrLst/>
+    <dgm:txFillClrLst meth="repeat">
+      <a:schemeClr val="tx1"/>
+    </dgm:txFillClrLst>
+    <dgm:txEffectClrLst/>
+  </dgm:styleLbl>
+  <dgm:styleLbl name="parChTrans1D4">
+    <dgm:fillClrLst meth="repeat">
+      <a:schemeClr val="accent1"/>
+    </dgm:fillClrLst>
+    <dgm:linClrLst meth="repeat">
+      <a:schemeClr val="accent1">
+        <a:shade val="80000"/>
+      </a:schemeClr>
+    </dgm:linClrLst>
+    <dgm:effectClrLst/>
+    <dgm:txLinClrLst/>
+    <dgm:txFillClrLst meth="repeat">
+      <a:schemeClr val="tx1"/>
+    </dgm:txFillClrLst>
+    <dgm:txEffectClrLst/>
+  </dgm:styleLbl>
+  <dgm:styleLbl name="fgAcc1">
+    <dgm:fillClrLst meth="repeat">
+      <a:schemeClr val="lt1">
+        <a:alpha val="90000"/>
+      </a:schemeClr>
+    </dgm:fillClrLst>
+    <dgm:linClrLst meth="repeat">
+      <a:schemeClr val="accent1"/>
+    </dgm:linClrLst>
+    <dgm:effectClrLst/>
+    <dgm:txLinClrLst/>
+    <dgm:txFillClrLst meth="repeat">
+      <a:schemeClr val="dk1"/>
+    </dgm:txFillClrLst>
+    <dgm:txEffectClrLst/>
+  </dgm:styleLbl>
+  <dgm:styleLbl name="conFgAcc1">
+    <dgm:fillClrLst meth="repeat">
+      <a:schemeClr val="lt1">
+        <a:alpha val="90000"/>
+      </a:schemeClr>
+    </dgm:fillClrLst>
+    <dgm:linClrLst meth="repeat">
+      <a:schemeClr val="accent1"/>
+    </dgm:linClrLst>
+    <dgm:effectClrLst/>
+    <dgm:txLinClrLst/>
+    <dgm:txFillClrLst meth="repeat">
+      <a:schemeClr val="dk1"/>
+    </dgm:txFillClrLst>
+    <dgm:txEffectClrLst/>
+  </dgm:styleLbl>
+  <dgm:styleLbl name="alignAcc1">
+    <dgm:fillClrLst meth="repeat">
+      <a:schemeClr val="lt1">
+        <a:alpha val="90000"/>
+      </a:schemeClr>
+    </dgm:fillClrLst>
+    <dgm:linClrLst meth="repeat">
+      <a:schemeClr val="accent1"/>
+    </dgm:linClrLst>
+    <dgm:effectClrLst/>
+    <dgm:txLinClrLst/>
+    <dgm:txFillClrLst meth="repeat">
+      <a:schemeClr val="dk1"/>
+    </dgm:txFillClrLst>
+    <dgm:txEffectClrLst/>
+  </dgm:styleLbl>
+  <dgm:styleLbl name="trAlignAcc1">
+    <dgm:fillClrLst meth="repeat">
+      <a:schemeClr val="lt1">
+        <a:alpha val="40000"/>
+      </a:schemeClr>
+    </dgm:fillClrLst>
+    <dgm:linClrLst meth="repeat">
+      <a:schemeClr val="accent1"/>
+    </dgm:linClrLst>
+    <dgm:effectClrLst/>
+    <dgm:txLinClrLst/>
+    <dgm:txFillClrLst meth="repeat">
+      <a:schemeClr val="dk1"/>
+    </dgm:txFillClrLst>
+    <dgm:txEffectClrLst/>
+  </dgm:styleLbl>
+  <dgm:styleLbl name="bgAcc1">
+    <dgm:fillClrLst meth="repeat">
+      <a:schemeClr val="lt1">
+        <a:alpha val="90000"/>
+      </a:schemeClr>
+    </dgm:fillClrLst>
+    <dgm:linClrLst meth="repeat">
+      <a:schemeClr val="accent1"/>
+    </dgm:linClrLst>
+    <dgm:effectClrLst/>
+    <dgm:txLinClrLst/>
+    <dgm:txFillClrLst meth="repeat">
+      <a:schemeClr val="dk1"/>
+    </dgm:txFillClrLst>
+    <dgm:txEffectClrLst/>
+  </dgm:styleLbl>
+  <dgm:styleLbl name="solidFgAcc1">
+    <dgm:fillClrLst meth="repeat">
+      <a:schemeClr val="lt1"/>
+    </dgm:fillClrLst>
+    <dgm:linClrLst meth="repeat">
+      <a:schemeClr val="accent1"/>
+    </dgm:linClrLst>
+    <dgm:effectClrLst/>
+    <dgm:txLinClrLst/>
+    <dgm:txFillClrLst meth="repeat">
+      <a:schemeClr val="dk1"/>
+    </dgm:txFillClrLst>
+    <dgm:txEffectClrLst/>
+  </dgm:styleLbl>
+  <dgm:styleLbl name="solidAlignAcc1">
+    <dgm:fillClrLst meth="repeat">
+      <a:schemeClr val="lt1"/>
+    </dgm:fillClrLst>
+    <dgm:linClrLst meth="repeat">
+      <a:schemeClr val="accent1"/>
+    </dgm:linClrLst>
+    <dgm:effectClrLst/>
+    <dgm:txLinClrLst/>
+    <dgm:txFillClrLst meth="repeat">
+      <a:schemeClr val="dk1"/>
+    </dgm:txFillClrLst>
+    <dgm:txEffectClrLst/>
+  </dgm:styleLbl>
+  <dgm:styleLbl name="solidBgAcc1">
+    <dgm:fillClrLst meth="repeat">
+      <a:schemeClr val="lt1"/>
+    </dgm:fillClrLst>
+    <dgm:linClrLst meth="repeat">
+      <a:schemeClr val="accent1"/>
+    </dgm:linClrLst>
+    <dgm:effectClrLst/>
+    <dgm:txLinClrLst/>
+    <dgm:txFillClrLst meth="repeat">
+      <a:schemeClr val="dk1"/>
+    </dgm:txFillClrLst>
+    <dgm:txEffectClrLst/>
+  </dgm:styleLbl>
+  <dgm:styleLbl name="fgAccFollowNode1">
+    <dgm:fillClrLst meth="repeat">
+      <a:schemeClr val="accent1">
+        <a:alpha val="90000"/>
+        <a:tint val="40000"/>
+      </a:schemeClr>
+    </dgm:fillClrLst>
+    <dgm:linClrLst meth="repeat">
+      <a:schemeClr val="accent1">
+        <a:alpha val="90000"/>
+        <a:tint val="40000"/>
+      </a:schemeClr>
+    </dgm:linClrLst>
+    <dgm:effectClrLst/>
+    <dgm:txLinClrLst/>
+    <dgm:txFillClrLst meth="repeat">
+      <a:schemeClr val="dk1"/>
+    </dgm:txFillClrLst>
+    <dgm:txEffectClrLst/>
+  </dgm:styleLbl>
+  <dgm:styleLbl name="alignAccFollowNode1">
+    <dgm:fillClrLst meth="repeat">
+      <a:schemeClr val="accent1">
+        <a:alpha val="90000"/>
+        <a:tint val="40000"/>
+      </a:schemeClr>
+    </dgm:fillClrLst>
+    <dgm:linClrLst meth="repeat">
+      <a:schemeClr val="accent1">
+        <a:alpha val="90000"/>
+        <a:tint val="40000"/>
+      </a:schemeClr>
+    </dgm:linClrLst>
+    <dgm:effectClrLst/>
+    <dgm:txLinClrLst/>
+    <dgm:txFillClrLst meth="repeat">
+      <a:schemeClr val="dk1"/>
+    </dgm:txFillClrLst>
+    <dgm:txEffectClrLst/>
+  </dgm:styleLbl>
+  <dgm:styleLbl name="bgAccFollowNode1">
+    <dgm:fillClrLst meth="repeat">
+      <a:schemeClr val="accent1">
+        <a:alpha val="90000"/>
+        <a:tint val="40000"/>
+      </a:schemeClr>
+    </dgm:fillClrLst>
+    <dgm:linClrLst meth="repeat">
+      <a:schemeClr val="accent1">
+        <a:alpha val="90000"/>
+        <a:tint val="40000"/>
+      </a:schemeClr>
+    </dgm:linClrLst>
+    <dgm:effectClrLst/>
+    <dgm:txLinClrLst/>
+    <dgm:txFillClrLst meth="repeat">
+      <a:schemeClr val="dk1"/>
+    </dgm:txFillClrLst>
+    <dgm:txEffectClrLst/>
+  </dgm:styleLbl>
+  <dgm:styleLbl name="fgAcc0">
+    <dgm:fillClrLst meth="repeat">
+      <a:schemeClr val="lt1">
+        <a:alpha val="90000"/>
+      </a:schemeClr>
+    </dgm:fillClrLst>
+    <dgm:linClrLst meth="repeat">
+      <a:schemeClr val="accent1"/>
+    </dgm:linClrLst>
+    <dgm:effectClrLst/>
+    <dgm:txLinClrLst/>
+    <dgm:txFillClrLst meth="repeat">
+      <a:schemeClr val="dk1"/>
+    </dgm:txFillClrLst>
+    <dgm:txEffectClrLst/>
+  </dgm:styleLbl>
+  <dgm:styleLbl name="fgAcc2">
+    <dgm:fillClrLst meth="repeat">
+      <a:schemeClr val="lt1">
+        <a:alpha val="90000"/>
+      </a:schemeClr>
+    </dgm:fillClrLst>
+    <dgm:linClrLst meth="repeat">
+      <a:schemeClr val="accent1"/>
+    </dgm:linClrLst>
+    <dgm:effectClrLst/>
+    <dgm:txLinClrLst/>
+    <dgm:txFillClrLst meth="repeat">
+      <a:schemeClr val="dk1"/>
+    </dgm:txFillClrLst>
+    <dgm:txEffectClrLst/>
+  </dgm:styleLbl>
+  <dgm:styleLbl name="fgAcc3">
+    <dgm:fillClrLst meth="repeat">
+      <a:schemeClr val="lt1">
+        <a:alpha val="90000"/>
+      </a:schemeClr>
+    </dgm:fillClrLst>
+    <dgm:linClrLst meth="repeat">
+      <a:schemeClr val="accent1"/>
+    </dgm:linClrLst>
+    <dgm:effectClrLst/>
+    <dgm:txLinClrLst/>
+    <dgm:txFillClrLst meth="repeat">
+      <a:schemeClr val="dk1"/>
+    </dgm:txFillClrLst>
+    <dgm:txEffectClrLst/>
+  </dgm:styleLbl>
+  <dgm:styleLbl name="fgAcc4">
+    <dgm:fillClrLst meth="repeat">
+      <a:schemeClr val="lt1">
+        <a:alpha val="90000"/>
+      </a:schemeClr>
+    </dgm:fillClrLst>
+    <dgm:linClrLst meth="repeat">
+      <a:schemeClr val="accent1"/>
+    </dgm:linClrLst>
+    <dgm:effectClrLst/>
+    <dgm:txLinClrLst/>
+    <dgm:txFillClrLst meth="repeat">
+      <a:schemeClr val="dk1"/>
+    </dgm:txFillClrLst>
+    <dgm:txEffectClrLst/>
+  </dgm:styleLbl>
+  <dgm:styleLbl name="bgShp">
+    <dgm:fillClrLst meth="repeat">
+      <a:schemeClr val="accent1">
+        <a:tint val="40000"/>
+      </a:schemeClr>
+    </dgm:fillClrLst>
+    <dgm:linClrLst meth="repeat">
+      <a:schemeClr val="accent1"/>
+    </dgm:linClrLst>
+    <dgm:effectClrLst/>
+    <dgm:txLinClrLst/>
+    <dgm:txFillClrLst meth="repeat">
+      <a:schemeClr val="dk1"/>
+    </dgm:txFillClrLst>
+    <dgm:txEffectClrLst/>
+  </dgm:styleLbl>
+  <dgm:styleLbl name="dkBgShp">
+    <dgm:fillClrLst meth="repeat">
+      <a:schemeClr val="accent1">
+        <a:shade val="80000"/>
+      </a:schemeClr>
+    </dgm:fillClrLst>
+    <dgm:linClrLst meth="repeat">
+      <a:schemeClr val="accent1"/>
+    </dgm:linClrLst>
+    <dgm:effectClrLst/>
+    <dgm:txLinClrLst/>
+    <dgm:txFillClrLst meth="repeat">
+      <a:schemeClr val="lt1"/>
+    </dgm:txFillClrLst>
+    <dgm:txEffectClrLst/>
+  </dgm:styleLbl>
+  <dgm:styleLbl name="trBgShp">
+    <dgm:fillClrLst meth="repeat">
+      <a:schemeClr val="accent1">
+        <a:tint val="50000"/>
+        <a:alpha val="40000"/>
+      </a:schemeClr>
+    </dgm:fillClrLst>
+    <dgm:linClrLst meth="repeat">
+      <a:schemeClr val="accent1"/>
+    </dgm:linClrLst>
+    <dgm:effectClrLst/>
+    <dgm:txLinClrLst/>
+    <dgm:txFillClrLst meth="repeat">
+      <a:schemeClr val="lt1"/>
+    </dgm:txFillClrLst>
+    <dgm:txEffectClrLst/>
+  </dgm:styleLbl>
+  <dgm:styleLbl name="fgShp">
+    <dgm:fillClrLst meth="repeat">
+      <a:schemeClr val="accent1">
+        <a:tint val="60000"/>
+      </a:schemeClr>
+    </dgm:fillClrLst>
+    <dgm:linClrLst meth="repeat">
+      <a:schemeClr val="lt1"/>
+    </dgm:linClrLst>
+    <dgm:effectClrLst/>
+    <dgm:txLinClrLst/>
+    <dgm:txFillClrLst meth="repeat">
+      <a:schemeClr val="dk1"/>
+    </dgm:txFillClrLst>
+    <dgm:txEffectClrLst/>
+  </dgm:styleLbl>
+  <dgm:styleLbl name="revTx">
+    <dgm:fillClrLst meth="repeat">
+      <a:schemeClr val="lt1">
+        <a:alpha val="0"/>
+      </a:schemeClr>
+    </dgm:fillClrLst>
+    <dgm:linClrLst meth="repeat">
+      <a:schemeClr val="dk1">
+        <a:alpha val="0"/>
+      </a:schemeClr>
+    </dgm:linClrLst>
+    <dgm:effectClrLst/>
+    <dgm:txLinClrLst/>
+    <dgm:txFillClrLst meth="repeat">
+      <a:schemeClr val="tx1"/>
+    </dgm:txFillClrLst>
+    <dgm:txEffectClrLst/>
+  </dgm:styleLbl>
+</dgm:colorsDef>
+</file>
+
+<file path=ppt/diagrams/colors4.xml><?xml version="1.0" encoding="utf-8"?>
 <dgm:colorsDef xmlns:dgm="http://schemas.openxmlformats.org/drawingml/2006/diagram" xmlns:a="http://schemas.openxmlformats.org/drawingml/2006/main" uniqueId="urn:microsoft.com/office/officeart/2005/8/colors/accent1_2">
   <dgm:title val=""/>
   <dgm:desc val=""/>
@@ -3114,7 +3862,7 @@
 <dgm:dataModel xmlns:dgm="http://schemas.openxmlformats.org/drawingml/2006/diagram" xmlns:a="http://schemas.openxmlformats.org/drawingml/2006/main">
   <dgm:ptLst>
     <dgm:pt modelId="{E00507A5-0D3E-460E-B0AA-5CA796D4D355}" type="doc">
-      <dgm:prSet loTypeId="urn:microsoft.com/office/officeart/2005/8/layout/list1" loCatId="list" qsTypeId="urn:microsoft.com/office/officeart/2005/8/quickstyle/simple1" qsCatId="simple" csTypeId="urn:microsoft.com/office/officeart/2005/8/colors/accent1_2" csCatId="accent1"/>
+      <dgm:prSet loTypeId="urn:microsoft.com/office/officeart/2005/8/layout/vList2" loCatId="list" qsTypeId="urn:microsoft.com/office/officeart/2005/8/quickstyle/simple1" qsCatId="simple" csTypeId="urn:microsoft.com/office/officeart/2005/8/colors/accent1_2" csCatId="accent1"/>
       <dgm:spPr/>
       <dgm:t>
         <a:bodyPr/>
@@ -3241,25 +3989,16 @@
         </a:p>
       </dgm:t>
     </dgm:pt>
-    <dgm:pt modelId="{0BD0A309-C61C-6245-9802-847AC422B929}" type="pres">
+    <dgm:pt modelId="{9879FDC6-514C-D140-9BE4-75D7D52E4AE0}" type="pres">
       <dgm:prSet presAssocID="{E00507A5-0D3E-460E-B0AA-5CA796D4D355}" presName="linear" presStyleCnt="0">
         <dgm:presLayoutVars>
-          <dgm:dir/>
           <dgm:animLvl val="lvl"/>
           <dgm:resizeHandles val="exact"/>
         </dgm:presLayoutVars>
       </dgm:prSet>
       <dgm:spPr/>
     </dgm:pt>
-    <dgm:pt modelId="{82AD5D5A-B429-AA4B-A07A-1F8088CFE2D0}" type="pres">
-      <dgm:prSet presAssocID="{27B90409-572B-4D17-976D-FD8549869E07}" presName="parentLin" presStyleCnt="0"/>
-      <dgm:spPr/>
-    </dgm:pt>
-    <dgm:pt modelId="{58FC30A9-653D-B049-B2DC-0DB82A00FA7A}" type="pres">
-      <dgm:prSet presAssocID="{27B90409-572B-4D17-976D-FD8549869E07}" presName="parentLeftMargin" presStyleLbl="node1" presStyleIdx="0" presStyleCnt="3"/>
-      <dgm:spPr/>
-    </dgm:pt>
-    <dgm:pt modelId="{510A6EAC-705E-B04C-AF4D-2D3BE16AB123}" type="pres">
+    <dgm:pt modelId="{3AD4A75E-471C-B24A-BBA5-C11727DC5F98}" type="pres">
       <dgm:prSet presAssocID="{27B90409-572B-4D17-976D-FD8549869E07}" presName="parentText" presStyleLbl="node1" presStyleIdx="0" presStyleCnt="3">
         <dgm:presLayoutVars>
           <dgm:chMax val="0"/>
@@ -3268,31 +4007,11 @@
       </dgm:prSet>
       <dgm:spPr/>
     </dgm:pt>
-    <dgm:pt modelId="{97E0EEE0-FC68-8643-ACBB-967336AADDBA}" type="pres">
-      <dgm:prSet presAssocID="{27B90409-572B-4D17-976D-FD8549869E07}" presName="negativeSpace" presStyleCnt="0"/>
+    <dgm:pt modelId="{5A3617EE-8676-714A-87BA-003D60407447}" type="pres">
+      <dgm:prSet presAssocID="{DFA482A0-BFF2-47FF-9150-55C455FC28CD}" presName="spacer" presStyleCnt="0"/>
       <dgm:spPr/>
     </dgm:pt>
-    <dgm:pt modelId="{88D48789-1C3E-8D41-88DD-7CF91194FDDD}" type="pres">
-      <dgm:prSet presAssocID="{27B90409-572B-4D17-976D-FD8549869E07}" presName="childText" presStyleLbl="conFgAcc1" presStyleIdx="0" presStyleCnt="3">
-        <dgm:presLayoutVars>
-          <dgm:bulletEnabled val="1"/>
-        </dgm:presLayoutVars>
-      </dgm:prSet>
-      <dgm:spPr/>
-    </dgm:pt>
-    <dgm:pt modelId="{7949393A-7C2D-9141-A204-3E828FBD508A}" type="pres">
-      <dgm:prSet presAssocID="{DFA482A0-BFF2-47FF-9150-55C455FC28CD}" presName="spaceBetweenRectangles" presStyleCnt="0"/>
-      <dgm:spPr/>
-    </dgm:pt>
-    <dgm:pt modelId="{E459E16B-D152-1A44-A775-C19AF9C26315}" type="pres">
-      <dgm:prSet presAssocID="{72D6FE89-D376-479F-88E3-90F1C7A806D9}" presName="parentLin" presStyleCnt="0"/>
-      <dgm:spPr/>
-    </dgm:pt>
-    <dgm:pt modelId="{C6FA3083-F209-1245-9C8C-E6E4AAEEDC65}" type="pres">
-      <dgm:prSet presAssocID="{72D6FE89-D376-479F-88E3-90F1C7A806D9}" presName="parentLeftMargin" presStyleLbl="node1" presStyleIdx="0" presStyleCnt="3"/>
-      <dgm:spPr/>
-    </dgm:pt>
-    <dgm:pt modelId="{B2F0CE03-CDC0-314A-A2FC-5BE073F14397}" type="pres">
+    <dgm:pt modelId="{67B344BB-D8F4-BF43-8DF1-D82D47A93F4E}" type="pres">
       <dgm:prSet presAssocID="{72D6FE89-D376-479F-88E3-90F1C7A806D9}" presName="parentText" presStyleLbl="node1" presStyleIdx="1" presStyleCnt="3">
         <dgm:presLayoutVars>
           <dgm:chMax val="0"/>
@@ -3301,31 +4020,11 @@
       </dgm:prSet>
       <dgm:spPr/>
     </dgm:pt>
-    <dgm:pt modelId="{55B665E3-34DF-6641-8BBB-53D58281CABF}" type="pres">
-      <dgm:prSet presAssocID="{72D6FE89-D376-479F-88E3-90F1C7A806D9}" presName="negativeSpace" presStyleCnt="0"/>
+    <dgm:pt modelId="{A4B48D37-5B6E-BF44-B249-ABF54B16004C}" type="pres">
+      <dgm:prSet presAssocID="{98421ADB-E407-4127-8E0F-D8132B0F6E14}" presName="spacer" presStyleCnt="0"/>
       <dgm:spPr/>
     </dgm:pt>
-    <dgm:pt modelId="{15CAAAFD-8833-5E4A-8CBD-9B3F29D3A228}" type="pres">
-      <dgm:prSet presAssocID="{72D6FE89-D376-479F-88E3-90F1C7A806D9}" presName="childText" presStyleLbl="conFgAcc1" presStyleIdx="1" presStyleCnt="3">
-        <dgm:presLayoutVars>
-          <dgm:bulletEnabled val="1"/>
-        </dgm:presLayoutVars>
-      </dgm:prSet>
-      <dgm:spPr/>
-    </dgm:pt>
-    <dgm:pt modelId="{FB0A1D90-606D-104A-A8CA-CA016E644E5B}" type="pres">
-      <dgm:prSet presAssocID="{98421ADB-E407-4127-8E0F-D8132B0F6E14}" presName="spaceBetweenRectangles" presStyleCnt="0"/>
-      <dgm:spPr/>
-    </dgm:pt>
-    <dgm:pt modelId="{CF1EA618-9C84-5D4C-A807-370BBABC2A1D}" type="pres">
-      <dgm:prSet presAssocID="{709829D4-F53C-4DA1-AB1F-839672C99D58}" presName="parentLin" presStyleCnt="0"/>
-      <dgm:spPr/>
-    </dgm:pt>
-    <dgm:pt modelId="{E60FED85-C1AC-114E-AFCC-1EBB2FEE5327}" type="pres">
-      <dgm:prSet presAssocID="{709829D4-F53C-4DA1-AB1F-839672C99D58}" presName="parentLeftMargin" presStyleLbl="node1" presStyleIdx="1" presStyleCnt="3"/>
-      <dgm:spPr/>
-    </dgm:pt>
-    <dgm:pt modelId="{6DFF7366-C936-3A41-A184-25934F91A2A5}" type="pres">
+    <dgm:pt modelId="{F3C84F78-008D-3143-A086-B6C8B19282C4}" type="pres">
       <dgm:prSet presAssocID="{709829D4-F53C-4DA1-AB1F-839672C99D58}" presName="parentText" presStyleLbl="node1" presStyleIdx="2" presStyleCnt="3">
         <dgm:presLayoutVars>
           <dgm:chMax val="0"/>
@@ -3334,12 +4033,391 @@
       </dgm:prSet>
       <dgm:spPr/>
     </dgm:pt>
-    <dgm:pt modelId="{65372B07-348D-434F-8BEB-E8941F69BE7A}" type="pres">
-      <dgm:prSet presAssocID="{709829D4-F53C-4DA1-AB1F-839672C99D58}" presName="negativeSpace" presStyleCnt="0"/>
+  </dgm:ptLst>
+  <dgm:cxnLst>
+    <dgm:cxn modelId="{9C569C12-4248-4684-8374-536BA8889711}" srcId="{E00507A5-0D3E-460E-B0AA-5CA796D4D355}" destId="{72D6FE89-D376-479F-88E3-90F1C7A806D9}" srcOrd="1" destOrd="0" parTransId="{5123BC5C-1E14-4E36-98DE-EBC2367C75C5}" sibTransId="{98421ADB-E407-4127-8E0F-D8132B0F6E14}"/>
+    <dgm:cxn modelId="{A0479924-63B4-49B1-9B18-A7197762AC94}" srcId="{E00507A5-0D3E-460E-B0AA-5CA796D4D355}" destId="{709829D4-F53C-4DA1-AB1F-839672C99D58}" srcOrd="2" destOrd="0" parTransId="{83551605-3A76-4247-B750-34C771C5F37F}" sibTransId="{BDFAE557-454C-4D42-BE7E-69FD1710DCE1}"/>
+    <dgm:cxn modelId="{7F281228-03C9-1A4C-A6AF-4C14E421EF34}" type="presOf" srcId="{709829D4-F53C-4DA1-AB1F-839672C99D58}" destId="{F3C84F78-008D-3143-A086-B6C8B19282C4}" srcOrd="0" destOrd="0" presId="urn:microsoft.com/office/officeart/2005/8/layout/vList2"/>
+    <dgm:cxn modelId="{3E437345-D9B6-BB47-ACF5-7180562B400E}" type="presOf" srcId="{E00507A5-0D3E-460E-B0AA-5CA796D4D355}" destId="{9879FDC6-514C-D140-9BE4-75D7D52E4AE0}" srcOrd="0" destOrd="0" presId="urn:microsoft.com/office/officeart/2005/8/layout/vList2"/>
+    <dgm:cxn modelId="{C93B1571-89EC-0142-8F13-20F136825C34}" type="presOf" srcId="{27B90409-572B-4D17-976D-FD8549869E07}" destId="{3AD4A75E-471C-B24A-BBA5-C11727DC5F98}" srcOrd="0" destOrd="0" presId="urn:microsoft.com/office/officeart/2005/8/layout/vList2"/>
+    <dgm:cxn modelId="{001D48C2-EB3F-E141-9CEE-810F5D81D343}" type="presOf" srcId="{72D6FE89-D376-479F-88E3-90F1C7A806D9}" destId="{67B344BB-D8F4-BF43-8DF1-D82D47A93F4E}" srcOrd="0" destOrd="0" presId="urn:microsoft.com/office/officeart/2005/8/layout/vList2"/>
+    <dgm:cxn modelId="{582FC1E3-C893-4DBF-8F8D-ACBA0AACCDBD}" srcId="{E00507A5-0D3E-460E-B0AA-5CA796D4D355}" destId="{27B90409-572B-4D17-976D-FD8549869E07}" srcOrd="0" destOrd="0" parTransId="{7E26C318-DAC0-46AE-BFD8-8C4C10E64246}" sibTransId="{DFA482A0-BFF2-47FF-9150-55C455FC28CD}"/>
+    <dgm:cxn modelId="{B1837BBA-8BDF-2A45-8E39-8F7E63F03394}" type="presParOf" srcId="{9879FDC6-514C-D140-9BE4-75D7D52E4AE0}" destId="{3AD4A75E-471C-B24A-BBA5-C11727DC5F98}" srcOrd="0" destOrd="0" presId="urn:microsoft.com/office/officeart/2005/8/layout/vList2"/>
+    <dgm:cxn modelId="{2FF24258-F99C-B14F-87E5-619F7CFF207B}" type="presParOf" srcId="{9879FDC6-514C-D140-9BE4-75D7D52E4AE0}" destId="{5A3617EE-8676-714A-87BA-003D60407447}" srcOrd="1" destOrd="0" presId="urn:microsoft.com/office/officeart/2005/8/layout/vList2"/>
+    <dgm:cxn modelId="{5B4B32A8-D4A2-544E-8D5F-7D3B0B65C3EF}" type="presParOf" srcId="{9879FDC6-514C-D140-9BE4-75D7D52E4AE0}" destId="{67B344BB-D8F4-BF43-8DF1-D82D47A93F4E}" srcOrd="2" destOrd="0" presId="urn:microsoft.com/office/officeart/2005/8/layout/vList2"/>
+    <dgm:cxn modelId="{49CC84B0-5990-6F48-BC43-A1EA76F22902}" type="presParOf" srcId="{9879FDC6-514C-D140-9BE4-75D7D52E4AE0}" destId="{A4B48D37-5B6E-BF44-B249-ABF54B16004C}" srcOrd="3" destOrd="0" presId="urn:microsoft.com/office/officeart/2005/8/layout/vList2"/>
+    <dgm:cxn modelId="{D98B9D43-73C1-2943-849D-A6A7B7E3068A}" type="presParOf" srcId="{9879FDC6-514C-D140-9BE4-75D7D52E4AE0}" destId="{F3C84F78-008D-3143-A086-B6C8B19282C4}" srcOrd="4" destOrd="0" presId="urn:microsoft.com/office/officeart/2005/8/layout/vList2"/>
+  </dgm:cxnLst>
+  <dgm:bg/>
+  <dgm:whole/>
+  <dgm:extLst>
+    <a:ext uri="http://schemas.microsoft.com/office/drawing/2008/diagram">
+      <dsp:dataModelExt xmlns:dsp="http://schemas.microsoft.com/office/drawing/2008/diagram" relId="rId11" minVer="http://schemas.openxmlformats.org/drawingml/2006/diagram"/>
+    </a:ext>
+  </dgm:extLst>
+</dgm:dataModel>
+</file>
+
+<file path=ppt/diagrams/data4.xml><?xml version="1.0" encoding="utf-8"?>
+<dgm:dataModel xmlns:dgm="http://schemas.openxmlformats.org/drawingml/2006/diagram" xmlns:a="http://schemas.openxmlformats.org/drawingml/2006/main">
+  <dgm:ptLst>
+    <dgm:pt modelId="{69210A0E-C3B9-4EB4-82F1-3E298A601A50}" type="doc">
+      <dgm:prSet loTypeId="urn:microsoft.com/office/officeart/2005/8/layout/default" loCatId="list" qsTypeId="urn:microsoft.com/office/officeart/2005/8/quickstyle/simple1" qsCatId="simple" csTypeId="urn:microsoft.com/office/officeart/2005/8/colors/accent1_2" csCatId="accent1" phldr="1"/>
+      <dgm:spPr/>
+      <dgm:t>
+        <a:bodyPr/>
+        <a:lstStyle/>
+        <a:p>
+          <a:endParaRPr lang="en-US"/>
+        </a:p>
+      </dgm:t>
+    </dgm:pt>
+    <dgm:pt modelId="{1C934295-A624-4BDC-AC50-3E2257593FC3}">
+      <dgm:prSet/>
+      <dgm:spPr/>
+      <dgm:t>
+        <a:bodyPr/>
+        <a:lstStyle/>
+        <a:p>
+          <a:r>
+            <a:rPr lang="en-US" dirty="0"/>
+            <a:t>Action, Adventure, Sci-Fi, Fantasy, Mystery, and War are the most popular.</a:t>
+          </a:r>
+        </a:p>
+      </dgm:t>
+    </dgm:pt>
+    <dgm:pt modelId="{D257489D-CAD3-4FE7-9B12-16A556606FBE}" type="parTrans" cxnId="{3B6F139E-554A-47EE-A4A7-C573D1D67213}">
+      <dgm:prSet/>
+      <dgm:spPr/>
+      <dgm:t>
+        <a:bodyPr/>
+        <a:lstStyle/>
+        <a:p>
+          <a:endParaRPr lang="en-US"/>
+        </a:p>
+      </dgm:t>
+    </dgm:pt>
+    <dgm:pt modelId="{B011C5BD-5238-4DF3-BCB5-7603F2A52BC9}" type="sibTrans" cxnId="{3B6F139E-554A-47EE-A4A7-C573D1D67213}">
+      <dgm:prSet/>
+      <dgm:spPr/>
+      <dgm:t>
+        <a:bodyPr/>
+        <a:lstStyle/>
+        <a:p>
+          <a:endParaRPr lang="en-US"/>
+        </a:p>
+      </dgm:t>
+    </dgm:pt>
+    <dgm:pt modelId="{A4DB585F-4E4F-4872-B079-B02730B0A53E}">
+      <dgm:prSet/>
+      <dgm:spPr/>
+      <dgm:t>
+        <a:bodyPr/>
+        <a:lstStyle/>
+        <a:p>
+          <a:r>
+            <a:rPr lang="en-US" dirty="0"/>
+            <a:t>Gross Release a movie in both domestic and foreign markets to get the maximum gross. Foreign gross is responsible for over half of worldwide income (~53%). </a:t>
+          </a:r>
+        </a:p>
+      </dgm:t>
+    </dgm:pt>
+    <dgm:pt modelId="{1B1F397A-A9F7-437E-972D-B820D32FF72A}" type="parTrans" cxnId="{6FB4141B-0678-4F02-AD9D-0BABB9C6B0C1}">
+      <dgm:prSet/>
+      <dgm:spPr/>
+      <dgm:t>
+        <a:bodyPr/>
+        <a:lstStyle/>
+        <a:p>
+          <a:endParaRPr lang="en-US"/>
+        </a:p>
+      </dgm:t>
+    </dgm:pt>
+    <dgm:pt modelId="{2A3A5A07-1510-4B41-B23E-94F48C5DDA58}" type="sibTrans" cxnId="{6FB4141B-0678-4F02-AD9D-0BABB9C6B0C1}">
+      <dgm:prSet/>
+      <dgm:spPr/>
+      <dgm:t>
+        <a:bodyPr/>
+        <a:lstStyle/>
+        <a:p>
+          <a:endParaRPr lang="en-US"/>
+        </a:p>
+      </dgm:t>
+    </dgm:pt>
+    <dgm:pt modelId="{9DD8AF32-A68A-41D3-975D-6585243AAF44}">
+      <dgm:prSet/>
+      <dgm:spPr/>
+      <dgm:t>
+        <a:bodyPr/>
+        <a:lstStyle/>
+        <a:p>
+          <a:r>
+            <a:rPr lang="en-US" dirty="0"/>
+            <a:t>ROI  Fantasy and Romance are the most profitable genre combo followed by  Family/Fantasy/Musical </a:t>
+          </a:r>
+          <a:br>
+            <a:rPr lang="en-US" dirty="0"/>
+          </a:br>
+          <a:r>
+            <a:rPr lang="en-US" dirty="0"/>
+            <a:t>and Action/Adventure/Sci-Fi. </a:t>
+          </a:r>
+          <a:br>
+            <a:rPr lang="en-US" dirty="0"/>
+          </a:br>
+          <a:endParaRPr lang="en-US" dirty="0"/>
+        </a:p>
+      </dgm:t>
+    </dgm:pt>
+    <dgm:pt modelId="{D81177DA-7720-4199-8E35-7F70A3C0D83E}" type="parTrans" cxnId="{DDAFF2A4-2882-43A3-AE2B-460319CC334E}">
+      <dgm:prSet/>
+      <dgm:spPr/>
+      <dgm:t>
+        <a:bodyPr/>
+        <a:lstStyle/>
+        <a:p>
+          <a:endParaRPr lang="en-US"/>
+        </a:p>
+      </dgm:t>
+    </dgm:pt>
+    <dgm:pt modelId="{C24CB583-B7FE-46DF-807E-E75243611948}" type="sibTrans" cxnId="{DDAFF2A4-2882-43A3-AE2B-460319CC334E}">
+      <dgm:prSet/>
+      <dgm:spPr/>
+      <dgm:t>
+        <a:bodyPr/>
+        <a:lstStyle/>
+        <a:p>
+          <a:endParaRPr lang="en-US"/>
+        </a:p>
+      </dgm:t>
+    </dgm:pt>
+    <dgm:pt modelId="{9F436B95-6562-403F-9F09-55EA8DEEE0FB}">
+      <dgm:prSet/>
+      <dgm:spPr/>
+      <dgm:t>
+        <a:bodyPr/>
+        <a:lstStyle/>
+        <a:p>
+          <a:r>
+            <a:rPr lang="en-US" dirty="0"/>
+            <a:t>To analyze the trends in genres over the years. </a:t>
+          </a:r>
+        </a:p>
+      </dgm:t>
+    </dgm:pt>
+    <dgm:pt modelId="{4563743C-7D26-4D32-9988-6D6FD922BF6F}" type="parTrans" cxnId="{210D2D06-21EB-4DFA-B6D3-42D6951A1110}">
+      <dgm:prSet/>
+      <dgm:spPr/>
+      <dgm:t>
+        <a:bodyPr/>
+        <a:lstStyle/>
+        <a:p>
+          <a:endParaRPr lang="en-US"/>
+        </a:p>
+      </dgm:t>
+    </dgm:pt>
+    <dgm:pt modelId="{6D2F0B1F-B046-4F9B-A69A-A167E30DE5E7}" type="sibTrans" cxnId="{210D2D06-21EB-4DFA-B6D3-42D6951A1110}">
+      <dgm:prSet/>
+      <dgm:spPr/>
+      <dgm:t>
+        <a:bodyPr/>
+        <a:lstStyle/>
+        <a:p>
+          <a:endParaRPr lang="en-US"/>
+        </a:p>
+      </dgm:t>
+    </dgm:pt>
+    <dgm:pt modelId="{B3BB187F-BE93-4F9F-86B8-7A2FC422C005}">
+      <dgm:prSet/>
+      <dgm:spPr/>
+      <dgm:t>
+        <a:bodyPr/>
+        <a:lstStyle/>
+        <a:p>
+          <a:r>
+            <a:rPr lang="en-US" dirty="0"/>
+            <a:t>To get more recent data through APIs to see how pandemic has shaped a movie industry. </a:t>
+          </a:r>
+        </a:p>
+      </dgm:t>
+    </dgm:pt>
+    <dgm:pt modelId="{50969C44-7CB8-4683-BD70-2A1964DD40AB}" type="parTrans" cxnId="{46D36A4E-416D-4779-9B1B-2BD0FC40F7E5}">
+      <dgm:prSet/>
+      <dgm:spPr/>
+      <dgm:t>
+        <a:bodyPr/>
+        <a:lstStyle/>
+        <a:p>
+          <a:endParaRPr lang="en-US"/>
+        </a:p>
+      </dgm:t>
+    </dgm:pt>
+    <dgm:pt modelId="{64780C1F-C91E-4CB9-94DB-D7B418A58DC0}" type="sibTrans" cxnId="{46D36A4E-416D-4779-9B1B-2BD0FC40F7E5}">
+      <dgm:prSet/>
+      <dgm:spPr/>
+      <dgm:t>
+        <a:bodyPr/>
+        <a:lstStyle/>
+        <a:p>
+          <a:endParaRPr lang="en-US"/>
+        </a:p>
+      </dgm:t>
+    </dgm:pt>
+    <dgm:pt modelId="{F1F50861-C33A-4B35-8438-66EEF7645EBD}">
+      <dgm:prSet/>
+      <dgm:spPr/>
+      <dgm:t>
+        <a:bodyPr/>
+        <a:lstStyle/>
+        <a:p>
+          <a:r>
+            <a:rPr lang="en-US" dirty="0"/>
+            <a:t>To perform more in-depth analysis on ROI per genre. </a:t>
+          </a:r>
+        </a:p>
+      </dgm:t>
+    </dgm:pt>
+    <dgm:pt modelId="{3B6EB77A-BAC3-434B-93A3-9DDEF0F2FFAE}" type="parTrans" cxnId="{DEFD645D-82F9-4116-B207-5BF9F8B8E6F8}">
+      <dgm:prSet/>
+      <dgm:spPr/>
+      <dgm:t>
+        <a:bodyPr/>
+        <a:lstStyle/>
+        <a:p>
+          <a:endParaRPr lang="en-US"/>
+        </a:p>
+      </dgm:t>
+    </dgm:pt>
+    <dgm:pt modelId="{C4E315E2-1194-4700-9A2F-E8548645893B}" type="sibTrans" cxnId="{DEFD645D-82F9-4116-B207-5BF9F8B8E6F8}">
+      <dgm:prSet/>
+      <dgm:spPr/>
+      <dgm:t>
+        <a:bodyPr/>
+        <a:lstStyle/>
+        <a:p>
+          <a:endParaRPr lang="en-US"/>
+        </a:p>
+      </dgm:t>
+    </dgm:pt>
+    <dgm:pt modelId="{6C858226-1AA6-44C6-9762-3EFA2FDD4E80}">
+      <dgm:prSet/>
+      <dgm:spPr/>
+      <dgm:t>
+        <a:bodyPr/>
+        <a:lstStyle/>
+        <a:p>
+          <a:r>
+            <a:rPr lang="en-US" dirty="0"/>
+            <a:t>To look into a cast and directors whose movies are the most popular and profitable. </a:t>
+          </a:r>
+        </a:p>
+      </dgm:t>
+    </dgm:pt>
+    <dgm:pt modelId="{4FF08147-57FF-4E3D-B53E-EB8B531DD65F}" type="parTrans" cxnId="{08C91A80-9889-48D8-954C-BC087C54F61B}">
+      <dgm:prSet/>
+      <dgm:spPr/>
+      <dgm:t>
+        <a:bodyPr/>
+        <a:lstStyle/>
+        <a:p>
+          <a:endParaRPr lang="en-US"/>
+        </a:p>
+      </dgm:t>
+    </dgm:pt>
+    <dgm:pt modelId="{86E81C69-E6E9-4C90-AFD5-69EBCABF063B}" type="sibTrans" cxnId="{08C91A80-9889-48D8-954C-BC087C54F61B}">
+      <dgm:prSet/>
+      <dgm:spPr/>
+      <dgm:t>
+        <a:bodyPr/>
+        <a:lstStyle/>
+        <a:p>
+          <a:endParaRPr lang="en-US"/>
+        </a:p>
+      </dgm:t>
+    </dgm:pt>
+    <dgm:pt modelId="{11A79A14-B312-B849-8903-7A162D8E1ED5}" type="pres">
+      <dgm:prSet presAssocID="{69210A0E-C3B9-4EB4-82F1-3E298A601A50}" presName="diagram" presStyleCnt="0">
+        <dgm:presLayoutVars>
+          <dgm:dir/>
+          <dgm:resizeHandles val="exact"/>
+        </dgm:presLayoutVars>
+      </dgm:prSet>
       <dgm:spPr/>
     </dgm:pt>
-    <dgm:pt modelId="{24FE0702-89A6-624B-AF2F-987EDC76A160}" type="pres">
-      <dgm:prSet presAssocID="{709829D4-F53C-4DA1-AB1F-839672C99D58}" presName="childText" presStyleLbl="conFgAcc1" presStyleIdx="2" presStyleCnt="3">
+    <dgm:pt modelId="{14466FA1-B3D0-C34C-8E40-947EE72EEAC2}" type="pres">
+      <dgm:prSet presAssocID="{1C934295-A624-4BDC-AC50-3E2257593FC3}" presName="node" presStyleLbl="node1" presStyleIdx="0" presStyleCnt="7" custLinFactNeighborY="-50615">
+        <dgm:presLayoutVars>
+          <dgm:bulletEnabled val="1"/>
+        </dgm:presLayoutVars>
+      </dgm:prSet>
+      <dgm:spPr/>
+    </dgm:pt>
+    <dgm:pt modelId="{D5667E8B-CAC7-B446-95E9-727F55268335}" type="pres">
+      <dgm:prSet presAssocID="{B011C5BD-5238-4DF3-BCB5-7603F2A52BC9}" presName="sibTrans" presStyleCnt="0"/>
+      <dgm:spPr/>
+    </dgm:pt>
+    <dgm:pt modelId="{B183D0B4-624B-0D48-B8B6-9B604882EDB2}" type="pres">
+      <dgm:prSet presAssocID="{A4DB585F-4E4F-4872-B079-B02730B0A53E}" presName="node" presStyleLbl="node1" presStyleIdx="1" presStyleCnt="7" custLinFactNeighborY="-50615">
+        <dgm:presLayoutVars>
+          <dgm:bulletEnabled val="1"/>
+        </dgm:presLayoutVars>
+      </dgm:prSet>
+      <dgm:spPr/>
+    </dgm:pt>
+    <dgm:pt modelId="{DF84313A-FA95-8A4C-9DA5-BCFCE83C39C2}" type="pres">
+      <dgm:prSet presAssocID="{2A3A5A07-1510-4B41-B23E-94F48C5DDA58}" presName="sibTrans" presStyleCnt="0"/>
+      <dgm:spPr/>
+    </dgm:pt>
+    <dgm:pt modelId="{6C28D5DB-9F11-E548-B217-34BD7FF283C9}" type="pres">
+      <dgm:prSet presAssocID="{9DD8AF32-A68A-41D3-975D-6585243AAF44}" presName="node" presStyleLbl="node1" presStyleIdx="2" presStyleCnt="7" custLinFactNeighborY="-50615">
+        <dgm:presLayoutVars>
+          <dgm:bulletEnabled val="1"/>
+        </dgm:presLayoutVars>
+      </dgm:prSet>
+      <dgm:spPr/>
+    </dgm:pt>
+    <dgm:pt modelId="{660E9542-1D71-9D4F-966B-68AE3E007FFD}" type="pres">
+      <dgm:prSet presAssocID="{C24CB583-B7FE-46DF-807E-E75243611948}" presName="sibTrans" presStyleCnt="0"/>
+      <dgm:spPr/>
+    </dgm:pt>
+    <dgm:pt modelId="{D4AB9035-08F9-7143-9CEE-C91BC10371AE}" type="pres">
+      <dgm:prSet presAssocID="{9F436B95-6562-403F-9F09-55EA8DEEE0FB}" presName="node" presStyleLbl="node1" presStyleIdx="3" presStyleCnt="7" custLinFactX="-130126" custLinFactY="49937" custLinFactNeighborX="-200000" custLinFactNeighborY="100000">
+        <dgm:presLayoutVars>
+          <dgm:bulletEnabled val="1"/>
+        </dgm:presLayoutVars>
+      </dgm:prSet>
+      <dgm:spPr/>
+    </dgm:pt>
+    <dgm:pt modelId="{E2A21363-F9B5-1C47-A323-E58429B91B35}" type="pres">
+      <dgm:prSet presAssocID="{6D2F0B1F-B046-4F9B-A69A-A167E30DE5E7}" presName="sibTrans" presStyleCnt="0"/>
+      <dgm:spPr/>
+    </dgm:pt>
+    <dgm:pt modelId="{20368CCD-0348-F746-84EF-507410C93862}" type="pres">
+      <dgm:prSet presAssocID="{B3BB187F-BE93-4F9F-86B8-7A2FC422C005}" presName="node" presStyleLbl="node1" presStyleIdx="4" presStyleCnt="7" custLinFactNeighborX="54436" custLinFactNeighborY="34380">
+        <dgm:presLayoutVars>
+          <dgm:bulletEnabled val="1"/>
+        </dgm:presLayoutVars>
+      </dgm:prSet>
+      <dgm:spPr/>
+    </dgm:pt>
+    <dgm:pt modelId="{5626B71C-66B0-B947-99B7-A6461C532726}" type="pres">
+      <dgm:prSet presAssocID="{64780C1F-C91E-4CB9-94DB-D7B418A58DC0}" presName="sibTrans" presStyleCnt="0"/>
+      <dgm:spPr/>
+    </dgm:pt>
+    <dgm:pt modelId="{BB1775ED-4794-F342-8E0A-0EC351BF6A60}" type="pres">
+      <dgm:prSet presAssocID="{F1F50861-C33A-4B35-8438-66EEF7645EBD}" presName="node" presStyleLbl="node1" presStyleIdx="5" presStyleCnt="7" custLinFactNeighborX="54436" custLinFactNeighborY="34380">
+        <dgm:presLayoutVars>
+          <dgm:bulletEnabled val="1"/>
+        </dgm:presLayoutVars>
+      </dgm:prSet>
+      <dgm:spPr/>
+    </dgm:pt>
+    <dgm:pt modelId="{770A13C8-1AD5-9245-9C83-DF29DC3767F8}" type="pres">
+      <dgm:prSet presAssocID="{C4E315E2-1194-4700-9A2F-E8548645893B}" presName="sibTrans" presStyleCnt="0"/>
+      <dgm:spPr/>
+    </dgm:pt>
+    <dgm:pt modelId="{7535B475-221B-2243-B819-F454D59857C7}" type="pres">
+      <dgm:prSet presAssocID="{6C858226-1AA6-44C6-9762-3EFA2FDD4E80}" presName="node" presStyleLbl="node1" presStyleIdx="6" presStyleCnt="7" custLinFactNeighborX="54436" custLinFactNeighborY="34380">
         <dgm:presLayoutVars>
           <dgm:bulletEnabled val="1"/>
         </dgm:presLayoutVars>
@@ -3348,33 +4426,34 @@
     </dgm:pt>
   </dgm:ptLst>
   <dgm:cxnLst>
-    <dgm:cxn modelId="{9C569C12-4248-4684-8374-536BA8889711}" srcId="{E00507A5-0D3E-460E-B0AA-5CA796D4D355}" destId="{72D6FE89-D376-479F-88E3-90F1C7A806D9}" srcOrd="1" destOrd="0" parTransId="{5123BC5C-1E14-4E36-98DE-EBC2367C75C5}" sibTransId="{98421ADB-E407-4127-8E0F-D8132B0F6E14}"/>
-    <dgm:cxn modelId="{D20CED23-9985-A747-B4EF-FAB9898331EA}" type="presOf" srcId="{72D6FE89-D376-479F-88E3-90F1C7A806D9}" destId="{C6FA3083-F209-1245-9C8C-E6E4AAEEDC65}" srcOrd="0" destOrd="0" presId="urn:microsoft.com/office/officeart/2005/8/layout/list1"/>
-    <dgm:cxn modelId="{A0479924-63B4-49B1-9B18-A7197762AC94}" srcId="{E00507A5-0D3E-460E-B0AA-5CA796D4D355}" destId="{709829D4-F53C-4DA1-AB1F-839672C99D58}" srcOrd="2" destOrd="0" parTransId="{83551605-3A76-4247-B750-34C771C5F37F}" sibTransId="{BDFAE557-454C-4D42-BE7E-69FD1710DCE1}"/>
-    <dgm:cxn modelId="{146ECE87-D8BA-FB4C-8268-F66C6BF9B9A5}" type="presOf" srcId="{27B90409-572B-4D17-976D-FD8549869E07}" destId="{510A6EAC-705E-B04C-AF4D-2D3BE16AB123}" srcOrd="1" destOrd="0" presId="urn:microsoft.com/office/officeart/2005/8/layout/list1"/>
-    <dgm:cxn modelId="{4B4CC790-A710-E841-ADCD-096AFACA7265}" type="presOf" srcId="{27B90409-572B-4D17-976D-FD8549869E07}" destId="{58FC30A9-653D-B049-B2DC-0DB82A00FA7A}" srcOrd="0" destOrd="0" presId="urn:microsoft.com/office/officeart/2005/8/layout/list1"/>
-    <dgm:cxn modelId="{93966895-855C-2E4C-A9C0-6C7B00CC0B56}" type="presOf" srcId="{709829D4-F53C-4DA1-AB1F-839672C99D58}" destId="{6DFF7366-C936-3A41-A184-25934F91A2A5}" srcOrd="1" destOrd="0" presId="urn:microsoft.com/office/officeart/2005/8/layout/list1"/>
-    <dgm:cxn modelId="{B25C4EA1-893E-FC4A-9505-3EE7E4A2AB51}" type="presOf" srcId="{709829D4-F53C-4DA1-AB1F-839672C99D58}" destId="{E60FED85-C1AC-114E-AFCC-1EBB2FEE5327}" srcOrd="0" destOrd="0" presId="urn:microsoft.com/office/officeart/2005/8/layout/list1"/>
-    <dgm:cxn modelId="{582FC1E3-C893-4DBF-8F8D-ACBA0AACCDBD}" srcId="{E00507A5-0D3E-460E-B0AA-5CA796D4D355}" destId="{27B90409-572B-4D17-976D-FD8549869E07}" srcOrd="0" destOrd="0" parTransId="{7E26C318-DAC0-46AE-BFD8-8C4C10E64246}" sibTransId="{DFA482A0-BFF2-47FF-9150-55C455FC28CD}"/>
-    <dgm:cxn modelId="{1AD49CE4-2E78-534F-A04F-2F712CE4151E}" type="presOf" srcId="{72D6FE89-D376-479F-88E3-90F1C7A806D9}" destId="{B2F0CE03-CDC0-314A-A2FC-5BE073F14397}" srcOrd="1" destOrd="0" presId="urn:microsoft.com/office/officeart/2005/8/layout/list1"/>
-    <dgm:cxn modelId="{3258B0F0-B757-D848-860C-56BAC162198A}" type="presOf" srcId="{E00507A5-0D3E-460E-B0AA-5CA796D4D355}" destId="{0BD0A309-C61C-6245-9802-847AC422B929}" srcOrd="0" destOrd="0" presId="urn:microsoft.com/office/officeart/2005/8/layout/list1"/>
-    <dgm:cxn modelId="{0EEF2A01-AC64-2046-9490-D660720A06FA}" type="presParOf" srcId="{0BD0A309-C61C-6245-9802-847AC422B929}" destId="{82AD5D5A-B429-AA4B-A07A-1F8088CFE2D0}" srcOrd="0" destOrd="0" presId="urn:microsoft.com/office/officeart/2005/8/layout/list1"/>
-    <dgm:cxn modelId="{1AC98A7C-9763-0848-805B-A341919BC117}" type="presParOf" srcId="{82AD5D5A-B429-AA4B-A07A-1F8088CFE2D0}" destId="{58FC30A9-653D-B049-B2DC-0DB82A00FA7A}" srcOrd="0" destOrd="0" presId="urn:microsoft.com/office/officeart/2005/8/layout/list1"/>
-    <dgm:cxn modelId="{1E44E7AD-2D03-974C-9A12-50C80BC0F421}" type="presParOf" srcId="{82AD5D5A-B429-AA4B-A07A-1F8088CFE2D0}" destId="{510A6EAC-705E-B04C-AF4D-2D3BE16AB123}" srcOrd="1" destOrd="0" presId="urn:microsoft.com/office/officeart/2005/8/layout/list1"/>
-    <dgm:cxn modelId="{D2676247-11EF-8B4B-A1B8-B77C25609449}" type="presParOf" srcId="{0BD0A309-C61C-6245-9802-847AC422B929}" destId="{97E0EEE0-FC68-8643-ACBB-967336AADDBA}" srcOrd="1" destOrd="0" presId="urn:microsoft.com/office/officeart/2005/8/layout/list1"/>
-    <dgm:cxn modelId="{0EB6FC53-2C7A-3A4B-9E3B-A9079CA11E16}" type="presParOf" srcId="{0BD0A309-C61C-6245-9802-847AC422B929}" destId="{88D48789-1C3E-8D41-88DD-7CF91194FDDD}" srcOrd="2" destOrd="0" presId="urn:microsoft.com/office/officeart/2005/8/layout/list1"/>
-    <dgm:cxn modelId="{6CA2BA90-341E-E140-8BEB-78D2ADC222FC}" type="presParOf" srcId="{0BD0A309-C61C-6245-9802-847AC422B929}" destId="{7949393A-7C2D-9141-A204-3E828FBD508A}" srcOrd="3" destOrd="0" presId="urn:microsoft.com/office/officeart/2005/8/layout/list1"/>
-    <dgm:cxn modelId="{851333F3-DB28-0F4F-8966-FA363410ECCB}" type="presParOf" srcId="{0BD0A309-C61C-6245-9802-847AC422B929}" destId="{E459E16B-D152-1A44-A775-C19AF9C26315}" srcOrd="4" destOrd="0" presId="urn:microsoft.com/office/officeart/2005/8/layout/list1"/>
-    <dgm:cxn modelId="{DF9FA128-D9EA-8745-8A8C-8FE8B1F733A9}" type="presParOf" srcId="{E459E16B-D152-1A44-A775-C19AF9C26315}" destId="{C6FA3083-F209-1245-9C8C-E6E4AAEEDC65}" srcOrd="0" destOrd="0" presId="urn:microsoft.com/office/officeart/2005/8/layout/list1"/>
-    <dgm:cxn modelId="{0C0C6F0E-DC35-1B43-92D4-B2DA0DCB7B5E}" type="presParOf" srcId="{E459E16B-D152-1A44-A775-C19AF9C26315}" destId="{B2F0CE03-CDC0-314A-A2FC-5BE073F14397}" srcOrd="1" destOrd="0" presId="urn:microsoft.com/office/officeart/2005/8/layout/list1"/>
-    <dgm:cxn modelId="{8C05D762-1578-9149-A9E1-2D01FA0316C8}" type="presParOf" srcId="{0BD0A309-C61C-6245-9802-847AC422B929}" destId="{55B665E3-34DF-6641-8BBB-53D58281CABF}" srcOrd="5" destOrd="0" presId="urn:microsoft.com/office/officeart/2005/8/layout/list1"/>
-    <dgm:cxn modelId="{608F4ACE-8E25-B644-950C-B88E3AFC937A}" type="presParOf" srcId="{0BD0A309-C61C-6245-9802-847AC422B929}" destId="{15CAAAFD-8833-5E4A-8CBD-9B3F29D3A228}" srcOrd="6" destOrd="0" presId="urn:microsoft.com/office/officeart/2005/8/layout/list1"/>
-    <dgm:cxn modelId="{69712EA1-4C29-5140-8D02-1DB0EACFC57D}" type="presParOf" srcId="{0BD0A309-C61C-6245-9802-847AC422B929}" destId="{FB0A1D90-606D-104A-A8CA-CA016E644E5B}" srcOrd="7" destOrd="0" presId="urn:microsoft.com/office/officeart/2005/8/layout/list1"/>
-    <dgm:cxn modelId="{C551FDD9-047F-7F48-ACF4-9C3B4690F3B0}" type="presParOf" srcId="{0BD0A309-C61C-6245-9802-847AC422B929}" destId="{CF1EA618-9C84-5D4C-A807-370BBABC2A1D}" srcOrd="8" destOrd="0" presId="urn:microsoft.com/office/officeart/2005/8/layout/list1"/>
-    <dgm:cxn modelId="{E4840F1E-ED6C-574E-9371-36DE846CF9A7}" type="presParOf" srcId="{CF1EA618-9C84-5D4C-A807-370BBABC2A1D}" destId="{E60FED85-C1AC-114E-AFCC-1EBB2FEE5327}" srcOrd="0" destOrd="0" presId="urn:microsoft.com/office/officeart/2005/8/layout/list1"/>
-    <dgm:cxn modelId="{46051B20-5C35-C949-AD37-B9E96FFB790D}" type="presParOf" srcId="{CF1EA618-9C84-5D4C-A807-370BBABC2A1D}" destId="{6DFF7366-C936-3A41-A184-25934F91A2A5}" srcOrd="1" destOrd="0" presId="urn:microsoft.com/office/officeart/2005/8/layout/list1"/>
-    <dgm:cxn modelId="{5E7EEFCA-F098-554F-9EB1-CDDDD136064E}" type="presParOf" srcId="{0BD0A309-C61C-6245-9802-847AC422B929}" destId="{65372B07-348D-434F-8BEB-E8941F69BE7A}" srcOrd="9" destOrd="0" presId="urn:microsoft.com/office/officeart/2005/8/layout/list1"/>
-    <dgm:cxn modelId="{1C621789-F9BF-6E44-94B0-F09EF43E0EAF}" type="presParOf" srcId="{0BD0A309-C61C-6245-9802-847AC422B929}" destId="{24FE0702-89A6-624B-AF2F-987EDC76A160}" srcOrd="10" destOrd="0" presId="urn:microsoft.com/office/officeart/2005/8/layout/list1"/>
+    <dgm:cxn modelId="{210D2D06-21EB-4DFA-B6D3-42D6951A1110}" srcId="{69210A0E-C3B9-4EB4-82F1-3E298A601A50}" destId="{9F436B95-6562-403F-9F09-55EA8DEEE0FB}" srcOrd="3" destOrd="0" parTransId="{4563743C-7D26-4D32-9988-6D6FD922BF6F}" sibTransId="{6D2F0B1F-B046-4F9B-A69A-A167E30DE5E7}"/>
+    <dgm:cxn modelId="{27D55A0E-CB02-464D-87EC-10E6D17B1FF5}" type="presOf" srcId="{9DD8AF32-A68A-41D3-975D-6585243AAF44}" destId="{6C28D5DB-9F11-E548-B217-34BD7FF283C9}" srcOrd="0" destOrd="0" presId="urn:microsoft.com/office/officeart/2005/8/layout/default"/>
+    <dgm:cxn modelId="{6FB4141B-0678-4F02-AD9D-0BABB9C6B0C1}" srcId="{69210A0E-C3B9-4EB4-82F1-3E298A601A50}" destId="{A4DB585F-4E4F-4872-B079-B02730B0A53E}" srcOrd="1" destOrd="0" parTransId="{1B1F397A-A9F7-437E-972D-B820D32FF72A}" sibTransId="{2A3A5A07-1510-4B41-B23E-94F48C5DDA58}"/>
+    <dgm:cxn modelId="{D2930B2F-CD5D-E04C-919A-F65CD6973051}" type="presOf" srcId="{69210A0E-C3B9-4EB4-82F1-3E298A601A50}" destId="{11A79A14-B312-B849-8903-7A162D8E1ED5}" srcOrd="0" destOrd="0" presId="urn:microsoft.com/office/officeart/2005/8/layout/default"/>
+    <dgm:cxn modelId="{C9B7B430-C390-344F-B90D-4903DD2A6F07}" type="presOf" srcId="{1C934295-A624-4BDC-AC50-3E2257593FC3}" destId="{14466FA1-B3D0-C34C-8E40-947EE72EEAC2}" srcOrd="0" destOrd="0" presId="urn:microsoft.com/office/officeart/2005/8/layout/default"/>
+    <dgm:cxn modelId="{46D36A4E-416D-4779-9B1B-2BD0FC40F7E5}" srcId="{69210A0E-C3B9-4EB4-82F1-3E298A601A50}" destId="{B3BB187F-BE93-4F9F-86B8-7A2FC422C005}" srcOrd="4" destOrd="0" parTransId="{50969C44-7CB8-4683-BD70-2A1964DD40AB}" sibTransId="{64780C1F-C91E-4CB9-94DB-D7B418A58DC0}"/>
+    <dgm:cxn modelId="{DEFD645D-82F9-4116-B207-5BF9F8B8E6F8}" srcId="{69210A0E-C3B9-4EB4-82F1-3E298A601A50}" destId="{F1F50861-C33A-4B35-8438-66EEF7645EBD}" srcOrd="5" destOrd="0" parTransId="{3B6EB77A-BAC3-434B-93A3-9DDEF0F2FFAE}" sibTransId="{C4E315E2-1194-4700-9A2F-E8548645893B}"/>
+    <dgm:cxn modelId="{08C91A80-9889-48D8-954C-BC087C54F61B}" srcId="{69210A0E-C3B9-4EB4-82F1-3E298A601A50}" destId="{6C858226-1AA6-44C6-9762-3EFA2FDD4E80}" srcOrd="6" destOrd="0" parTransId="{4FF08147-57FF-4E3D-B53E-EB8B531DD65F}" sibTransId="{86E81C69-E6E9-4C90-AFD5-69EBCABF063B}"/>
+    <dgm:cxn modelId="{3B6F139E-554A-47EE-A4A7-C573D1D67213}" srcId="{69210A0E-C3B9-4EB4-82F1-3E298A601A50}" destId="{1C934295-A624-4BDC-AC50-3E2257593FC3}" srcOrd="0" destOrd="0" parTransId="{D257489D-CAD3-4FE7-9B12-16A556606FBE}" sibTransId="{B011C5BD-5238-4DF3-BCB5-7603F2A52BC9}"/>
+    <dgm:cxn modelId="{DDAFF2A4-2882-43A3-AE2B-460319CC334E}" srcId="{69210A0E-C3B9-4EB4-82F1-3E298A601A50}" destId="{9DD8AF32-A68A-41D3-975D-6585243AAF44}" srcOrd="2" destOrd="0" parTransId="{D81177DA-7720-4199-8E35-7F70A3C0D83E}" sibTransId="{C24CB583-B7FE-46DF-807E-E75243611948}"/>
+    <dgm:cxn modelId="{4C6272A8-8225-DE4B-B7E5-1C34EC8599FE}" type="presOf" srcId="{6C858226-1AA6-44C6-9762-3EFA2FDD4E80}" destId="{7535B475-221B-2243-B819-F454D59857C7}" srcOrd="0" destOrd="0" presId="urn:microsoft.com/office/officeart/2005/8/layout/default"/>
+    <dgm:cxn modelId="{FB00BFB6-256C-8848-86EC-1C5559197D5A}" type="presOf" srcId="{F1F50861-C33A-4B35-8438-66EEF7645EBD}" destId="{BB1775ED-4794-F342-8E0A-0EC351BF6A60}" srcOrd="0" destOrd="0" presId="urn:microsoft.com/office/officeart/2005/8/layout/default"/>
+    <dgm:cxn modelId="{FB0DFDC2-1A90-CE4B-BF75-215D4474B1B2}" type="presOf" srcId="{9F436B95-6562-403F-9F09-55EA8DEEE0FB}" destId="{D4AB9035-08F9-7143-9CEE-C91BC10371AE}" srcOrd="0" destOrd="0" presId="urn:microsoft.com/office/officeart/2005/8/layout/default"/>
+    <dgm:cxn modelId="{7E3EFED9-031E-634F-ACF8-C044B518FD26}" type="presOf" srcId="{B3BB187F-BE93-4F9F-86B8-7A2FC422C005}" destId="{20368CCD-0348-F746-84EF-507410C93862}" srcOrd="0" destOrd="0" presId="urn:microsoft.com/office/officeart/2005/8/layout/default"/>
+    <dgm:cxn modelId="{4BC81CF4-CF26-3944-9E96-8DE1B795C9D7}" type="presOf" srcId="{A4DB585F-4E4F-4872-B079-B02730B0A53E}" destId="{B183D0B4-624B-0D48-B8B6-9B604882EDB2}" srcOrd="0" destOrd="0" presId="urn:microsoft.com/office/officeart/2005/8/layout/default"/>
+    <dgm:cxn modelId="{ABAF7950-57C7-3E42-998D-892E9A90A2D7}" type="presParOf" srcId="{11A79A14-B312-B849-8903-7A162D8E1ED5}" destId="{14466FA1-B3D0-C34C-8E40-947EE72EEAC2}" srcOrd="0" destOrd="0" presId="urn:microsoft.com/office/officeart/2005/8/layout/default"/>
+    <dgm:cxn modelId="{A984776A-431B-6944-9758-7136B624D2F7}" type="presParOf" srcId="{11A79A14-B312-B849-8903-7A162D8E1ED5}" destId="{D5667E8B-CAC7-B446-95E9-727F55268335}" srcOrd="1" destOrd="0" presId="urn:microsoft.com/office/officeart/2005/8/layout/default"/>
+    <dgm:cxn modelId="{08EF6068-4575-9B46-94E7-3C0680C59E2D}" type="presParOf" srcId="{11A79A14-B312-B849-8903-7A162D8E1ED5}" destId="{B183D0B4-624B-0D48-B8B6-9B604882EDB2}" srcOrd="2" destOrd="0" presId="urn:microsoft.com/office/officeart/2005/8/layout/default"/>
+    <dgm:cxn modelId="{E33FAC0E-29EE-CC49-AEBF-B603CCF3202A}" type="presParOf" srcId="{11A79A14-B312-B849-8903-7A162D8E1ED5}" destId="{DF84313A-FA95-8A4C-9DA5-BCFCE83C39C2}" srcOrd="3" destOrd="0" presId="urn:microsoft.com/office/officeart/2005/8/layout/default"/>
+    <dgm:cxn modelId="{B2706ED4-EE1A-194B-AF1E-F88AE6BFCB4F}" type="presParOf" srcId="{11A79A14-B312-B849-8903-7A162D8E1ED5}" destId="{6C28D5DB-9F11-E548-B217-34BD7FF283C9}" srcOrd="4" destOrd="0" presId="urn:microsoft.com/office/officeart/2005/8/layout/default"/>
+    <dgm:cxn modelId="{99ED0FCE-A84B-984B-BB32-DCDCB97D45D5}" type="presParOf" srcId="{11A79A14-B312-B849-8903-7A162D8E1ED5}" destId="{660E9542-1D71-9D4F-966B-68AE3E007FFD}" srcOrd="5" destOrd="0" presId="urn:microsoft.com/office/officeart/2005/8/layout/default"/>
+    <dgm:cxn modelId="{AB6C7203-C5D9-5248-AEFE-269C25CB64C6}" type="presParOf" srcId="{11A79A14-B312-B849-8903-7A162D8E1ED5}" destId="{D4AB9035-08F9-7143-9CEE-C91BC10371AE}" srcOrd="6" destOrd="0" presId="urn:microsoft.com/office/officeart/2005/8/layout/default"/>
+    <dgm:cxn modelId="{65460A87-819A-0246-994D-8FF653A9CAAC}" type="presParOf" srcId="{11A79A14-B312-B849-8903-7A162D8E1ED5}" destId="{E2A21363-F9B5-1C47-A323-E58429B91B35}" srcOrd="7" destOrd="0" presId="urn:microsoft.com/office/officeart/2005/8/layout/default"/>
+    <dgm:cxn modelId="{D5A51681-994D-2F44-8ADC-BAA32BCDE9F9}" type="presParOf" srcId="{11A79A14-B312-B849-8903-7A162D8E1ED5}" destId="{20368CCD-0348-F746-84EF-507410C93862}" srcOrd="8" destOrd="0" presId="urn:microsoft.com/office/officeart/2005/8/layout/default"/>
+    <dgm:cxn modelId="{8B731249-9818-2A49-98A9-79751DC4A939}" type="presParOf" srcId="{11A79A14-B312-B849-8903-7A162D8E1ED5}" destId="{5626B71C-66B0-B947-99B7-A6461C532726}" srcOrd="9" destOrd="0" presId="urn:microsoft.com/office/officeart/2005/8/layout/default"/>
+    <dgm:cxn modelId="{14950C60-01C9-F34A-B4C1-35EC5FCFE009}" type="presParOf" srcId="{11A79A14-B312-B849-8903-7A162D8E1ED5}" destId="{BB1775ED-4794-F342-8E0A-0EC351BF6A60}" srcOrd="10" destOrd="0" presId="urn:microsoft.com/office/officeart/2005/8/layout/default"/>
+    <dgm:cxn modelId="{6BB1E145-3752-AC4A-A5AF-C521A3A834E3}" type="presParOf" srcId="{11A79A14-B312-B849-8903-7A162D8E1ED5}" destId="{770A13C8-1AD5-9245-9C83-DF29DC3767F8}" srcOrd="11" destOrd="0" presId="urn:microsoft.com/office/officeart/2005/8/layout/default"/>
+    <dgm:cxn modelId="{9715B4B8-6F67-5C40-9C93-A2FD7B3F3313}" type="presParOf" srcId="{11A79A14-B312-B849-8903-7A162D8E1ED5}" destId="{7535B475-221B-2243-B819-F454D59857C7}" srcOrd="12" destOrd="0" presId="urn:microsoft.com/office/officeart/2005/8/layout/default"/>
   </dgm:cxnLst>
   <dgm:bg/>
   <dgm:whole/>
@@ -4401,64 +5480,15 @@
       <dsp:cNvGrpSpPr/>
     </dsp:nvGrpSpPr>
     <dsp:grpSpPr/>
-    <dsp:sp modelId="{88D48789-1C3E-8D41-88DD-7CF91194FDDD}">
+    <dsp:sp modelId="{3AD4A75E-471C-B24A-BBA5-C11727DC5F98}">
       <dsp:nvSpPr>
         <dsp:cNvPr id="0" name=""/>
         <dsp:cNvSpPr/>
       </dsp:nvSpPr>
       <dsp:spPr>
         <a:xfrm>
-          <a:off x="0" y="415310"/>
-          <a:ext cx="8476434" cy="630000"/>
-        </a:xfrm>
-        <a:prstGeom prst="rect">
-          <a:avLst/>
-        </a:prstGeom>
-        <a:solidFill>
-          <a:schemeClr val="lt1">
-            <a:alpha val="90000"/>
-            <a:hueOff val="0"/>
-            <a:satOff val="0"/>
-            <a:lumOff val="0"/>
-            <a:alphaOff val="0"/>
-          </a:schemeClr>
-        </a:solidFill>
-        <a:ln w="12700" cap="flat" cmpd="sng" algn="ctr">
-          <a:solidFill>
-            <a:schemeClr val="accent1">
-              <a:hueOff val="0"/>
-              <a:satOff val="0"/>
-              <a:lumOff val="0"/>
-              <a:alphaOff val="0"/>
-            </a:schemeClr>
-          </a:solidFill>
-          <a:prstDash val="solid"/>
-          <a:miter lim="800000"/>
-        </a:ln>
-        <a:effectLst/>
-      </dsp:spPr>
-      <dsp:style>
-        <a:lnRef idx="2">
-          <a:scrgbClr r="0" g="0" b="0"/>
-        </a:lnRef>
-        <a:fillRef idx="1">
-          <a:scrgbClr r="0" g="0" b="0"/>
-        </a:fillRef>
-        <a:effectRef idx="0">
-          <a:scrgbClr r="0" g="0" b="0"/>
-        </a:effectRef>
-        <a:fontRef idx="minor"/>
-      </dsp:style>
-    </dsp:sp>
-    <dsp:sp modelId="{510A6EAC-705E-B04C-AF4D-2D3BE16AB123}">
-      <dsp:nvSpPr>
-        <dsp:cNvPr id="0" name=""/>
-        <dsp:cNvSpPr/>
-      </dsp:nvSpPr>
-      <dsp:spPr>
-        <a:xfrm>
-          <a:off x="423821" y="46310"/>
-          <a:ext cx="5933503" cy="738000"/>
+          <a:off x="0" y="23596"/>
+          <a:ext cx="1692844" cy="335790"/>
         </a:xfrm>
         <a:prstGeom prst="roundRect">
           <a:avLst/>
@@ -4500,12 +5530,12 @@
         </a:fontRef>
       </dsp:style>
       <dsp:txBody>
-        <a:bodyPr spcFirstLastPara="0" vert="horz" wrap="square" lIns="224272" tIns="0" rIns="224272" bIns="0" numCol="1" spcCol="1270" anchor="ctr" anchorCtr="0">
+        <a:bodyPr spcFirstLastPara="0" vert="horz" wrap="square" lIns="53340" tIns="53340" rIns="53340" bIns="53340" numCol="1" spcCol="1270" anchor="ctr" anchorCtr="0">
           <a:noAutofit/>
         </a:bodyPr>
         <a:lstStyle/>
         <a:p>
-          <a:pPr marL="0" lvl="0" indent="0" algn="l" defTabSz="1111250">
+          <a:pPr marL="0" lvl="0" indent="0" algn="l" defTabSz="622300">
             <a:lnSpc>
               <a:spcPct val="90000"/>
             </a:lnSpc>
@@ -4518,77 +5548,28 @@
             <a:buNone/>
           </a:pPr>
           <a:r>
-            <a:rPr lang="en-US" sz="2500" u="sng" kern="1200" dirty="0">
+            <a:rPr lang="en-US" sz="1400" u="sng" kern="1200" dirty="0">
               <a:hlinkClick xmlns:r="http://schemas.openxmlformats.org/officeDocument/2006/relationships" r:id="rId1"/>
             </a:rPr>
             <a:t>Box Office Mojo</a:t>
           </a:r>
-          <a:endParaRPr lang="en-US" sz="2500" kern="1200" dirty="0"/>
+          <a:endParaRPr lang="en-US" sz="1400" kern="1200" dirty="0"/>
         </a:p>
       </dsp:txBody>
       <dsp:txXfrm>
-        <a:off x="459847" y="82336"/>
-        <a:ext cx="5861451" cy="665948"/>
+        <a:off x="16392" y="39988"/>
+        <a:ext cx="1660060" cy="303006"/>
       </dsp:txXfrm>
     </dsp:sp>
-    <dsp:sp modelId="{15CAAAFD-8833-5E4A-8CBD-9B3F29D3A228}">
+    <dsp:sp modelId="{67B344BB-D8F4-BF43-8DF1-D82D47A93F4E}">
       <dsp:nvSpPr>
         <dsp:cNvPr id="0" name=""/>
         <dsp:cNvSpPr/>
       </dsp:nvSpPr>
       <dsp:spPr>
         <a:xfrm>
-          <a:off x="0" y="1549310"/>
-          <a:ext cx="8476434" cy="630000"/>
-        </a:xfrm>
-        <a:prstGeom prst="rect">
-          <a:avLst/>
-        </a:prstGeom>
-        <a:solidFill>
-          <a:schemeClr val="lt1">
-            <a:alpha val="90000"/>
-            <a:hueOff val="0"/>
-            <a:satOff val="0"/>
-            <a:lumOff val="0"/>
-            <a:alphaOff val="0"/>
-          </a:schemeClr>
-        </a:solidFill>
-        <a:ln w="12700" cap="flat" cmpd="sng" algn="ctr">
-          <a:solidFill>
-            <a:schemeClr val="accent1">
-              <a:hueOff val="0"/>
-              <a:satOff val="0"/>
-              <a:lumOff val="0"/>
-              <a:alphaOff val="0"/>
-            </a:schemeClr>
-          </a:solidFill>
-          <a:prstDash val="solid"/>
-          <a:miter lim="800000"/>
-        </a:ln>
-        <a:effectLst/>
-      </dsp:spPr>
-      <dsp:style>
-        <a:lnRef idx="2">
-          <a:scrgbClr r="0" g="0" b="0"/>
-        </a:lnRef>
-        <a:fillRef idx="1">
-          <a:scrgbClr r="0" g="0" b="0"/>
-        </a:fillRef>
-        <a:effectRef idx="0">
-          <a:scrgbClr r="0" g="0" b="0"/>
-        </a:effectRef>
-        <a:fontRef idx="minor"/>
-      </dsp:style>
-    </dsp:sp>
-    <dsp:sp modelId="{B2F0CE03-CDC0-314A-A2FC-5BE073F14397}">
-      <dsp:nvSpPr>
-        <dsp:cNvPr id="0" name=""/>
-        <dsp:cNvSpPr/>
-      </dsp:nvSpPr>
-      <dsp:spPr>
-        <a:xfrm>
-          <a:off x="423821" y="1180310"/>
-          <a:ext cx="5933503" cy="738000"/>
+          <a:off x="0" y="399706"/>
+          <a:ext cx="1692844" cy="335790"/>
         </a:xfrm>
         <a:prstGeom prst="roundRect">
           <a:avLst/>
@@ -4630,12 +5611,12 @@
         </a:fontRef>
       </dsp:style>
       <dsp:txBody>
-        <a:bodyPr spcFirstLastPara="0" vert="horz" wrap="square" lIns="224272" tIns="0" rIns="224272" bIns="0" numCol="1" spcCol="1270" anchor="ctr" anchorCtr="0">
+        <a:bodyPr spcFirstLastPara="0" vert="horz" wrap="square" lIns="53340" tIns="53340" rIns="53340" bIns="53340" numCol="1" spcCol="1270" anchor="ctr" anchorCtr="0">
           <a:noAutofit/>
         </a:bodyPr>
         <a:lstStyle/>
         <a:p>
-          <a:pPr marL="0" lvl="0" indent="0" algn="l" defTabSz="1111250">
+          <a:pPr marL="0" lvl="0" indent="0" algn="l" defTabSz="622300">
             <a:lnSpc>
               <a:spcPct val="90000"/>
             </a:lnSpc>
@@ -4648,77 +5629,28 @@
             <a:buNone/>
           </a:pPr>
           <a:r>
-            <a:rPr lang="en-US" sz="2500" u="sng" kern="1200">
+            <a:rPr lang="en-US" sz="1400" u="sng" kern="1200">
               <a:hlinkClick xmlns:r="http://schemas.openxmlformats.org/officeDocument/2006/relationships" r:id="rId2"/>
             </a:rPr>
             <a:t>IMDB </a:t>
           </a:r>
-          <a:endParaRPr lang="en-US" sz="2500" kern="1200"/>
+          <a:endParaRPr lang="en-US" sz="1400" kern="1200"/>
         </a:p>
       </dsp:txBody>
       <dsp:txXfrm>
-        <a:off x="459847" y="1216336"/>
-        <a:ext cx="5861451" cy="665948"/>
+        <a:off x="16392" y="416098"/>
+        <a:ext cx="1660060" cy="303006"/>
       </dsp:txXfrm>
     </dsp:sp>
-    <dsp:sp modelId="{24FE0702-89A6-624B-AF2F-987EDC76A160}">
+    <dsp:sp modelId="{F3C84F78-008D-3143-A086-B6C8B19282C4}">
       <dsp:nvSpPr>
         <dsp:cNvPr id="0" name=""/>
         <dsp:cNvSpPr/>
       </dsp:nvSpPr>
       <dsp:spPr>
         <a:xfrm>
-          <a:off x="0" y="2683310"/>
-          <a:ext cx="8476434" cy="630000"/>
-        </a:xfrm>
-        <a:prstGeom prst="rect">
-          <a:avLst/>
-        </a:prstGeom>
-        <a:solidFill>
-          <a:schemeClr val="lt1">
-            <a:alpha val="90000"/>
-            <a:hueOff val="0"/>
-            <a:satOff val="0"/>
-            <a:lumOff val="0"/>
-            <a:alphaOff val="0"/>
-          </a:schemeClr>
-        </a:solidFill>
-        <a:ln w="12700" cap="flat" cmpd="sng" algn="ctr">
-          <a:solidFill>
-            <a:schemeClr val="accent1">
-              <a:hueOff val="0"/>
-              <a:satOff val="0"/>
-              <a:lumOff val="0"/>
-              <a:alphaOff val="0"/>
-            </a:schemeClr>
-          </a:solidFill>
-          <a:prstDash val="solid"/>
-          <a:miter lim="800000"/>
-        </a:ln>
-        <a:effectLst/>
-      </dsp:spPr>
-      <dsp:style>
-        <a:lnRef idx="2">
-          <a:scrgbClr r="0" g="0" b="0"/>
-        </a:lnRef>
-        <a:fillRef idx="1">
-          <a:scrgbClr r="0" g="0" b="0"/>
-        </a:fillRef>
-        <a:effectRef idx="0">
-          <a:scrgbClr r="0" g="0" b="0"/>
-        </a:effectRef>
-        <a:fontRef idx="minor"/>
-      </dsp:style>
-    </dsp:sp>
-    <dsp:sp modelId="{6DFF7366-C936-3A41-A184-25934F91A2A5}">
-      <dsp:nvSpPr>
-        <dsp:cNvPr id="0" name=""/>
-        <dsp:cNvSpPr/>
-      </dsp:nvSpPr>
-      <dsp:spPr>
-        <a:xfrm>
-          <a:off x="423821" y="2314310"/>
-          <a:ext cx="5933503" cy="738000"/>
+          <a:off x="0" y="775816"/>
+          <a:ext cx="1692844" cy="335790"/>
         </a:xfrm>
         <a:prstGeom prst="roundRect">
           <a:avLst/>
@@ -4760,12 +5692,12 @@
         </a:fontRef>
       </dsp:style>
       <dsp:txBody>
-        <a:bodyPr spcFirstLastPara="0" vert="horz" wrap="square" lIns="224272" tIns="0" rIns="224272" bIns="0" numCol="1" spcCol="1270" anchor="ctr" anchorCtr="0">
+        <a:bodyPr spcFirstLastPara="0" vert="horz" wrap="square" lIns="53340" tIns="53340" rIns="53340" bIns="53340" numCol="1" spcCol="1270" anchor="ctr" anchorCtr="0">
           <a:noAutofit/>
         </a:bodyPr>
         <a:lstStyle/>
         <a:p>
-          <a:pPr marL="0" lvl="0" indent="0" algn="l" defTabSz="1111250">
+          <a:pPr marL="0" lvl="0" indent="0" algn="l" defTabSz="622300">
             <a:lnSpc>
               <a:spcPct val="90000"/>
             </a:lnSpc>
@@ -4778,17 +5710,586 @@
             <a:buNone/>
           </a:pPr>
           <a:r>
-            <a:rPr lang="en-US" sz="2500" u="sng" kern="1200">
+            <a:rPr lang="en-US" sz="1400" u="sng" kern="1200">
               <a:hlinkClick xmlns:r="http://schemas.openxmlformats.org/officeDocument/2006/relationships" r:id="rId3"/>
             </a:rPr>
             <a:t>The Numbers</a:t>
           </a:r>
-          <a:endParaRPr lang="en-US" sz="2500" kern="1200"/>
+          <a:endParaRPr lang="en-US" sz="1400" kern="1200"/>
         </a:p>
       </dsp:txBody>
       <dsp:txXfrm>
-        <a:off x="459847" y="2350336"/>
-        <a:ext cx="5861451" cy="665948"/>
+        <a:off x="16392" y="792208"/>
+        <a:ext cx="1660060" cy="303006"/>
+      </dsp:txXfrm>
+    </dsp:sp>
+  </dsp:spTree>
+</dsp:drawing>
+</file>
+
+<file path=ppt/diagrams/drawing4.xml><?xml version="1.0" encoding="utf-8"?>
+<dsp:drawing xmlns:dgm="http://schemas.openxmlformats.org/drawingml/2006/diagram" xmlns:dsp="http://schemas.microsoft.com/office/drawing/2008/diagram" xmlns:a="http://schemas.openxmlformats.org/drawingml/2006/main">
+  <dsp:spTree>
+    <dsp:nvGrpSpPr>
+      <dsp:cNvPr id="0" name=""/>
+      <dsp:cNvGrpSpPr/>
+    </dsp:nvGrpSpPr>
+    <dsp:grpSpPr/>
+    <dsp:sp modelId="{14466FA1-B3D0-C34C-8E40-947EE72EEAC2}">
+      <dsp:nvSpPr>
+        <dsp:cNvPr id="0" name=""/>
+        <dsp:cNvSpPr/>
+      </dsp:nvSpPr>
+      <dsp:spPr>
+        <a:xfrm>
+          <a:off x="2483" y="30126"/>
+          <a:ext cx="1970108" cy="1182065"/>
+        </a:xfrm>
+        <a:prstGeom prst="rect">
+          <a:avLst/>
+        </a:prstGeom>
+        <a:solidFill>
+          <a:schemeClr val="accent1">
+            <a:hueOff val="0"/>
+            <a:satOff val="0"/>
+            <a:lumOff val="0"/>
+            <a:alphaOff val="0"/>
+          </a:schemeClr>
+        </a:solidFill>
+        <a:ln w="12700" cap="flat" cmpd="sng" algn="ctr">
+          <a:solidFill>
+            <a:schemeClr val="lt1">
+              <a:hueOff val="0"/>
+              <a:satOff val="0"/>
+              <a:lumOff val="0"/>
+              <a:alphaOff val="0"/>
+            </a:schemeClr>
+          </a:solidFill>
+          <a:prstDash val="solid"/>
+          <a:miter lim="800000"/>
+        </a:ln>
+        <a:effectLst/>
+      </dsp:spPr>
+      <dsp:style>
+        <a:lnRef idx="2">
+          <a:scrgbClr r="0" g="0" b="0"/>
+        </a:lnRef>
+        <a:fillRef idx="1">
+          <a:scrgbClr r="0" g="0" b="0"/>
+        </a:fillRef>
+        <a:effectRef idx="0">
+          <a:scrgbClr r="0" g="0" b="0"/>
+        </a:effectRef>
+        <a:fontRef idx="minor">
+          <a:schemeClr val="lt1"/>
+        </a:fontRef>
+      </dsp:style>
+      <dsp:txBody>
+        <a:bodyPr spcFirstLastPara="0" vert="horz" wrap="square" lIns="45720" tIns="45720" rIns="45720" bIns="45720" numCol="1" spcCol="1270" anchor="ctr" anchorCtr="0">
+          <a:noAutofit/>
+        </a:bodyPr>
+        <a:lstStyle/>
+        <a:p>
+          <a:pPr marL="0" lvl="0" indent="0" algn="ctr" defTabSz="533400">
+            <a:lnSpc>
+              <a:spcPct val="90000"/>
+            </a:lnSpc>
+            <a:spcBef>
+              <a:spcPct val="0"/>
+            </a:spcBef>
+            <a:spcAft>
+              <a:spcPct val="35000"/>
+            </a:spcAft>
+            <a:buNone/>
+          </a:pPr>
+          <a:r>
+            <a:rPr lang="en-US" sz="1200" kern="1200" dirty="0"/>
+            <a:t>Action, Adventure, Sci-Fi, Fantasy, Mystery, and War are the most popular.</a:t>
+          </a:r>
+        </a:p>
+      </dsp:txBody>
+      <dsp:txXfrm>
+        <a:off x="2483" y="30126"/>
+        <a:ext cx="1970108" cy="1182065"/>
+      </dsp:txXfrm>
+    </dsp:sp>
+    <dsp:sp modelId="{B183D0B4-624B-0D48-B8B6-9B604882EDB2}">
+      <dsp:nvSpPr>
+        <dsp:cNvPr id="0" name=""/>
+        <dsp:cNvSpPr/>
+      </dsp:nvSpPr>
+      <dsp:spPr>
+        <a:xfrm>
+          <a:off x="2169602" y="30126"/>
+          <a:ext cx="1970108" cy="1182065"/>
+        </a:xfrm>
+        <a:prstGeom prst="rect">
+          <a:avLst/>
+        </a:prstGeom>
+        <a:solidFill>
+          <a:schemeClr val="accent1">
+            <a:hueOff val="0"/>
+            <a:satOff val="0"/>
+            <a:lumOff val="0"/>
+            <a:alphaOff val="0"/>
+          </a:schemeClr>
+        </a:solidFill>
+        <a:ln w="12700" cap="flat" cmpd="sng" algn="ctr">
+          <a:solidFill>
+            <a:schemeClr val="lt1">
+              <a:hueOff val="0"/>
+              <a:satOff val="0"/>
+              <a:lumOff val="0"/>
+              <a:alphaOff val="0"/>
+            </a:schemeClr>
+          </a:solidFill>
+          <a:prstDash val="solid"/>
+          <a:miter lim="800000"/>
+        </a:ln>
+        <a:effectLst/>
+      </dsp:spPr>
+      <dsp:style>
+        <a:lnRef idx="2">
+          <a:scrgbClr r="0" g="0" b="0"/>
+        </a:lnRef>
+        <a:fillRef idx="1">
+          <a:scrgbClr r="0" g="0" b="0"/>
+        </a:fillRef>
+        <a:effectRef idx="0">
+          <a:scrgbClr r="0" g="0" b="0"/>
+        </a:effectRef>
+        <a:fontRef idx="minor">
+          <a:schemeClr val="lt1"/>
+        </a:fontRef>
+      </dsp:style>
+      <dsp:txBody>
+        <a:bodyPr spcFirstLastPara="0" vert="horz" wrap="square" lIns="45720" tIns="45720" rIns="45720" bIns="45720" numCol="1" spcCol="1270" anchor="ctr" anchorCtr="0">
+          <a:noAutofit/>
+        </a:bodyPr>
+        <a:lstStyle/>
+        <a:p>
+          <a:pPr marL="0" lvl="0" indent="0" algn="ctr" defTabSz="533400">
+            <a:lnSpc>
+              <a:spcPct val="90000"/>
+            </a:lnSpc>
+            <a:spcBef>
+              <a:spcPct val="0"/>
+            </a:spcBef>
+            <a:spcAft>
+              <a:spcPct val="35000"/>
+            </a:spcAft>
+            <a:buNone/>
+          </a:pPr>
+          <a:r>
+            <a:rPr lang="en-US" sz="1200" kern="1200" dirty="0"/>
+            <a:t>Gross Release a movie in both domestic and foreign markets to get the maximum gross. Foreign gross is responsible for over half of worldwide income (~53%). </a:t>
+          </a:r>
+        </a:p>
+      </dsp:txBody>
+      <dsp:txXfrm>
+        <a:off x="2169602" y="30126"/>
+        <a:ext cx="1970108" cy="1182065"/>
+      </dsp:txXfrm>
+    </dsp:sp>
+    <dsp:sp modelId="{6C28D5DB-9F11-E548-B217-34BD7FF283C9}">
+      <dsp:nvSpPr>
+        <dsp:cNvPr id="0" name=""/>
+        <dsp:cNvSpPr/>
+      </dsp:nvSpPr>
+      <dsp:spPr>
+        <a:xfrm>
+          <a:off x="4336722" y="30126"/>
+          <a:ext cx="1970108" cy="1182065"/>
+        </a:xfrm>
+        <a:prstGeom prst="rect">
+          <a:avLst/>
+        </a:prstGeom>
+        <a:solidFill>
+          <a:schemeClr val="accent1">
+            <a:hueOff val="0"/>
+            <a:satOff val="0"/>
+            <a:lumOff val="0"/>
+            <a:alphaOff val="0"/>
+          </a:schemeClr>
+        </a:solidFill>
+        <a:ln w="12700" cap="flat" cmpd="sng" algn="ctr">
+          <a:solidFill>
+            <a:schemeClr val="lt1">
+              <a:hueOff val="0"/>
+              <a:satOff val="0"/>
+              <a:lumOff val="0"/>
+              <a:alphaOff val="0"/>
+            </a:schemeClr>
+          </a:solidFill>
+          <a:prstDash val="solid"/>
+          <a:miter lim="800000"/>
+        </a:ln>
+        <a:effectLst/>
+      </dsp:spPr>
+      <dsp:style>
+        <a:lnRef idx="2">
+          <a:scrgbClr r="0" g="0" b="0"/>
+        </a:lnRef>
+        <a:fillRef idx="1">
+          <a:scrgbClr r="0" g="0" b="0"/>
+        </a:fillRef>
+        <a:effectRef idx="0">
+          <a:scrgbClr r="0" g="0" b="0"/>
+        </a:effectRef>
+        <a:fontRef idx="minor">
+          <a:schemeClr val="lt1"/>
+        </a:fontRef>
+      </dsp:style>
+      <dsp:txBody>
+        <a:bodyPr spcFirstLastPara="0" vert="horz" wrap="square" lIns="45720" tIns="45720" rIns="45720" bIns="45720" numCol="1" spcCol="1270" anchor="ctr" anchorCtr="0">
+          <a:noAutofit/>
+        </a:bodyPr>
+        <a:lstStyle/>
+        <a:p>
+          <a:pPr marL="0" lvl="0" indent="0" algn="ctr" defTabSz="533400">
+            <a:lnSpc>
+              <a:spcPct val="90000"/>
+            </a:lnSpc>
+            <a:spcBef>
+              <a:spcPct val="0"/>
+            </a:spcBef>
+            <a:spcAft>
+              <a:spcPct val="35000"/>
+            </a:spcAft>
+            <a:buNone/>
+          </a:pPr>
+          <a:r>
+            <a:rPr lang="en-US" sz="1200" kern="1200" dirty="0"/>
+            <a:t>ROI  Fantasy and Romance are the most profitable genre combo followed by  Family/Fantasy/Musical </a:t>
+          </a:r>
+          <a:br>
+            <a:rPr lang="en-US" sz="1200" kern="1200" dirty="0"/>
+          </a:br>
+          <a:r>
+            <a:rPr lang="en-US" sz="1200" kern="1200" dirty="0"/>
+            <a:t>and Action/Adventure/Sci-Fi. </a:t>
+          </a:r>
+          <a:br>
+            <a:rPr lang="en-US" sz="1200" kern="1200" dirty="0"/>
+          </a:br>
+          <a:endParaRPr lang="en-US" sz="1200" kern="1200" dirty="0"/>
+        </a:p>
+      </dsp:txBody>
+      <dsp:txXfrm>
+        <a:off x="4336722" y="30126"/>
+        <a:ext cx="1970108" cy="1182065"/>
+      </dsp:txXfrm>
+    </dsp:sp>
+    <dsp:sp modelId="{D4AB9035-08F9-7143-9CEE-C91BC10371AE}">
+      <dsp:nvSpPr>
+        <dsp:cNvPr id="0" name=""/>
+        <dsp:cNvSpPr/>
+      </dsp:nvSpPr>
+      <dsp:spPr>
+        <a:xfrm>
+          <a:off x="0" y="2400781"/>
+          <a:ext cx="1970108" cy="1182065"/>
+        </a:xfrm>
+        <a:prstGeom prst="rect">
+          <a:avLst/>
+        </a:prstGeom>
+        <a:solidFill>
+          <a:schemeClr val="accent1">
+            <a:hueOff val="0"/>
+            <a:satOff val="0"/>
+            <a:lumOff val="0"/>
+            <a:alphaOff val="0"/>
+          </a:schemeClr>
+        </a:solidFill>
+        <a:ln w="12700" cap="flat" cmpd="sng" algn="ctr">
+          <a:solidFill>
+            <a:schemeClr val="lt1">
+              <a:hueOff val="0"/>
+              <a:satOff val="0"/>
+              <a:lumOff val="0"/>
+              <a:alphaOff val="0"/>
+            </a:schemeClr>
+          </a:solidFill>
+          <a:prstDash val="solid"/>
+          <a:miter lim="800000"/>
+        </a:ln>
+        <a:effectLst/>
+      </dsp:spPr>
+      <dsp:style>
+        <a:lnRef idx="2">
+          <a:scrgbClr r="0" g="0" b="0"/>
+        </a:lnRef>
+        <a:fillRef idx="1">
+          <a:scrgbClr r="0" g="0" b="0"/>
+        </a:fillRef>
+        <a:effectRef idx="0">
+          <a:scrgbClr r="0" g="0" b="0"/>
+        </a:effectRef>
+        <a:fontRef idx="minor">
+          <a:schemeClr val="lt1"/>
+        </a:fontRef>
+      </dsp:style>
+      <dsp:txBody>
+        <a:bodyPr spcFirstLastPara="0" vert="horz" wrap="square" lIns="45720" tIns="45720" rIns="45720" bIns="45720" numCol="1" spcCol="1270" anchor="ctr" anchorCtr="0">
+          <a:noAutofit/>
+        </a:bodyPr>
+        <a:lstStyle/>
+        <a:p>
+          <a:pPr marL="0" lvl="0" indent="0" algn="ctr" defTabSz="533400">
+            <a:lnSpc>
+              <a:spcPct val="90000"/>
+            </a:lnSpc>
+            <a:spcBef>
+              <a:spcPct val="0"/>
+            </a:spcBef>
+            <a:spcAft>
+              <a:spcPct val="35000"/>
+            </a:spcAft>
+            <a:buNone/>
+          </a:pPr>
+          <a:r>
+            <a:rPr lang="en-US" sz="1200" kern="1200" dirty="0"/>
+            <a:t>To analyze the trends in genres over the years. </a:t>
+          </a:r>
+        </a:p>
+      </dsp:txBody>
+      <dsp:txXfrm>
+        <a:off x="0" y="2400781"/>
+        <a:ext cx="1970108" cy="1182065"/>
+      </dsp:txXfrm>
+    </dsp:sp>
+    <dsp:sp modelId="{20368CCD-0348-F746-84EF-507410C93862}">
+      <dsp:nvSpPr>
+        <dsp:cNvPr id="0" name=""/>
+        <dsp:cNvSpPr/>
+      </dsp:nvSpPr>
+      <dsp:spPr>
+        <a:xfrm>
+          <a:off x="2158491" y="2413898"/>
+          <a:ext cx="1970108" cy="1182065"/>
+        </a:xfrm>
+        <a:prstGeom prst="rect">
+          <a:avLst/>
+        </a:prstGeom>
+        <a:solidFill>
+          <a:schemeClr val="accent1">
+            <a:hueOff val="0"/>
+            <a:satOff val="0"/>
+            <a:lumOff val="0"/>
+            <a:alphaOff val="0"/>
+          </a:schemeClr>
+        </a:solidFill>
+        <a:ln w="12700" cap="flat" cmpd="sng" algn="ctr">
+          <a:solidFill>
+            <a:schemeClr val="lt1">
+              <a:hueOff val="0"/>
+              <a:satOff val="0"/>
+              <a:lumOff val="0"/>
+              <a:alphaOff val="0"/>
+            </a:schemeClr>
+          </a:solidFill>
+          <a:prstDash val="solid"/>
+          <a:miter lim="800000"/>
+        </a:ln>
+        <a:effectLst/>
+      </dsp:spPr>
+      <dsp:style>
+        <a:lnRef idx="2">
+          <a:scrgbClr r="0" g="0" b="0"/>
+        </a:lnRef>
+        <a:fillRef idx="1">
+          <a:scrgbClr r="0" g="0" b="0"/>
+        </a:fillRef>
+        <a:effectRef idx="0">
+          <a:scrgbClr r="0" g="0" b="0"/>
+        </a:effectRef>
+        <a:fontRef idx="minor">
+          <a:schemeClr val="lt1"/>
+        </a:fontRef>
+      </dsp:style>
+      <dsp:txBody>
+        <a:bodyPr spcFirstLastPara="0" vert="horz" wrap="square" lIns="45720" tIns="45720" rIns="45720" bIns="45720" numCol="1" spcCol="1270" anchor="ctr" anchorCtr="0">
+          <a:noAutofit/>
+        </a:bodyPr>
+        <a:lstStyle/>
+        <a:p>
+          <a:pPr marL="0" lvl="0" indent="0" algn="ctr" defTabSz="533400">
+            <a:lnSpc>
+              <a:spcPct val="90000"/>
+            </a:lnSpc>
+            <a:spcBef>
+              <a:spcPct val="0"/>
+            </a:spcBef>
+            <a:spcAft>
+              <a:spcPct val="35000"/>
+            </a:spcAft>
+            <a:buNone/>
+          </a:pPr>
+          <a:r>
+            <a:rPr lang="en-US" sz="1200" kern="1200" dirty="0"/>
+            <a:t>To get more recent data through APIs to see how pandemic has shaped a movie industry. </a:t>
+          </a:r>
+        </a:p>
+      </dsp:txBody>
+      <dsp:txXfrm>
+        <a:off x="2158491" y="2413898"/>
+        <a:ext cx="1970108" cy="1182065"/>
+      </dsp:txXfrm>
+    </dsp:sp>
+    <dsp:sp modelId="{BB1775ED-4794-F342-8E0A-0EC351BF6A60}">
+      <dsp:nvSpPr>
+        <dsp:cNvPr id="0" name=""/>
+        <dsp:cNvSpPr/>
+      </dsp:nvSpPr>
+      <dsp:spPr>
+        <a:xfrm>
+          <a:off x="4325611" y="2413898"/>
+          <a:ext cx="1970108" cy="1182065"/>
+        </a:xfrm>
+        <a:prstGeom prst="rect">
+          <a:avLst/>
+        </a:prstGeom>
+        <a:solidFill>
+          <a:schemeClr val="accent1">
+            <a:hueOff val="0"/>
+            <a:satOff val="0"/>
+            <a:lumOff val="0"/>
+            <a:alphaOff val="0"/>
+          </a:schemeClr>
+        </a:solidFill>
+        <a:ln w="12700" cap="flat" cmpd="sng" algn="ctr">
+          <a:solidFill>
+            <a:schemeClr val="lt1">
+              <a:hueOff val="0"/>
+              <a:satOff val="0"/>
+              <a:lumOff val="0"/>
+              <a:alphaOff val="0"/>
+            </a:schemeClr>
+          </a:solidFill>
+          <a:prstDash val="solid"/>
+          <a:miter lim="800000"/>
+        </a:ln>
+        <a:effectLst/>
+      </dsp:spPr>
+      <dsp:style>
+        <a:lnRef idx="2">
+          <a:scrgbClr r="0" g="0" b="0"/>
+        </a:lnRef>
+        <a:fillRef idx="1">
+          <a:scrgbClr r="0" g="0" b="0"/>
+        </a:fillRef>
+        <a:effectRef idx="0">
+          <a:scrgbClr r="0" g="0" b="0"/>
+        </a:effectRef>
+        <a:fontRef idx="minor">
+          <a:schemeClr val="lt1"/>
+        </a:fontRef>
+      </dsp:style>
+      <dsp:txBody>
+        <a:bodyPr spcFirstLastPara="0" vert="horz" wrap="square" lIns="45720" tIns="45720" rIns="45720" bIns="45720" numCol="1" spcCol="1270" anchor="ctr" anchorCtr="0">
+          <a:noAutofit/>
+        </a:bodyPr>
+        <a:lstStyle/>
+        <a:p>
+          <a:pPr marL="0" lvl="0" indent="0" algn="ctr" defTabSz="533400">
+            <a:lnSpc>
+              <a:spcPct val="90000"/>
+            </a:lnSpc>
+            <a:spcBef>
+              <a:spcPct val="0"/>
+            </a:spcBef>
+            <a:spcAft>
+              <a:spcPct val="35000"/>
+            </a:spcAft>
+            <a:buNone/>
+          </a:pPr>
+          <a:r>
+            <a:rPr lang="en-US" sz="1200" kern="1200" dirty="0"/>
+            <a:t>To perform more in-depth analysis on ROI per genre. </a:t>
+          </a:r>
+        </a:p>
+      </dsp:txBody>
+      <dsp:txXfrm>
+        <a:off x="4325611" y="2413898"/>
+        <a:ext cx="1970108" cy="1182065"/>
+      </dsp:txXfrm>
+    </dsp:sp>
+    <dsp:sp modelId="{7535B475-221B-2243-B819-F454D59857C7}">
+      <dsp:nvSpPr>
+        <dsp:cNvPr id="0" name=""/>
+        <dsp:cNvSpPr/>
+      </dsp:nvSpPr>
+      <dsp:spPr>
+        <a:xfrm>
+          <a:off x="6492730" y="2413898"/>
+          <a:ext cx="1970108" cy="1182065"/>
+        </a:xfrm>
+        <a:prstGeom prst="rect">
+          <a:avLst/>
+        </a:prstGeom>
+        <a:solidFill>
+          <a:schemeClr val="accent1">
+            <a:hueOff val="0"/>
+            <a:satOff val="0"/>
+            <a:lumOff val="0"/>
+            <a:alphaOff val="0"/>
+          </a:schemeClr>
+        </a:solidFill>
+        <a:ln w="12700" cap="flat" cmpd="sng" algn="ctr">
+          <a:solidFill>
+            <a:schemeClr val="lt1">
+              <a:hueOff val="0"/>
+              <a:satOff val="0"/>
+              <a:lumOff val="0"/>
+              <a:alphaOff val="0"/>
+            </a:schemeClr>
+          </a:solidFill>
+          <a:prstDash val="solid"/>
+          <a:miter lim="800000"/>
+        </a:ln>
+        <a:effectLst/>
+      </dsp:spPr>
+      <dsp:style>
+        <a:lnRef idx="2">
+          <a:scrgbClr r="0" g="0" b="0"/>
+        </a:lnRef>
+        <a:fillRef idx="1">
+          <a:scrgbClr r="0" g="0" b="0"/>
+        </a:fillRef>
+        <a:effectRef idx="0">
+          <a:scrgbClr r="0" g="0" b="0"/>
+        </a:effectRef>
+        <a:fontRef idx="minor">
+          <a:schemeClr val="lt1"/>
+        </a:fontRef>
+      </dsp:style>
+      <dsp:txBody>
+        <a:bodyPr spcFirstLastPara="0" vert="horz" wrap="square" lIns="45720" tIns="45720" rIns="45720" bIns="45720" numCol="1" spcCol="1270" anchor="ctr" anchorCtr="0">
+          <a:noAutofit/>
+        </a:bodyPr>
+        <a:lstStyle/>
+        <a:p>
+          <a:pPr marL="0" lvl="0" indent="0" algn="ctr" defTabSz="533400">
+            <a:lnSpc>
+              <a:spcPct val="90000"/>
+            </a:lnSpc>
+            <a:spcBef>
+              <a:spcPct val="0"/>
+            </a:spcBef>
+            <a:spcAft>
+              <a:spcPct val="35000"/>
+            </a:spcAft>
+            <a:buNone/>
+          </a:pPr>
+          <a:r>
+            <a:rPr lang="en-US" sz="1200" kern="1200" dirty="0"/>
+            <a:t>To look into a cast and directors whose movies are the most popular and profitable. </a:t>
+          </a:r>
+        </a:p>
+      </dsp:txBody>
+      <dsp:txXfrm>
+        <a:off x="6492730" y="2413898"/>
+        <a:ext cx="1970108" cy="1182065"/>
       </dsp:txXfrm>
     </dsp:sp>
   </dsp:spTree>
@@ -5201,11 +6702,12 @@
 </file>
 
 <file path=ppt/diagrams/layout3.xml><?xml version="1.0" encoding="utf-8"?>
-<dgm:layoutDef xmlns:dgm="http://schemas.openxmlformats.org/drawingml/2006/diagram" xmlns:a="http://schemas.openxmlformats.org/drawingml/2006/main" uniqueId="urn:microsoft.com/office/officeart/2005/8/layout/list1">
+<dgm:layoutDef xmlns:dgm="http://schemas.openxmlformats.org/drawingml/2006/diagram" xmlns:a="http://schemas.openxmlformats.org/drawingml/2006/main" uniqueId="urn:microsoft.com/office/officeart/2005/8/layout/vList2">
   <dgm:title val=""/>
   <dgm:desc val=""/>
   <dgm:catLst>
-    <dgm:cat type="list" pri="4000"/>
+    <dgm:cat type="list" pri="3000"/>
+    <dgm:cat type="convert" pri="1000"/>
   </dgm:catLst>
   <dgm:sampData>
     <dgm:dataModel>
@@ -5214,17 +6716,21 @@
         <dgm:pt modelId="1">
           <dgm:prSet phldr="1"/>
         </dgm:pt>
+        <dgm:pt modelId="11">
+          <dgm:prSet phldr="1"/>
+        </dgm:pt>
         <dgm:pt modelId="2">
           <dgm:prSet phldr="1"/>
         </dgm:pt>
-        <dgm:pt modelId="3">
+        <dgm:pt modelId="21">
           <dgm:prSet phldr="1"/>
         </dgm:pt>
       </dgm:ptLst>
       <dgm:cxnLst>
         <dgm:cxn modelId="4" srcId="0" destId="1" srcOrd="0" destOrd="0"/>
         <dgm:cxn modelId="5" srcId="0" destId="2" srcOrd="1" destOrd="0"/>
-        <dgm:cxn modelId="6" srcId="0" destId="3" srcOrd="2" destOrd="0"/>
+        <dgm:cxn modelId="12" srcId="1" destId="11" srcOrd="0" destOrd="0"/>
+        <dgm:cxn modelId="23" srcId="2" destId="21" srcOrd="0" destOrd="0"/>
       </dgm:cxnLst>
       <dgm:bg/>
       <dgm:whole/>
@@ -5238,8 +6744,8 @@
         <dgm:pt modelId="2"/>
       </dgm:ptLst>
       <dgm:cxnLst>
-        <dgm:cxn modelId="4" srcId="0" destId="1" srcOrd="0" destOrd="0"/>
-        <dgm:cxn modelId="5" srcId="0" destId="2" srcOrd="1" destOrd="0"/>
+        <dgm:cxn modelId="3" srcId="0" destId="1" srcOrd="0" destOrd="0"/>
+        <dgm:cxn modelId="4" srcId="0" destId="2" srcOrd="1" destOrd="0"/>
       </dgm:cxnLst>
       <dgm:bg/>
       <dgm:whole/>
@@ -5266,25 +6772,198 @@
   </dgm:clrData>
   <dgm:layoutNode name="linear">
     <dgm:varLst>
+      <dgm:animLvl val="lvl"/>
+      <dgm:resizeHandles val="exact"/>
+    </dgm:varLst>
+    <dgm:alg type="lin">
+      <dgm:param type="linDir" val="fromT"/>
+      <dgm:param type="vertAlign" val="mid"/>
+    </dgm:alg>
+    <dgm:shape xmlns:r="http://schemas.openxmlformats.org/officeDocument/2006/relationships" r:blip="">
+      <dgm:adjLst/>
+    </dgm:shape>
+    <dgm:presOf/>
+    <dgm:constrLst>
+      <dgm:constr type="w" for="ch" forName="parentText" refType="w"/>
+      <dgm:constr type="h" for="ch" forName="parentText" refType="primFontSz" refFor="ch" refForName="parentText" fact="0.52"/>
+      <dgm:constr type="w" for="ch" forName="childText" refType="w"/>
+      <dgm:constr type="h" for="ch" forName="childText" refType="primFontSz" refFor="ch" refForName="parentText" fact="0.46"/>
+      <dgm:constr type="h" for="ch" forName="parentText" op="equ"/>
+      <dgm:constr type="primFontSz" for="ch" forName="parentText" op="equ" val="65"/>
+      <dgm:constr type="primFontSz" for="ch" forName="childText" refType="primFontSz" refFor="ch" refForName="parentText" op="equ"/>
+      <dgm:constr type="h" for="ch" forName="spacer" refType="primFontSz" refFor="ch" refForName="parentText" fact="0.08"/>
+    </dgm:constrLst>
+    <dgm:ruleLst>
+      <dgm:rule type="primFontSz" for="ch" forName="parentText" val="5" fact="NaN" max="NaN"/>
+    </dgm:ruleLst>
+    <dgm:forEach name="Name0" axis="ch" ptType="node">
+      <dgm:layoutNode name="parentText" styleLbl="node1">
+        <dgm:varLst>
+          <dgm:chMax val="0"/>
+          <dgm:bulletEnabled val="1"/>
+        </dgm:varLst>
+        <dgm:alg type="tx">
+          <dgm:param type="parTxLTRAlign" val="l"/>
+          <dgm:param type="parTxRTLAlign" val="r"/>
+        </dgm:alg>
+        <dgm:shape xmlns:r="http://schemas.openxmlformats.org/officeDocument/2006/relationships" type="roundRect" r:blip="">
+          <dgm:adjLst/>
+        </dgm:shape>
+        <dgm:presOf axis="self"/>
+        <dgm:constrLst>
+          <dgm:constr type="tMarg" refType="primFontSz" fact="0.3"/>
+          <dgm:constr type="bMarg" refType="primFontSz" fact="0.3"/>
+          <dgm:constr type="lMarg" refType="primFontSz" fact="0.3"/>
+          <dgm:constr type="rMarg" refType="primFontSz" fact="0.3"/>
+        </dgm:constrLst>
+        <dgm:ruleLst>
+          <dgm:rule type="h" val="INF" fact="NaN" max="NaN"/>
+        </dgm:ruleLst>
+      </dgm:layoutNode>
+      <dgm:choose name="Name1">
+        <dgm:if name="Name2" axis="ch" ptType="node" func="cnt" op="gte" val="1">
+          <dgm:layoutNode name="childText" styleLbl="revTx">
+            <dgm:varLst>
+              <dgm:bulletEnabled val="1"/>
+            </dgm:varLst>
+            <dgm:alg type="tx">
+              <dgm:param type="stBulletLvl" val="1"/>
+              <dgm:param type="lnSpAfChP" val="20"/>
+            </dgm:alg>
+            <dgm:shape xmlns:r="http://schemas.openxmlformats.org/officeDocument/2006/relationships" type="rect" r:blip="">
+              <dgm:adjLst/>
+            </dgm:shape>
+            <dgm:presOf axis="des" ptType="node"/>
+            <dgm:constrLst>
+              <dgm:constr type="tMarg" refType="primFontSz" fact="0.1"/>
+              <dgm:constr type="bMarg" refType="primFontSz" fact="0.1"/>
+              <dgm:constr type="lMarg" refType="w" fact="0.09"/>
+            </dgm:constrLst>
+            <dgm:ruleLst>
+              <dgm:rule type="h" val="INF" fact="NaN" max="NaN"/>
+            </dgm:ruleLst>
+          </dgm:layoutNode>
+        </dgm:if>
+        <dgm:else name="Name3">
+          <dgm:choose name="Name4">
+            <dgm:if name="Name5" axis="par ch" ptType="doc node" func="cnt" op="gte" val="2">
+              <dgm:forEach name="Name6" axis="followSib" ptType="sibTrans" cnt="1">
+                <dgm:layoutNode name="spacer">
+                  <dgm:alg type="sp"/>
+                  <dgm:shape xmlns:r="http://schemas.openxmlformats.org/officeDocument/2006/relationships" r:blip="">
+                    <dgm:adjLst/>
+                  </dgm:shape>
+                  <dgm:presOf/>
+                  <dgm:constrLst/>
+                  <dgm:ruleLst/>
+                </dgm:layoutNode>
+              </dgm:forEach>
+            </dgm:if>
+            <dgm:else name="Name7"/>
+          </dgm:choose>
+        </dgm:else>
+      </dgm:choose>
+    </dgm:forEach>
+  </dgm:layoutNode>
+</dgm:layoutDef>
+</file>
+
+<file path=ppt/diagrams/layout4.xml><?xml version="1.0" encoding="utf-8"?>
+<dgm:layoutDef xmlns:dgm="http://schemas.openxmlformats.org/drawingml/2006/diagram" xmlns:a="http://schemas.openxmlformats.org/drawingml/2006/main" uniqueId="urn:microsoft.com/office/officeart/2005/8/layout/default">
+  <dgm:title val=""/>
+  <dgm:desc val=""/>
+  <dgm:catLst>
+    <dgm:cat type="list" pri="400"/>
+  </dgm:catLst>
+  <dgm:sampData>
+    <dgm:dataModel>
+      <dgm:ptLst>
+        <dgm:pt modelId="0" type="doc"/>
+        <dgm:pt modelId="1">
+          <dgm:prSet phldr="1"/>
+        </dgm:pt>
+        <dgm:pt modelId="2">
+          <dgm:prSet phldr="1"/>
+        </dgm:pt>
+        <dgm:pt modelId="3">
+          <dgm:prSet phldr="1"/>
+        </dgm:pt>
+        <dgm:pt modelId="4">
+          <dgm:prSet phldr="1"/>
+        </dgm:pt>
+        <dgm:pt modelId="5">
+          <dgm:prSet phldr="1"/>
+        </dgm:pt>
+      </dgm:ptLst>
+      <dgm:cxnLst>
+        <dgm:cxn modelId="6" srcId="0" destId="1" srcOrd="0" destOrd="0"/>
+        <dgm:cxn modelId="7" srcId="0" destId="2" srcOrd="1" destOrd="0"/>
+        <dgm:cxn modelId="8" srcId="0" destId="3" srcOrd="2" destOrd="0"/>
+        <dgm:cxn modelId="9" srcId="0" destId="4" srcOrd="3" destOrd="0"/>
+        <dgm:cxn modelId="10" srcId="0" destId="5" srcOrd="4" destOrd="0"/>
+      </dgm:cxnLst>
+      <dgm:bg/>
+      <dgm:whole/>
+    </dgm:dataModel>
+  </dgm:sampData>
+  <dgm:styleData>
+    <dgm:dataModel>
+      <dgm:ptLst>
+        <dgm:pt modelId="0" type="doc"/>
+        <dgm:pt modelId="1"/>
+        <dgm:pt modelId="2"/>
+      </dgm:ptLst>
+      <dgm:cxnLst>
+        <dgm:cxn modelId="3" srcId="0" destId="1" srcOrd="0" destOrd="0"/>
+        <dgm:cxn modelId="4" srcId="0" destId="2" srcOrd="1" destOrd="0"/>
+      </dgm:cxnLst>
+      <dgm:bg/>
+      <dgm:whole/>
+    </dgm:dataModel>
+  </dgm:styleData>
+  <dgm:clrData>
+    <dgm:dataModel>
+      <dgm:ptLst>
+        <dgm:pt modelId="0" type="doc"/>
+        <dgm:pt modelId="1"/>
+        <dgm:pt modelId="2"/>
+        <dgm:pt modelId="3"/>
+        <dgm:pt modelId="4"/>
+        <dgm:pt modelId="5"/>
+        <dgm:pt modelId="6"/>
+      </dgm:ptLst>
+      <dgm:cxnLst>
+        <dgm:cxn modelId="7" srcId="0" destId="1" srcOrd="0" destOrd="0"/>
+        <dgm:cxn modelId="8" srcId="0" destId="2" srcOrd="1" destOrd="0"/>
+        <dgm:cxn modelId="9" srcId="0" destId="3" srcOrd="2" destOrd="0"/>
+        <dgm:cxn modelId="10" srcId="0" destId="4" srcOrd="3" destOrd="0"/>
+        <dgm:cxn modelId="11" srcId="0" destId="5" srcOrd="4" destOrd="0"/>
+        <dgm:cxn modelId="12" srcId="0" destId="6" srcOrd="5" destOrd="0"/>
+      </dgm:cxnLst>
+      <dgm:bg/>
+      <dgm:whole/>
+    </dgm:dataModel>
+  </dgm:clrData>
+  <dgm:layoutNode name="diagram">
+    <dgm:varLst>
       <dgm:dir/>
-      <dgm:animLvl val="lvl"/>
       <dgm:resizeHandles val="exact"/>
     </dgm:varLst>
     <dgm:choose name="Name0">
       <dgm:if name="Name1" func="var" arg="dir" op="equ" val="norm">
-        <dgm:alg type="lin">
-          <dgm:param type="linDir" val="fromT"/>
-          <dgm:param type="vertAlign" val="mid"/>
-          <dgm:param type="horzAlign" val="l"/>
-          <dgm:param type="nodeHorzAlign" val="l"/>
+        <dgm:alg type="snake">
+          <dgm:param type="grDir" val="tL"/>
+          <dgm:param type="flowDir" val="row"/>
+          <dgm:param type="contDir" val="sameDir"/>
+          <dgm:param type="off" val="ctr"/>
         </dgm:alg>
       </dgm:if>
       <dgm:else name="Name2">
-        <dgm:alg type="lin">
-          <dgm:param type="linDir" val="fromT"/>
-          <dgm:param type="vertAlign" val="mid"/>
-          <dgm:param type="horzAlign" val="r"/>
-          <dgm:param type="nodeHorzAlign" val="r"/>
+        <dgm:alg type="snake">
+          <dgm:param type="grDir" val="tR"/>
+          <dgm:param type="flowDir" val="row"/>
+          <dgm:param type="contDir" val="sameDir"/>
+          <dgm:param type="off" val="ctr"/>
         </dgm:alg>
       </dgm:else>
     </dgm:choose>
@@ -5293,124 +6972,35 @@
     </dgm:shape>
     <dgm:presOf/>
     <dgm:constrLst>
-      <dgm:constr type="w" for="ch" forName="parentLin" refType="w"/>
-      <dgm:constr type="h" for="ch" forName="parentLin" val="INF"/>
-      <dgm:constr type="w" for="des" forName="parentLeftMargin" refType="w" fact="0.05"/>
-      <dgm:constr type="w" for="des" forName="parentText" refType="w" fact="0.7"/>
-      <dgm:constr type="h" for="des" forName="parentText" refType="primFontSz" refFor="des" refForName="parentText" fact="0.82"/>
-      <dgm:constr type="h" for="ch" forName="negativeSpace" refType="primFontSz" refFor="des" refForName="parentText" fact="-0.41"/>
-      <dgm:constr type="h" for="ch" forName="negativeSpace" refType="h" refFor="des" refForName="parentText" op="lte" fact="-0.82"/>
-      <dgm:constr type="h" for="ch" forName="negativeSpace" refType="h" refFor="des" refForName="parentText" op="gte" fact="-0.82"/>
-      <dgm:constr type="w" for="ch" forName="childText" refType="w"/>
-      <dgm:constr type="h" for="ch" forName="childText" refType="primFontSz" refFor="des" refForName="parentText" fact="0.7"/>
-      <dgm:constr type="primFontSz" for="des" forName="parentText" val="65"/>
-      <dgm:constr type="primFontSz" for="ch" forName="childText" refType="primFontSz" refFor="des" refForName="parentText"/>
-      <dgm:constr type="tMarg" for="ch" forName="childText" refType="primFontSz" refFor="des" refForName="parentText" fact="1.64"/>
-      <dgm:constr type="tMarg" for="ch" forName="childText" refType="h" refFor="des" refForName="parentText" op="lte" fact="3.28"/>
-      <dgm:constr type="tMarg" for="ch" forName="childText" refType="h" refFor="des" refForName="parentText" op="gte" fact="3.28"/>
-      <dgm:constr type="lMarg" for="ch" forName="childText" refType="w" fact="0.22"/>
-      <dgm:constr type="rMarg" for="ch" forName="childText" refType="lMarg" refFor="ch" refForName="childText"/>
-      <dgm:constr type="lMarg" for="des" forName="parentText" refType="w" fact="0.075"/>
-      <dgm:constr type="rMarg" for="des" forName="parentText" refType="lMarg" refFor="des" refForName="parentText"/>
-      <dgm:constr type="h" for="ch" forName="spaceBetweenRectangles" refType="primFontSz" refFor="des" refForName="parentText" fact="0.15"/>
+      <dgm:constr type="w" for="ch" forName="node" refType="w"/>
+      <dgm:constr type="h" for="ch" forName="node" refType="w" refFor="ch" refForName="node" fact="0.6"/>
+      <dgm:constr type="w" for="ch" forName="sibTrans" refType="w" refFor="ch" refForName="node" fact="0.1"/>
+      <dgm:constr type="sp" refType="w" refFor="ch" refForName="sibTrans"/>
+      <dgm:constr type="primFontSz" for="ch" forName="node" op="equ" val="65"/>
     </dgm:constrLst>
-    <dgm:ruleLst>
-      <dgm:rule type="primFontSz" for="des" forName="parentText" val="5" fact="NaN" max="NaN"/>
-    </dgm:ruleLst>
+    <dgm:ruleLst/>
     <dgm:forEach name="Name3" axis="ch" ptType="node">
-      <dgm:layoutNode name="parentLin">
-        <dgm:choose name="Name4">
-          <dgm:if name="Name5" func="var" arg="dir" op="equ" val="norm">
-            <dgm:alg type="lin">
-              <dgm:param type="linDir" val="fromL"/>
-              <dgm:param type="horzAlign" val="l"/>
-              <dgm:param type="nodeHorzAlign" val="l"/>
-            </dgm:alg>
-          </dgm:if>
-          <dgm:else name="Name6">
-            <dgm:alg type="lin">
-              <dgm:param type="linDir" val="fromR"/>
-              <dgm:param type="horzAlign" val="r"/>
-              <dgm:param type="nodeHorzAlign" val="r"/>
-            </dgm:alg>
-          </dgm:else>
-        </dgm:choose>
-        <dgm:shape xmlns:r="http://schemas.openxmlformats.org/officeDocument/2006/relationships" r:blip="">
-          <dgm:adjLst/>
-        </dgm:shape>
-        <dgm:presOf/>
-        <dgm:constrLst/>
-        <dgm:ruleLst/>
-        <dgm:layoutNode name="parentLeftMargin">
-          <dgm:alg type="sp"/>
-          <dgm:shape xmlns:r="http://schemas.openxmlformats.org/officeDocument/2006/relationships" type="rect" r:blip="" hideGeom="1">
-            <dgm:adjLst/>
-          </dgm:shape>
-          <dgm:presOf axis="self"/>
-          <dgm:constrLst>
-            <dgm:constr type="h"/>
-          </dgm:constrLst>
-          <dgm:ruleLst/>
-        </dgm:layoutNode>
-        <dgm:layoutNode name="parentText" styleLbl="node1">
-          <dgm:varLst>
-            <dgm:chMax val="0"/>
-            <dgm:bulletEnabled val="1"/>
-          </dgm:varLst>
-          <dgm:choose name="Name7">
-            <dgm:if name="Name8" func="var" arg="dir" op="equ" val="norm">
-              <dgm:alg type="tx">
-                <dgm:param type="parTxLTRAlign" val="l"/>
-                <dgm:param type="parTxRTLAlign" val="l"/>
-              </dgm:alg>
-            </dgm:if>
-            <dgm:else name="Name9">
-              <dgm:alg type="tx">
-                <dgm:param type="parTxLTRAlign" val="r"/>
-                <dgm:param type="parTxRTLAlign" val="r"/>
-              </dgm:alg>
-            </dgm:else>
-          </dgm:choose>
-          <dgm:shape xmlns:r="http://schemas.openxmlformats.org/officeDocument/2006/relationships" type="roundRect" r:blip="">
-            <dgm:adjLst/>
-          </dgm:shape>
-          <dgm:presOf axis="self" ptType="node"/>
-          <dgm:constrLst>
-            <dgm:constr type="tMarg"/>
-            <dgm:constr type="bMarg"/>
-          </dgm:constrLst>
-          <dgm:ruleLst/>
-        </dgm:layoutNode>
-      </dgm:layoutNode>
-      <dgm:layoutNode name="negativeSpace">
-        <dgm:alg type="sp"/>
-        <dgm:shape xmlns:r="http://schemas.openxmlformats.org/officeDocument/2006/relationships" r:blip="">
-          <dgm:adjLst/>
-        </dgm:shape>
-        <dgm:presOf/>
-        <dgm:constrLst/>
-        <dgm:ruleLst/>
-      </dgm:layoutNode>
-      <dgm:layoutNode name="childText" styleLbl="conFgAcc1">
+      <dgm:layoutNode name="node">
         <dgm:varLst>
           <dgm:bulletEnabled val="1"/>
         </dgm:varLst>
-        <dgm:alg type="tx">
-          <dgm:param type="stBulletLvl" val="1"/>
-        </dgm:alg>
-        <dgm:shape xmlns:r="http://schemas.openxmlformats.org/officeDocument/2006/relationships" type="rect" r:blip="" zOrderOff="-2">
+        <dgm:alg type="tx"/>
+        <dgm:shape xmlns:r="http://schemas.openxmlformats.org/officeDocument/2006/relationships" type="rect" r:blip="">
           <dgm:adjLst/>
         </dgm:shape>
-        <dgm:presOf axis="des" ptType="node"/>
+        <dgm:presOf axis="desOrSelf" ptType="node"/>
         <dgm:constrLst>
-          <dgm:constr type="secFontSz" refType="primFontSz"/>
+          <dgm:constr type="lMarg" refType="primFontSz" fact="0.3"/>
+          <dgm:constr type="rMarg" refType="primFontSz" fact="0.3"/>
+          <dgm:constr type="tMarg" refType="primFontSz" fact="0.3"/>
+          <dgm:constr type="bMarg" refType="primFontSz" fact="0.3"/>
         </dgm:constrLst>
         <dgm:ruleLst>
-          <dgm:rule type="h" val="INF" fact="NaN" max="NaN"/>
+          <dgm:rule type="primFontSz" val="5" fact="NaN" max="NaN"/>
         </dgm:ruleLst>
       </dgm:layoutNode>
-      <dgm:forEach name="Name10" axis="followSib" ptType="sibTrans" cnt="1">
-        <dgm:layoutNode name="spaceBetweenRectangles">
+      <dgm:forEach name="Name4" axis="followSib" ptType="sibTrans" cnt="1">
+        <dgm:layoutNode name="sibTrans">
           <dgm:alg type="sp"/>
           <dgm:shape xmlns:r="http://schemas.openxmlformats.org/officeDocument/2006/relationships" r:blip="">
             <dgm:adjLst/>
@@ -7494,6 +9084,1040 @@
 </file>
 
 <file path=ppt/diagrams/quickStyle3.xml><?xml version="1.0" encoding="utf-8"?>
+<dgm:styleDef xmlns:dgm="http://schemas.openxmlformats.org/drawingml/2006/diagram" xmlns:a="http://schemas.openxmlformats.org/drawingml/2006/main" uniqueId="urn:microsoft.com/office/officeart/2005/8/quickstyle/simple1">
+  <dgm:title val=""/>
+  <dgm:desc val=""/>
+  <dgm:catLst>
+    <dgm:cat type="simple" pri="10100"/>
+  </dgm:catLst>
+  <dgm:scene3d>
+    <a:camera prst="orthographicFront"/>
+    <a:lightRig rig="threePt" dir="t"/>
+  </dgm:scene3d>
+  <dgm:styleLbl name="node0">
+    <dgm:scene3d>
+      <a:camera prst="orthographicFront"/>
+      <a:lightRig rig="threePt" dir="t"/>
+    </dgm:scene3d>
+    <dgm:sp3d/>
+    <dgm:txPr/>
+    <dgm:style>
+      <a:lnRef idx="2">
+        <a:scrgbClr r="0" g="0" b="0"/>
+      </a:lnRef>
+      <a:fillRef idx="1">
+        <a:scrgbClr r="0" g="0" b="0"/>
+      </a:fillRef>
+      <a:effectRef idx="0">
+        <a:scrgbClr r="0" g="0" b="0"/>
+      </a:effectRef>
+      <a:fontRef idx="minor">
+        <a:schemeClr val="lt1"/>
+      </a:fontRef>
+    </dgm:style>
+  </dgm:styleLbl>
+  <dgm:styleLbl name="lnNode1">
+    <dgm:scene3d>
+      <a:camera prst="orthographicFront"/>
+      <a:lightRig rig="threePt" dir="t"/>
+    </dgm:scene3d>
+    <dgm:sp3d/>
+    <dgm:txPr/>
+    <dgm:style>
+      <a:lnRef idx="2">
+        <a:scrgbClr r="0" g="0" b="0"/>
+      </a:lnRef>
+      <a:fillRef idx="1">
+        <a:scrgbClr r="0" g="0" b="0"/>
+      </a:fillRef>
+      <a:effectRef idx="0">
+        <a:scrgbClr r="0" g="0" b="0"/>
+      </a:effectRef>
+      <a:fontRef idx="minor">
+        <a:schemeClr val="lt1"/>
+      </a:fontRef>
+    </dgm:style>
+  </dgm:styleLbl>
+  <dgm:styleLbl name="vennNode1">
+    <dgm:scene3d>
+      <a:camera prst="orthographicFront"/>
+      <a:lightRig rig="threePt" dir="t"/>
+    </dgm:scene3d>
+    <dgm:sp3d/>
+    <dgm:txPr/>
+    <dgm:style>
+      <a:lnRef idx="2">
+        <a:scrgbClr r="0" g="0" b="0"/>
+      </a:lnRef>
+      <a:fillRef idx="1">
+        <a:scrgbClr r="0" g="0" b="0"/>
+      </a:fillRef>
+      <a:effectRef idx="0">
+        <a:scrgbClr r="0" g="0" b="0"/>
+      </a:effectRef>
+      <a:fontRef idx="minor">
+        <a:schemeClr val="tx1"/>
+      </a:fontRef>
+    </dgm:style>
+  </dgm:styleLbl>
+  <dgm:styleLbl name="alignNode1">
+    <dgm:scene3d>
+      <a:camera prst="orthographicFront"/>
+      <a:lightRig rig="threePt" dir="t"/>
+    </dgm:scene3d>
+    <dgm:sp3d/>
+    <dgm:txPr/>
+    <dgm:style>
+      <a:lnRef idx="2">
+        <a:scrgbClr r="0" g="0" b="0"/>
+      </a:lnRef>
+      <a:fillRef idx="1">
+        <a:scrgbClr r="0" g="0" b="0"/>
+      </a:fillRef>
+      <a:effectRef idx="0">
+        <a:scrgbClr r="0" g="0" b="0"/>
+      </a:effectRef>
+      <a:fontRef idx="minor">
+        <a:schemeClr val="lt1"/>
+      </a:fontRef>
+    </dgm:style>
+  </dgm:styleLbl>
+  <dgm:styleLbl name="node1">
+    <dgm:scene3d>
+      <a:camera prst="orthographicFront"/>
+      <a:lightRig rig="threePt" dir="t"/>
+    </dgm:scene3d>
+    <dgm:sp3d/>
+    <dgm:txPr/>
+    <dgm:style>
+      <a:lnRef idx="2">
+        <a:scrgbClr r="0" g="0" b="0"/>
+      </a:lnRef>
+      <a:fillRef idx="1">
+        <a:scrgbClr r="0" g="0" b="0"/>
+      </a:fillRef>
+      <a:effectRef idx="0">
+        <a:scrgbClr r="0" g="0" b="0"/>
+      </a:effectRef>
+      <a:fontRef idx="minor">
+        <a:schemeClr val="lt1"/>
+      </a:fontRef>
+    </dgm:style>
+  </dgm:styleLbl>
+  <dgm:styleLbl name="node2">
+    <dgm:scene3d>
+      <a:camera prst="orthographicFront"/>
+      <a:lightRig rig="threePt" dir="t"/>
+    </dgm:scene3d>
+    <dgm:sp3d/>
+    <dgm:txPr/>
+    <dgm:style>
+      <a:lnRef idx="2">
+        <a:scrgbClr r="0" g="0" b="0"/>
+      </a:lnRef>
+      <a:fillRef idx="1">
+        <a:scrgbClr r="0" g="0" b="0"/>
+      </a:fillRef>
+      <a:effectRef idx="0">
+        <a:scrgbClr r="0" g="0" b="0"/>
+      </a:effectRef>
+      <a:fontRef idx="minor">
+        <a:schemeClr val="lt1"/>
+      </a:fontRef>
+    </dgm:style>
+  </dgm:styleLbl>
+  <dgm:styleLbl name="node3">
+    <dgm:scene3d>
+      <a:camera prst="orthographicFront"/>
+      <a:lightRig rig="threePt" dir="t"/>
+    </dgm:scene3d>
+    <dgm:sp3d/>
+    <dgm:txPr/>
+    <dgm:style>
+      <a:lnRef idx="2">
+        <a:scrgbClr r="0" g="0" b="0"/>
+      </a:lnRef>
+      <a:fillRef idx="1">
+        <a:scrgbClr r="0" g="0" b="0"/>
+      </a:fillRef>
+      <a:effectRef idx="0">
+        <a:scrgbClr r="0" g="0" b="0"/>
+      </a:effectRef>
+      <a:fontRef idx="minor">
+        <a:schemeClr val="lt1"/>
+      </a:fontRef>
+    </dgm:style>
+  </dgm:styleLbl>
+  <dgm:styleLbl name="node4">
+    <dgm:scene3d>
+      <a:camera prst="orthographicFront"/>
+      <a:lightRig rig="threePt" dir="t"/>
+    </dgm:scene3d>
+    <dgm:sp3d/>
+    <dgm:txPr/>
+    <dgm:style>
+      <a:lnRef idx="2">
+        <a:scrgbClr r="0" g="0" b="0"/>
+      </a:lnRef>
+      <a:fillRef idx="1">
+        <a:scrgbClr r="0" g="0" b="0"/>
+      </a:fillRef>
+      <a:effectRef idx="0">
+        <a:scrgbClr r="0" g="0" b="0"/>
+      </a:effectRef>
+      <a:fontRef idx="minor">
+        <a:schemeClr val="lt1"/>
+      </a:fontRef>
+    </dgm:style>
+  </dgm:styleLbl>
+  <dgm:styleLbl name="fgImgPlace1">
+    <dgm:scene3d>
+      <a:camera prst="orthographicFront"/>
+      <a:lightRig rig="threePt" dir="t"/>
+    </dgm:scene3d>
+    <dgm:sp3d/>
+    <dgm:txPr/>
+    <dgm:style>
+      <a:lnRef idx="2">
+        <a:scrgbClr r="0" g="0" b="0"/>
+      </a:lnRef>
+      <a:fillRef idx="1">
+        <a:scrgbClr r="0" g="0" b="0"/>
+      </a:fillRef>
+      <a:effectRef idx="0">
+        <a:scrgbClr r="0" g="0" b="0"/>
+      </a:effectRef>
+      <a:fontRef idx="minor"/>
+    </dgm:style>
+  </dgm:styleLbl>
+  <dgm:styleLbl name="alignImgPlace1">
+    <dgm:scene3d>
+      <a:camera prst="orthographicFront"/>
+      <a:lightRig rig="threePt" dir="t"/>
+    </dgm:scene3d>
+    <dgm:sp3d/>
+    <dgm:txPr/>
+    <dgm:style>
+      <a:lnRef idx="2">
+        <a:scrgbClr r="0" g="0" b="0"/>
+      </a:lnRef>
+      <a:fillRef idx="1">
+        <a:scrgbClr r="0" g="0" b="0"/>
+      </a:fillRef>
+      <a:effectRef idx="0">
+        <a:scrgbClr r="0" g="0" b="0"/>
+      </a:effectRef>
+      <a:fontRef idx="minor"/>
+    </dgm:style>
+  </dgm:styleLbl>
+  <dgm:styleLbl name="bgImgPlace1">
+    <dgm:scene3d>
+      <a:camera prst="orthographicFront"/>
+      <a:lightRig rig="threePt" dir="t"/>
+    </dgm:scene3d>
+    <dgm:sp3d/>
+    <dgm:txPr/>
+    <dgm:style>
+      <a:lnRef idx="2">
+        <a:scrgbClr r="0" g="0" b="0"/>
+      </a:lnRef>
+      <a:fillRef idx="1">
+        <a:scrgbClr r="0" g="0" b="0"/>
+      </a:fillRef>
+      <a:effectRef idx="0">
+        <a:scrgbClr r="0" g="0" b="0"/>
+      </a:effectRef>
+      <a:fontRef idx="minor"/>
+    </dgm:style>
+  </dgm:styleLbl>
+  <dgm:styleLbl name="sibTrans2D1">
+    <dgm:scene3d>
+      <a:camera prst="orthographicFront"/>
+      <a:lightRig rig="threePt" dir="t"/>
+    </dgm:scene3d>
+    <dgm:sp3d/>
+    <dgm:txPr/>
+    <dgm:style>
+      <a:lnRef idx="0">
+        <a:scrgbClr r="0" g="0" b="0"/>
+      </a:lnRef>
+      <a:fillRef idx="1">
+        <a:scrgbClr r="0" g="0" b="0"/>
+      </a:fillRef>
+      <a:effectRef idx="0">
+        <a:scrgbClr r="0" g="0" b="0"/>
+      </a:effectRef>
+      <a:fontRef idx="minor">
+        <a:schemeClr val="lt1"/>
+      </a:fontRef>
+    </dgm:style>
+  </dgm:styleLbl>
+  <dgm:styleLbl name="fgSibTrans2D1">
+    <dgm:scene3d>
+      <a:camera prst="orthographicFront"/>
+      <a:lightRig rig="threePt" dir="t"/>
+    </dgm:scene3d>
+    <dgm:sp3d/>
+    <dgm:txPr/>
+    <dgm:style>
+      <a:lnRef idx="0">
+        <a:scrgbClr r="0" g="0" b="0"/>
+      </a:lnRef>
+      <a:fillRef idx="1">
+        <a:scrgbClr r="0" g="0" b="0"/>
+      </a:fillRef>
+      <a:effectRef idx="0">
+        <a:scrgbClr r="0" g="0" b="0"/>
+      </a:effectRef>
+      <a:fontRef idx="minor">
+        <a:schemeClr val="lt1"/>
+      </a:fontRef>
+    </dgm:style>
+  </dgm:styleLbl>
+  <dgm:styleLbl name="bgSibTrans2D1">
+    <dgm:scene3d>
+      <a:camera prst="orthographicFront"/>
+      <a:lightRig rig="threePt" dir="t"/>
+    </dgm:scene3d>
+    <dgm:sp3d/>
+    <dgm:txPr/>
+    <dgm:style>
+      <a:lnRef idx="0">
+        <a:scrgbClr r="0" g="0" b="0"/>
+      </a:lnRef>
+      <a:fillRef idx="1">
+        <a:scrgbClr r="0" g="0" b="0"/>
+      </a:fillRef>
+      <a:effectRef idx="0">
+        <a:scrgbClr r="0" g="0" b="0"/>
+      </a:effectRef>
+      <a:fontRef idx="minor">
+        <a:schemeClr val="lt1"/>
+      </a:fontRef>
+    </dgm:style>
+  </dgm:styleLbl>
+  <dgm:styleLbl name="sibTrans1D1">
+    <dgm:scene3d>
+      <a:camera prst="orthographicFront"/>
+      <a:lightRig rig="threePt" dir="t"/>
+    </dgm:scene3d>
+    <dgm:sp3d/>
+    <dgm:txPr/>
+    <dgm:style>
+      <a:lnRef idx="1">
+        <a:scrgbClr r="0" g="0" b="0"/>
+      </a:lnRef>
+      <a:fillRef idx="0">
+        <a:scrgbClr r="0" g="0" b="0"/>
+      </a:fillRef>
+      <a:effectRef idx="0">
+        <a:scrgbClr r="0" g="0" b="0"/>
+      </a:effectRef>
+      <a:fontRef idx="minor"/>
+    </dgm:style>
+  </dgm:styleLbl>
+  <dgm:styleLbl name="callout">
+    <dgm:scene3d>
+      <a:camera prst="orthographicFront"/>
+      <a:lightRig rig="threePt" dir="t"/>
+    </dgm:scene3d>
+    <dgm:sp3d/>
+    <dgm:txPr/>
+    <dgm:style>
+      <a:lnRef idx="2">
+        <a:scrgbClr r="0" g="0" b="0"/>
+      </a:lnRef>
+      <a:fillRef idx="1">
+        <a:scrgbClr r="0" g="0" b="0"/>
+      </a:fillRef>
+      <a:effectRef idx="0">
+        <a:scrgbClr r="0" g="0" b="0"/>
+      </a:effectRef>
+      <a:fontRef idx="minor"/>
+    </dgm:style>
+  </dgm:styleLbl>
+  <dgm:styleLbl name="asst0">
+    <dgm:scene3d>
+      <a:camera prst="orthographicFront"/>
+      <a:lightRig rig="threePt" dir="t"/>
+    </dgm:scene3d>
+    <dgm:sp3d/>
+    <dgm:txPr/>
+    <dgm:style>
+      <a:lnRef idx="2">
+        <a:scrgbClr r="0" g="0" b="0"/>
+      </a:lnRef>
+      <a:fillRef idx="1">
+        <a:scrgbClr r="0" g="0" b="0"/>
+      </a:fillRef>
+      <a:effectRef idx="0">
+        <a:scrgbClr r="0" g="0" b="0"/>
+      </a:effectRef>
+      <a:fontRef idx="minor">
+        <a:schemeClr val="lt1"/>
+      </a:fontRef>
+    </dgm:style>
+  </dgm:styleLbl>
+  <dgm:styleLbl name="asst1">
+    <dgm:scene3d>
+      <a:camera prst="orthographicFront"/>
+      <a:lightRig rig="threePt" dir="t"/>
+    </dgm:scene3d>
+    <dgm:sp3d/>
+    <dgm:txPr/>
+    <dgm:style>
+      <a:lnRef idx="2">
+        <a:scrgbClr r="0" g="0" b="0"/>
+      </a:lnRef>
+      <a:fillRef idx="1">
+        <a:scrgbClr r="0" g="0" b="0"/>
+      </a:fillRef>
+      <a:effectRef idx="0">
+        <a:scrgbClr r="0" g="0" b="0"/>
+      </a:effectRef>
+      <a:fontRef idx="minor">
+        <a:schemeClr val="lt1"/>
+      </a:fontRef>
+    </dgm:style>
+  </dgm:styleLbl>
+  <dgm:styleLbl name="asst2">
+    <dgm:scene3d>
+      <a:camera prst="orthographicFront"/>
+      <a:lightRig rig="threePt" dir="t"/>
+    </dgm:scene3d>
+    <dgm:sp3d/>
+    <dgm:txPr/>
+    <dgm:style>
+      <a:lnRef idx="2">
+        <a:scrgbClr r="0" g="0" b="0"/>
+      </a:lnRef>
+      <a:fillRef idx="1">
+        <a:scrgbClr r="0" g="0" b="0"/>
+      </a:fillRef>
+      <a:effectRef idx="0">
+        <a:scrgbClr r="0" g="0" b="0"/>
+      </a:effectRef>
+      <a:fontRef idx="minor">
+        <a:schemeClr val="lt1"/>
+      </a:fontRef>
+    </dgm:style>
+  </dgm:styleLbl>
+  <dgm:styleLbl name="asst3">
+    <dgm:scene3d>
+      <a:camera prst="orthographicFront"/>
+      <a:lightRig rig="threePt" dir="t"/>
+    </dgm:scene3d>
+    <dgm:sp3d/>
+    <dgm:txPr/>
+    <dgm:style>
+      <a:lnRef idx="2">
+        <a:scrgbClr r="0" g="0" b="0"/>
+      </a:lnRef>
+      <a:fillRef idx="1">
+        <a:scrgbClr r="0" g="0" b="0"/>
+      </a:fillRef>
+      <a:effectRef idx="0">
+        <a:scrgbClr r="0" g="0" b="0"/>
+      </a:effectRef>
+      <a:fontRef idx="minor">
+        <a:schemeClr val="lt1"/>
+      </a:fontRef>
+    </dgm:style>
+  </dgm:styleLbl>
+  <dgm:styleLbl name="asst4">
+    <dgm:scene3d>
+      <a:camera prst="orthographicFront"/>
+      <a:lightRig rig="threePt" dir="t"/>
+    </dgm:scene3d>
+    <dgm:sp3d/>
+    <dgm:txPr/>
+    <dgm:style>
+      <a:lnRef idx="2">
+        <a:scrgbClr r="0" g="0" b="0"/>
+      </a:lnRef>
+      <a:fillRef idx="1">
+        <a:scrgbClr r="0" g="0" b="0"/>
+      </a:fillRef>
+      <a:effectRef idx="0">
+        <a:scrgbClr r="0" g="0" b="0"/>
+      </a:effectRef>
+      <a:fontRef idx="minor">
+        <a:schemeClr val="lt1"/>
+      </a:fontRef>
+    </dgm:style>
+  </dgm:styleLbl>
+  <dgm:styleLbl name="parChTrans2D1">
+    <dgm:scene3d>
+      <a:camera prst="orthographicFront"/>
+      <a:lightRig rig="threePt" dir="t"/>
+    </dgm:scene3d>
+    <dgm:sp3d/>
+    <dgm:txPr/>
+    <dgm:style>
+      <a:lnRef idx="2">
+        <a:scrgbClr r="0" g="0" b="0"/>
+      </a:lnRef>
+      <a:fillRef idx="1">
+        <a:scrgbClr r="0" g="0" b="0"/>
+      </a:fillRef>
+      <a:effectRef idx="0">
+        <a:scrgbClr r="0" g="0" b="0"/>
+      </a:effectRef>
+      <a:fontRef idx="minor">
+        <a:schemeClr val="lt1"/>
+      </a:fontRef>
+    </dgm:style>
+  </dgm:styleLbl>
+  <dgm:styleLbl name="parChTrans2D2">
+    <dgm:scene3d>
+      <a:camera prst="orthographicFront"/>
+      <a:lightRig rig="threePt" dir="t"/>
+    </dgm:scene3d>
+    <dgm:sp3d/>
+    <dgm:txPr/>
+    <dgm:style>
+      <a:lnRef idx="2">
+        <a:scrgbClr r="0" g="0" b="0"/>
+      </a:lnRef>
+      <a:fillRef idx="1">
+        <a:scrgbClr r="0" g="0" b="0"/>
+      </a:fillRef>
+      <a:effectRef idx="0">
+        <a:scrgbClr r="0" g="0" b="0"/>
+      </a:effectRef>
+      <a:fontRef idx="minor">
+        <a:schemeClr val="lt1"/>
+      </a:fontRef>
+    </dgm:style>
+  </dgm:styleLbl>
+  <dgm:styleLbl name="parChTrans2D3">
+    <dgm:scene3d>
+      <a:camera prst="orthographicFront"/>
+      <a:lightRig rig="threePt" dir="t"/>
+    </dgm:scene3d>
+    <dgm:sp3d/>
+    <dgm:txPr/>
+    <dgm:style>
+      <a:lnRef idx="2">
+        <a:scrgbClr r="0" g="0" b="0"/>
+      </a:lnRef>
+      <a:fillRef idx="1">
+        <a:scrgbClr r="0" g="0" b="0"/>
+      </a:fillRef>
+      <a:effectRef idx="0">
+        <a:scrgbClr r="0" g="0" b="0"/>
+      </a:effectRef>
+      <a:fontRef idx="minor">
+        <a:schemeClr val="lt1"/>
+      </a:fontRef>
+    </dgm:style>
+  </dgm:styleLbl>
+  <dgm:styleLbl name="parChTrans2D4">
+    <dgm:scene3d>
+      <a:camera prst="orthographicFront"/>
+      <a:lightRig rig="threePt" dir="t"/>
+    </dgm:scene3d>
+    <dgm:sp3d/>
+    <dgm:txPr/>
+    <dgm:style>
+      <a:lnRef idx="2">
+        <a:scrgbClr r="0" g="0" b="0"/>
+      </a:lnRef>
+      <a:fillRef idx="1">
+        <a:scrgbClr r="0" g="0" b="0"/>
+      </a:fillRef>
+      <a:effectRef idx="0">
+        <a:scrgbClr r="0" g="0" b="0"/>
+      </a:effectRef>
+      <a:fontRef idx="minor">
+        <a:schemeClr val="lt1"/>
+      </a:fontRef>
+    </dgm:style>
+  </dgm:styleLbl>
+  <dgm:styleLbl name="parChTrans1D1">
+    <dgm:scene3d>
+      <a:camera prst="orthographicFront"/>
+      <a:lightRig rig="threePt" dir="t"/>
+    </dgm:scene3d>
+    <dgm:sp3d/>
+    <dgm:txPr/>
+    <dgm:style>
+      <a:lnRef idx="2">
+        <a:scrgbClr r="0" g="0" b="0"/>
+      </a:lnRef>
+      <a:fillRef idx="0">
+        <a:scrgbClr r="0" g="0" b="0"/>
+      </a:fillRef>
+      <a:effectRef idx="0">
+        <a:scrgbClr r="0" g="0" b="0"/>
+      </a:effectRef>
+      <a:fontRef idx="minor"/>
+    </dgm:style>
+  </dgm:styleLbl>
+  <dgm:styleLbl name="parChTrans1D2">
+    <dgm:scene3d>
+      <a:camera prst="orthographicFront"/>
+      <a:lightRig rig="threePt" dir="t"/>
+    </dgm:scene3d>
+    <dgm:sp3d/>
+    <dgm:txPr/>
+    <dgm:style>
+      <a:lnRef idx="2">
+        <a:scrgbClr r="0" g="0" b="0"/>
+      </a:lnRef>
+      <a:fillRef idx="0">
+        <a:scrgbClr r="0" g="0" b="0"/>
+      </a:fillRef>
+      <a:effectRef idx="0">
+        <a:scrgbClr r="0" g="0" b="0"/>
+      </a:effectRef>
+      <a:fontRef idx="minor"/>
+    </dgm:style>
+  </dgm:styleLbl>
+  <dgm:styleLbl name="parChTrans1D3">
+    <dgm:scene3d>
+      <a:camera prst="orthographicFront"/>
+      <a:lightRig rig="threePt" dir="t"/>
+    </dgm:scene3d>
+    <dgm:sp3d/>
+    <dgm:txPr/>
+    <dgm:style>
+      <a:lnRef idx="2">
+        <a:scrgbClr r="0" g="0" b="0"/>
+      </a:lnRef>
+      <a:fillRef idx="0">
+        <a:scrgbClr r="0" g="0" b="0"/>
+      </a:fillRef>
+      <a:effectRef idx="0">
+        <a:scrgbClr r="0" g="0" b="0"/>
+      </a:effectRef>
+      <a:fontRef idx="minor"/>
+    </dgm:style>
+  </dgm:styleLbl>
+  <dgm:styleLbl name="parChTrans1D4">
+    <dgm:scene3d>
+      <a:camera prst="orthographicFront"/>
+      <a:lightRig rig="threePt" dir="t"/>
+    </dgm:scene3d>
+    <dgm:sp3d/>
+    <dgm:txPr/>
+    <dgm:style>
+      <a:lnRef idx="2">
+        <a:scrgbClr r="0" g="0" b="0"/>
+      </a:lnRef>
+      <a:fillRef idx="0">
+        <a:scrgbClr r="0" g="0" b="0"/>
+      </a:fillRef>
+      <a:effectRef idx="0">
+        <a:scrgbClr r="0" g="0" b="0"/>
+      </a:effectRef>
+      <a:fontRef idx="minor"/>
+    </dgm:style>
+  </dgm:styleLbl>
+  <dgm:styleLbl name="fgAcc1">
+    <dgm:scene3d>
+      <a:camera prst="orthographicFront"/>
+      <a:lightRig rig="threePt" dir="t"/>
+    </dgm:scene3d>
+    <dgm:sp3d/>
+    <dgm:txPr/>
+    <dgm:style>
+      <a:lnRef idx="2">
+        <a:scrgbClr r="0" g="0" b="0"/>
+      </a:lnRef>
+      <a:fillRef idx="1">
+        <a:scrgbClr r="0" g="0" b="0"/>
+      </a:fillRef>
+      <a:effectRef idx="0">
+        <a:scrgbClr r="0" g="0" b="0"/>
+      </a:effectRef>
+      <a:fontRef idx="minor"/>
+    </dgm:style>
+  </dgm:styleLbl>
+  <dgm:styleLbl name="conFgAcc1">
+    <dgm:scene3d>
+      <a:camera prst="orthographicFront"/>
+      <a:lightRig rig="threePt" dir="t"/>
+    </dgm:scene3d>
+    <dgm:sp3d/>
+    <dgm:txPr/>
+    <dgm:style>
+      <a:lnRef idx="2">
+        <a:scrgbClr r="0" g="0" b="0"/>
+      </a:lnRef>
+      <a:fillRef idx="1">
+        <a:scrgbClr r="0" g="0" b="0"/>
+      </a:fillRef>
+      <a:effectRef idx="0">
+        <a:scrgbClr r="0" g="0" b="0"/>
+      </a:effectRef>
+      <a:fontRef idx="minor"/>
+    </dgm:style>
+  </dgm:styleLbl>
+  <dgm:styleLbl name="alignAcc1">
+    <dgm:scene3d>
+      <a:camera prst="orthographicFront"/>
+      <a:lightRig rig="threePt" dir="t"/>
+    </dgm:scene3d>
+    <dgm:sp3d/>
+    <dgm:txPr/>
+    <dgm:style>
+      <a:lnRef idx="2">
+        <a:scrgbClr r="0" g="0" b="0"/>
+      </a:lnRef>
+      <a:fillRef idx="1">
+        <a:scrgbClr r="0" g="0" b="0"/>
+      </a:fillRef>
+      <a:effectRef idx="0">
+        <a:scrgbClr r="0" g="0" b="0"/>
+      </a:effectRef>
+      <a:fontRef idx="minor"/>
+    </dgm:style>
+  </dgm:styleLbl>
+  <dgm:styleLbl name="trAlignAcc1">
+    <dgm:scene3d>
+      <a:camera prst="orthographicFront"/>
+      <a:lightRig rig="threePt" dir="t"/>
+    </dgm:scene3d>
+    <dgm:sp3d/>
+    <dgm:txPr/>
+    <dgm:style>
+      <a:lnRef idx="1">
+        <a:scrgbClr r="0" g="0" b="0"/>
+      </a:lnRef>
+      <a:fillRef idx="1">
+        <a:scrgbClr r="0" g="0" b="0"/>
+      </a:fillRef>
+      <a:effectRef idx="0">
+        <a:scrgbClr r="0" g="0" b="0"/>
+      </a:effectRef>
+      <a:fontRef idx="minor"/>
+    </dgm:style>
+  </dgm:styleLbl>
+  <dgm:styleLbl name="bgAcc1">
+    <dgm:scene3d>
+      <a:camera prst="orthographicFront"/>
+      <a:lightRig rig="threePt" dir="t"/>
+    </dgm:scene3d>
+    <dgm:sp3d/>
+    <dgm:txPr/>
+    <dgm:style>
+      <a:lnRef idx="2">
+        <a:scrgbClr r="0" g="0" b="0"/>
+      </a:lnRef>
+      <a:fillRef idx="1">
+        <a:scrgbClr r="0" g="0" b="0"/>
+      </a:fillRef>
+      <a:effectRef idx="0">
+        <a:scrgbClr r="0" g="0" b="0"/>
+      </a:effectRef>
+      <a:fontRef idx="minor"/>
+    </dgm:style>
+  </dgm:styleLbl>
+  <dgm:styleLbl name="solidFgAcc1">
+    <dgm:scene3d>
+      <a:camera prst="orthographicFront"/>
+      <a:lightRig rig="threePt" dir="t"/>
+    </dgm:scene3d>
+    <dgm:sp3d/>
+    <dgm:txPr/>
+    <dgm:style>
+      <a:lnRef idx="2">
+        <a:scrgbClr r="0" g="0" b="0"/>
+      </a:lnRef>
+      <a:fillRef idx="1">
+        <a:scrgbClr r="0" g="0" b="0"/>
+      </a:fillRef>
+      <a:effectRef idx="0">
+        <a:scrgbClr r="0" g="0" b="0"/>
+      </a:effectRef>
+      <a:fontRef idx="minor"/>
+    </dgm:style>
+  </dgm:styleLbl>
+  <dgm:styleLbl name="solidAlignAcc1">
+    <dgm:scene3d>
+      <a:camera prst="orthographicFront"/>
+      <a:lightRig rig="threePt" dir="t"/>
+    </dgm:scene3d>
+    <dgm:sp3d/>
+    <dgm:txPr/>
+    <dgm:style>
+      <a:lnRef idx="2">
+        <a:scrgbClr r="0" g="0" b="0"/>
+      </a:lnRef>
+      <a:fillRef idx="1">
+        <a:scrgbClr r="0" g="0" b="0"/>
+      </a:fillRef>
+      <a:effectRef idx="0">
+        <a:scrgbClr r="0" g="0" b="0"/>
+      </a:effectRef>
+      <a:fontRef idx="minor"/>
+    </dgm:style>
+  </dgm:styleLbl>
+  <dgm:styleLbl name="solidBgAcc1">
+    <dgm:scene3d>
+      <a:camera prst="orthographicFront"/>
+      <a:lightRig rig="threePt" dir="t"/>
+    </dgm:scene3d>
+    <dgm:sp3d/>
+    <dgm:txPr/>
+    <dgm:style>
+      <a:lnRef idx="2">
+        <a:scrgbClr r="0" g="0" b="0"/>
+      </a:lnRef>
+      <a:fillRef idx="1">
+        <a:scrgbClr r="0" g="0" b="0"/>
+      </a:fillRef>
+      <a:effectRef idx="0">
+        <a:scrgbClr r="0" g="0" b="0"/>
+      </a:effectRef>
+      <a:fontRef idx="minor"/>
+    </dgm:style>
+  </dgm:styleLbl>
+  <dgm:styleLbl name="fgAccFollowNode1">
+    <dgm:scene3d>
+      <a:camera prst="orthographicFront"/>
+      <a:lightRig rig="threePt" dir="t"/>
+    </dgm:scene3d>
+    <dgm:sp3d/>
+    <dgm:txPr/>
+    <dgm:style>
+      <a:lnRef idx="2">
+        <a:scrgbClr r="0" g="0" b="0"/>
+      </a:lnRef>
+      <a:fillRef idx="1">
+        <a:scrgbClr r="0" g="0" b="0"/>
+      </a:fillRef>
+      <a:effectRef idx="0">
+        <a:scrgbClr r="0" g="0" b="0"/>
+      </a:effectRef>
+      <a:fontRef idx="minor"/>
+    </dgm:style>
+  </dgm:styleLbl>
+  <dgm:styleLbl name="alignAccFollowNode1">
+    <dgm:scene3d>
+      <a:camera prst="orthographicFront"/>
+      <a:lightRig rig="threePt" dir="t"/>
+    </dgm:scene3d>
+    <dgm:sp3d/>
+    <dgm:txPr/>
+    <dgm:style>
+      <a:lnRef idx="2">
+        <a:scrgbClr r="0" g="0" b="0"/>
+      </a:lnRef>
+      <a:fillRef idx="1">
+        <a:scrgbClr r="0" g="0" b="0"/>
+      </a:fillRef>
+      <a:effectRef idx="0">
+        <a:scrgbClr r="0" g="0" b="0"/>
+      </a:effectRef>
+      <a:fontRef idx="minor"/>
+    </dgm:style>
+  </dgm:styleLbl>
+  <dgm:styleLbl name="bgAccFollowNode1">
+    <dgm:scene3d>
+      <a:camera prst="orthographicFront"/>
+      <a:lightRig rig="threePt" dir="t"/>
+    </dgm:scene3d>
+    <dgm:sp3d/>
+    <dgm:txPr/>
+    <dgm:style>
+      <a:lnRef idx="2">
+        <a:scrgbClr r="0" g="0" b="0"/>
+      </a:lnRef>
+      <a:fillRef idx="1">
+        <a:scrgbClr r="0" g="0" b="0"/>
+      </a:fillRef>
+      <a:effectRef idx="0">
+        <a:scrgbClr r="0" g="0" b="0"/>
+      </a:effectRef>
+      <a:fontRef idx="minor"/>
+    </dgm:style>
+  </dgm:styleLbl>
+  <dgm:styleLbl name="fgAcc0">
+    <dgm:scene3d>
+      <a:camera prst="orthographicFront"/>
+      <a:lightRig rig="threePt" dir="t"/>
+    </dgm:scene3d>
+    <dgm:sp3d/>
+    <dgm:txPr/>
+    <dgm:style>
+      <a:lnRef idx="2">
+        <a:scrgbClr r="0" g="0" b="0"/>
+      </a:lnRef>
+      <a:fillRef idx="1">
+        <a:scrgbClr r="0" g="0" b="0"/>
+      </a:fillRef>
+      <a:effectRef idx="0">
+        <a:scrgbClr r="0" g="0" b="0"/>
+      </a:effectRef>
+      <a:fontRef idx="minor"/>
+    </dgm:style>
+  </dgm:styleLbl>
+  <dgm:styleLbl name="fgAcc2">
+    <dgm:scene3d>
+      <a:camera prst="orthographicFront"/>
+      <a:lightRig rig="threePt" dir="t"/>
+    </dgm:scene3d>
+    <dgm:sp3d/>
+    <dgm:txPr/>
+    <dgm:style>
+      <a:lnRef idx="2">
+        <a:scrgbClr r="0" g="0" b="0"/>
+      </a:lnRef>
+      <a:fillRef idx="1">
+        <a:scrgbClr r="0" g="0" b="0"/>
+      </a:fillRef>
+      <a:effectRef idx="0">
+        <a:scrgbClr r="0" g="0" b="0"/>
+      </a:effectRef>
+      <a:fontRef idx="minor"/>
+    </dgm:style>
+  </dgm:styleLbl>
+  <dgm:styleLbl name="fgAcc3">
+    <dgm:scene3d>
+      <a:camera prst="orthographicFront"/>
+      <a:lightRig rig="threePt" dir="t"/>
+    </dgm:scene3d>
+    <dgm:sp3d/>
+    <dgm:txPr/>
+    <dgm:style>
+      <a:lnRef idx="2">
+        <a:scrgbClr r="0" g="0" b="0"/>
+      </a:lnRef>
+      <a:fillRef idx="1">
+        <a:scrgbClr r="0" g="0" b="0"/>
+      </a:fillRef>
+      <a:effectRef idx="0">
+        <a:scrgbClr r="0" g="0" b="0"/>
+      </a:effectRef>
+      <a:fontRef idx="minor"/>
+    </dgm:style>
+  </dgm:styleLbl>
+  <dgm:styleLbl name="fgAcc4">
+    <dgm:scene3d>
+      <a:camera prst="orthographicFront"/>
+      <a:lightRig rig="threePt" dir="t"/>
+    </dgm:scene3d>
+    <dgm:sp3d/>
+    <dgm:txPr/>
+    <dgm:style>
+      <a:lnRef idx="2">
+        <a:scrgbClr r="0" g="0" b="0"/>
+      </a:lnRef>
+      <a:fillRef idx="1">
+        <a:scrgbClr r="0" g="0" b="0"/>
+      </a:fillRef>
+      <a:effectRef idx="0">
+        <a:scrgbClr r="0" g="0" b="0"/>
+      </a:effectRef>
+      <a:fontRef idx="minor"/>
+    </dgm:style>
+  </dgm:styleLbl>
+  <dgm:styleLbl name="bgShp">
+    <dgm:scene3d>
+      <a:camera prst="orthographicFront"/>
+      <a:lightRig rig="threePt" dir="t"/>
+    </dgm:scene3d>
+    <dgm:sp3d/>
+    <dgm:txPr/>
+    <dgm:style>
+      <a:lnRef idx="0">
+        <a:scrgbClr r="0" g="0" b="0"/>
+      </a:lnRef>
+      <a:fillRef idx="1">
+        <a:scrgbClr r="0" g="0" b="0"/>
+      </a:fillRef>
+      <a:effectRef idx="0">
+        <a:scrgbClr r="0" g="0" b="0"/>
+      </a:effectRef>
+      <a:fontRef idx="minor"/>
+    </dgm:style>
+  </dgm:styleLbl>
+  <dgm:styleLbl name="dkBgShp">
+    <dgm:scene3d>
+      <a:camera prst="orthographicFront"/>
+      <a:lightRig rig="threePt" dir="t"/>
+    </dgm:scene3d>
+    <dgm:sp3d/>
+    <dgm:txPr/>
+    <dgm:style>
+      <a:lnRef idx="0">
+        <a:scrgbClr r="0" g="0" b="0"/>
+      </a:lnRef>
+      <a:fillRef idx="1">
+        <a:scrgbClr r="0" g="0" b="0"/>
+      </a:fillRef>
+      <a:effectRef idx="0">
+        <a:scrgbClr r="0" g="0" b="0"/>
+      </a:effectRef>
+      <a:fontRef idx="minor"/>
+    </dgm:style>
+  </dgm:styleLbl>
+  <dgm:styleLbl name="trBgShp">
+    <dgm:scene3d>
+      <a:camera prst="orthographicFront"/>
+      <a:lightRig rig="threePt" dir="t"/>
+    </dgm:scene3d>
+    <dgm:sp3d/>
+    <dgm:txPr/>
+    <dgm:style>
+      <a:lnRef idx="0">
+        <a:scrgbClr r="0" g="0" b="0"/>
+      </a:lnRef>
+      <a:fillRef idx="1">
+        <a:scrgbClr r="0" g="0" b="0"/>
+      </a:fillRef>
+      <a:effectRef idx="0">
+        <a:scrgbClr r="0" g="0" b="0"/>
+      </a:effectRef>
+      <a:fontRef idx="minor"/>
+    </dgm:style>
+  </dgm:styleLbl>
+  <dgm:styleLbl name="fgShp">
+    <dgm:scene3d>
+      <a:camera prst="orthographicFront"/>
+      <a:lightRig rig="threePt" dir="t"/>
+    </dgm:scene3d>
+    <dgm:sp3d/>
+    <dgm:txPr/>
+    <dgm:style>
+      <a:lnRef idx="2">
+        <a:scrgbClr r="0" g="0" b="0"/>
+      </a:lnRef>
+      <a:fillRef idx="1">
+        <a:scrgbClr r="0" g="0" b="0"/>
+      </a:fillRef>
+      <a:effectRef idx="0">
+        <a:scrgbClr r="0" g="0" b="0"/>
+      </a:effectRef>
+      <a:fontRef idx="minor"/>
+    </dgm:style>
+  </dgm:styleLbl>
+  <dgm:styleLbl name="revTx">
+    <dgm:scene3d>
+      <a:camera prst="orthographicFront"/>
+      <a:lightRig rig="threePt" dir="t"/>
+    </dgm:scene3d>
+    <dgm:sp3d/>
+    <dgm:txPr/>
+    <dgm:style>
+      <a:lnRef idx="0">
+        <a:scrgbClr r="0" g="0" b="0"/>
+      </a:lnRef>
+      <a:fillRef idx="0">
+        <a:scrgbClr r="0" g="0" b="0"/>
+      </a:fillRef>
+      <a:effectRef idx="0">
+        <a:scrgbClr r="0" g="0" b="0"/>
+      </a:effectRef>
+      <a:fontRef idx="minor"/>
+    </dgm:style>
+  </dgm:styleLbl>
+</dgm:styleDef>
+</file>
+
+<file path=ppt/diagrams/quickStyle4.xml><?xml version="1.0" encoding="utf-8"?>
 <dgm:styleDef xmlns:dgm="http://schemas.openxmlformats.org/drawingml/2006/diagram" xmlns:a="http://schemas.openxmlformats.org/drawingml/2006/main" uniqueId="urn:microsoft.com/office/officeart/2005/8/quickstyle/simple1">
   <dgm:title val=""/>
   <dgm:desc val=""/>
@@ -12811,265 +15435,6 @@
           <a:chExt cx="0" cy="0"/>
         </a:xfrm>
       </p:grpSpPr>
-      <p:sp useBgFill="1">
-        <p:nvSpPr>
-          <p:cNvPr id="8" name="Rectangle 7">
-            <a:extLst>
-              <a:ext uri="{FF2B5EF4-FFF2-40B4-BE49-F238E27FC236}">
-                <a16:creationId xmlns:a16="http://schemas.microsoft.com/office/drawing/2014/main" id="{A4E9F8B3-8282-4A93-BBF8-3342538A70FB}"/>
-              </a:ext>
-              <a:ext uri="{C183D7F6-B498-43B3-948B-1728B52AA6E4}">
-                <adec:decorative xmlns:adec="http://schemas.microsoft.com/office/drawing/2017/decorative" val="1"/>
-              </a:ext>
-            </a:extLst>
-          </p:cNvPr>
-          <p:cNvSpPr>
-            <a:spLocks noGrp="1" noRot="1" noChangeAspect="1" noMove="1" noResize="1" noEditPoints="1" noAdjustHandles="1" noChangeArrowheads="1" noChangeShapeType="1" noTextEdit="1"/>
-          </p:cNvSpPr>
-          <p:nvPr>
-            <p:extLst>
-              <p:ext uri="{386F3935-93C4-4BCD-93E2-E3B085C9AB24}">
-                <p16:designElem xmlns:p16="http://schemas.microsoft.com/office/powerpoint/2015/main" val="1"/>
-              </p:ext>
-            </p:extLst>
-          </p:nvPr>
-        </p:nvSpPr>
-        <p:spPr>
-          <a:xfrm>
-            <a:off x="0" y="0"/>
-            <a:ext cx="12192000" cy="6858000"/>
-          </a:xfrm>
-          <a:prstGeom prst="rect">
-            <a:avLst/>
-          </a:prstGeom>
-          <a:ln w="12700" cap="flat" cmpd="sng" algn="ctr">
-            <a:noFill/>
-            <a:prstDash val="solid"/>
-            <a:miter lim="800000"/>
-          </a:ln>
-          <a:effectLst/>
-        </p:spPr>
-        <p:style>
-          <a:lnRef idx="2">
-            <a:schemeClr val="accent1">
-              <a:shade val="50000"/>
-            </a:schemeClr>
-          </a:lnRef>
-          <a:fillRef idx="1">
-            <a:schemeClr val="accent1"/>
-          </a:fillRef>
-          <a:effectRef idx="0">
-            <a:schemeClr val="accent1"/>
-          </a:effectRef>
-          <a:fontRef idx="minor">
-            <a:schemeClr val="lt1"/>
-          </a:fontRef>
-        </p:style>
-        <p:txBody>
-          <a:bodyPr rtlCol="0" anchor="ctr"/>
-          <a:lstStyle/>
-          <a:p>
-            <a:pPr algn="ctr"/>
-            <a:endParaRPr lang="en-US"/>
-          </a:p>
-        </p:txBody>
-      </p:sp>
-      <p:sp>
-        <p:nvSpPr>
-          <p:cNvPr id="2" name="Title 1">
-            <a:extLst>
-              <a:ext uri="{FF2B5EF4-FFF2-40B4-BE49-F238E27FC236}">
-                <a16:creationId xmlns:a16="http://schemas.microsoft.com/office/drawing/2014/main" id="{E367B809-61CA-1E46-BCF7-4EC2C2A70B94}"/>
-              </a:ext>
-            </a:extLst>
-          </p:cNvPr>
-          <p:cNvSpPr>
-            <a:spLocks noGrp="1"/>
-          </p:cNvSpPr>
-          <p:nvPr>
-            <p:ph type="title"/>
-          </p:nvPr>
-        </p:nvSpPr>
-        <p:spPr>
-          <a:xfrm>
-            <a:off x="1429566" y="1045445"/>
-            <a:ext cx="9238434" cy="857559"/>
-          </a:xfrm>
-        </p:spPr>
-        <p:txBody>
-          <a:bodyPr>
-            <a:normAutofit/>
-          </a:bodyPr>
-          <a:lstStyle/>
-          <a:p>
-            <a:r>
-              <a:rPr lang="en-US" dirty="0"/>
-              <a:t>Results: rating</a:t>
-            </a:r>
-          </a:p>
-        </p:txBody>
-      </p:sp>
-      <p:cxnSp>
-        <p:nvCxnSpPr>
-          <p:cNvPr id="10" name="Straight Connector 9">
-            <a:extLst>
-              <a:ext uri="{FF2B5EF4-FFF2-40B4-BE49-F238E27FC236}">
-                <a16:creationId xmlns:a16="http://schemas.microsoft.com/office/drawing/2014/main" id="{58EFA797-975B-41D8-BC96-56CDC2CFA3E4}"/>
-              </a:ext>
-              <a:ext uri="{C183D7F6-B498-43B3-948B-1728B52AA6E4}">
-                <adec:decorative xmlns:adec="http://schemas.microsoft.com/office/drawing/2017/decorative" val="1"/>
-              </a:ext>
-            </a:extLst>
-          </p:cNvPr>
-          <p:cNvCxnSpPr>
-            <a:cxnSpLocks noGrp="1" noRot="1" noChangeAspect="1" noMove="1" noResize="1" noEditPoints="1" noAdjustHandles="1" noChangeArrowheads="1" noChangeShapeType="1"/>
-          </p:cNvCxnSpPr>
-          <p:nvPr>
-            <p:extLst>
-              <p:ext uri="{386F3935-93C4-4BCD-93E2-E3B085C9AB24}">
-                <p16:designElem xmlns:p16="http://schemas.microsoft.com/office/powerpoint/2015/main" val="1"/>
-              </p:ext>
-            </p:extLst>
-          </p:nvPr>
-        </p:nvCxnSpPr>
-        <p:spPr>
-          <a:xfrm>
-            <a:off x="1524000" y="2286000"/>
-            <a:ext cx="971155" cy="0"/>
-          </a:xfrm>
-          <a:prstGeom prst="line">
-            <a:avLst/>
-          </a:prstGeom>
-          <a:ln w="31750">
-            <a:solidFill>
-              <a:schemeClr val="tx1"/>
-            </a:solidFill>
-          </a:ln>
-        </p:spPr>
-        <p:style>
-          <a:lnRef idx="1">
-            <a:schemeClr val="accent1"/>
-          </a:lnRef>
-          <a:fillRef idx="0">
-            <a:schemeClr val="accent1"/>
-          </a:fillRef>
-          <a:effectRef idx="0">
-            <a:schemeClr val="accent1"/>
-          </a:effectRef>
-          <a:fontRef idx="minor">
-            <a:schemeClr val="tx1"/>
-          </a:fontRef>
-        </p:style>
-      </p:cxnSp>
-      <p:sp>
-        <p:nvSpPr>
-          <p:cNvPr id="9" name="TextBox 8">
-            <a:extLst>
-              <a:ext uri="{FF2B5EF4-FFF2-40B4-BE49-F238E27FC236}">
-                <a16:creationId xmlns:a16="http://schemas.microsoft.com/office/drawing/2014/main" id="{AE896DA0-A3AA-E045-A5FC-B7D3E7E12F37}"/>
-              </a:ext>
-            </a:extLst>
-          </p:cNvPr>
-          <p:cNvSpPr txBox="1"/>
-          <p:nvPr/>
-        </p:nvSpPr>
-        <p:spPr>
-          <a:xfrm>
-            <a:off x="1429565" y="6027500"/>
-            <a:ext cx="9328745" cy="738664"/>
-          </a:xfrm>
-          <a:prstGeom prst="rect">
-            <a:avLst/>
-          </a:prstGeom>
-          <a:noFill/>
-        </p:spPr>
-        <p:txBody>
-          <a:bodyPr wrap="square" rtlCol="0">
-            <a:spAutoFit/>
-          </a:bodyPr>
-          <a:lstStyle/>
-          <a:p>
-            <a:r>
-              <a:rPr lang="en-US" sz="1400" dirty="0"/>
-              <a:t>For this analysis we used data of 28,628 movies with over 100 votes. </a:t>
-            </a:r>
-          </a:p>
-          <a:p>
-            <a:r>
-              <a:rPr lang="en-US" sz="1400" dirty="0"/>
-              <a:t>Documentary, Music, War, Adventure, and Drama have been the highest rated movie genres in the past decade. Their average rating is 8.9. However other 10 genres are  not far behind and rated around 8. </a:t>
-            </a:r>
-          </a:p>
-        </p:txBody>
-      </p:sp>
-      <p:pic>
-        <p:nvPicPr>
-          <p:cNvPr id="12" name="Picture 11" descr="Graphical user interface, application&#10;&#10;Description automatically generated">
-            <a:extLst>
-              <a:ext uri="{FF2B5EF4-FFF2-40B4-BE49-F238E27FC236}">
-                <a16:creationId xmlns:a16="http://schemas.microsoft.com/office/drawing/2014/main" id="{4532725F-6DC2-9F43-9F93-200AD2C9FBA2}"/>
-              </a:ext>
-            </a:extLst>
-          </p:cNvPr>
-          <p:cNvPicPr>
-            <a:picLocks noChangeAspect="1"/>
-          </p:cNvPicPr>
-          <p:nvPr/>
-        </p:nvPicPr>
-        <p:blipFill>
-          <a:blip r:embed="rId2"/>
-          <a:stretch>
-            <a:fillRect/>
-          </a:stretch>
-        </p:blipFill>
-        <p:spPr>
-          <a:xfrm>
-            <a:off x="1524000" y="2344500"/>
-            <a:ext cx="8184444" cy="3683000"/>
-          </a:xfrm>
-          <a:prstGeom prst="rect">
-            <a:avLst/>
-          </a:prstGeom>
-        </p:spPr>
-      </p:pic>
-    </p:spTree>
-    <p:extLst>
-      <p:ext uri="{BB962C8B-B14F-4D97-AF65-F5344CB8AC3E}">
-        <p14:creationId xmlns:p14="http://schemas.microsoft.com/office/powerpoint/2010/main" val="4033150465"/>
-      </p:ext>
-    </p:extLst>
-  </p:cSld>
-  <p:clrMapOvr>
-    <a:overrideClrMapping bg1="lt1" tx1="dk1" bg2="lt2" tx2="dk2" accent1="accent1" accent2="accent2" accent3="accent3" accent4="accent4" accent5="accent5" accent6="accent6" hlink="hlink" folHlink="folHlink"/>
-  </p:clrMapOvr>
-</p:sld>
-</file>
-
-<file path=ppt/slides/slide11.xml><?xml version="1.0" encoding="utf-8"?>
-<p:sld xmlns:a="http://schemas.openxmlformats.org/drawingml/2006/main" xmlns:r="http://schemas.openxmlformats.org/officeDocument/2006/relationships" xmlns:p="http://schemas.openxmlformats.org/presentationml/2006/main">
-  <p:cSld>
-    <p:bg>
-      <p:bgPr>
-        <a:solidFill>
-          <a:schemeClr val="bg1"/>
-        </a:solidFill>
-        <a:effectLst/>
-      </p:bgPr>
-    </p:bg>
-    <p:spTree>
-      <p:nvGrpSpPr>
-        <p:cNvPr id="1" name=""/>
-        <p:cNvGrpSpPr/>
-        <p:nvPr/>
-      </p:nvGrpSpPr>
-      <p:grpSpPr>
-        <a:xfrm>
-          <a:off x="0" y="0"/>
-          <a:ext cx="0" cy="0"/>
-          <a:chOff x="0" y="0"/>
-          <a:chExt cx="0" cy="0"/>
-        </a:xfrm>
-      </p:grpSpPr>
       <p:cxnSp>
         <p:nvCxnSpPr>
           <p:cNvPr id="15" name="Straight Connector 14">
@@ -13470,6 +15835,223 @@
     <p:extLst>
       <p:ext uri="{BB962C8B-B14F-4D97-AF65-F5344CB8AC3E}">
         <p14:creationId xmlns:p14="http://schemas.microsoft.com/office/powerpoint/2010/main" val="4176118015"/>
+      </p:ext>
+    </p:extLst>
+  </p:cSld>
+  <p:clrMapOvr>
+    <a:overrideClrMapping bg1="lt1" tx1="dk1" bg2="lt2" tx2="dk2" accent1="accent1" accent2="accent2" accent3="accent3" accent4="accent4" accent5="accent5" accent6="accent6" hlink="hlink" folHlink="folHlink"/>
+  </p:clrMapOvr>
+</p:sld>
+</file>
+
+<file path=ppt/slides/slide11.xml><?xml version="1.0" encoding="utf-8"?>
+<p:sld xmlns:a="http://schemas.openxmlformats.org/drawingml/2006/main" xmlns:r="http://schemas.openxmlformats.org/officeDocument/2006/relationships" xmlns:p="http://schemas.openxmlformats.org/presentationml/2006/main">
+  <p:cSld>
+    <p:bg>
+      <p:bgPr>
+        <a:solidFill>
+          <a:schemeClr val="bg1"/>
+        </a:solidFill>
+        <a:effectLst/>
+      </p:bgPr>
+    </p:bg>
+    <p:spTree>
+      <p:nvGrpSpPr>
+        <p:cNvPr id="1" name=""/>
+        <p:cNvGrpSpPr/>
+        <p:nvPr/>
+      </p:nvGrpSpPr>
+      <p:grpSpPr>
+        <a:xfrm>
+          <a:off x="0" y="0"/>
+          <a:ext cx="0" cy="0"/>
+          <a:chOff x="0" y="0"/>
+          <a:chExt cx="0" cy="0"/>
+        </a:xfrm>
+      </p:grpSpPr>
+      <p:sp useBgFill="1">
+        <p:nvSpPr>
+          <p:cNvPr id="8" name="Rectangle 7">
+            <a:extLst>
+              <a:ext uri="{FF2B5EF4-FFF2-40B4-BE49-F238E27FC236}">
+                <a16:creationId xmlns:a16="http://schemas.microsoft.com/office/drawing/2014/main" id="{A4E9F8B3-8282-4A93-BBF8-3342538A70FB}"/>
+              </a:ext>
+              <a:ext uri="{C183D7F6-B498-43B3-948B-1728B52AA6E4}">
+                <adec:decorative xmlns:adec="http://schemas.microsoft.com/office/drawing/2017/decorative" val="1"/>
+              </a:ext>
+            </a:extLst>
+          </p:cNvPr>
+          <p:cNvSpPr>
+            <a:spLocks noGrp="1" noRot="1" noChangeAspect="1" noMove="1" noResize="1" noEditPoints="1" noAdjustHandles="1" noChangeArrowheads="1" noChangeShapeType="1" noTextEdit="1"/>
+          </p:cNvSpPr>
+          <p:nvPr>
+            <p:extLst>
+              <p:ext uri="{386F3935-93C4-4BCD-93E2-E3B085C9AB24}">
+                <p16:designElem xmlns:p16="http://schemas.microsoft.com/office/powerpoint/2015/main" val="1"/>
+              </p:ext>
+            </p:extLst>
+          </p:nvPr>
+        </p:nvSpPr>
+        <p:spPr>
+          <a:xfrm>
+            <a:off x="0" y="0"/>
+            <a:ext cx="12192000" cy="6858000"/>
+          </a:xfrm>
+          <a:prstGeom prst="rect">
+            <a:avLst/>
+          </a:prstGeom>
+          <a:ln w="12700" cap="flat" cmpd="sng" algn="ctr">
+            <a:noFill/>
+            <a:prstDash val="solid"/>
+            <a:miter lim="800000"/>
+          </a:ln>
+          <a:effectLst/>
+        </p:spPr>
+        <p:style>
+          <a:lnRef idx="2">
+            <a:schemeClr val="accent1">
+              <a:shade val="50000"/>
+            </a:schemeClr>
+          </a:lnRef>
+          <a:fillRef idx="1">
+            <a:schemeClr val="accent1"/>
+          </a:fillRef>
+          <a:effectRef idx="0">
+            <a:schemeClr val="accent1"/>
+          </a:effectRef>
+          <a:fontRef idx="minor">
+            <a:schemeClr val="lt1"/>
+          </a:fontRef>
+        </p:style>
+        <p:txBody>
+          <a:bodyPr rtlCol="0" anchor="ctr"/>
+          <a:lstStyle/>
+          <a:p>
+            <a:pPr algn="ctr"/>
+            <a:endParaRPr lang="en-US"/>
+          </a:p>
+        </p:txBody>
+      </p:sp>
+      <p:sp>
+        <p:nvSpPr>
+          <p:cNvPr id="2" name="Title 1">
+            <a:extLst>
+              <a:ext uri="{FF2B5EF4-FFF2-40B4-BE49-F238E27FC236}">
+                <a16:creationId xmlns:a16="http://schemas.microsoft.com/office/drawing/2014/main" id="{1290D665-DAA5-754E-BA8C-F8CB227D2E12}"/>
+              </a:ext>
+            </a:extLst>
+          </p:cNvPr>
+          <p:cNvSpPr>
+            <a:spLocks noGrp="1"/>
+          </p:cNvSpPr>
+          <p:nvPr>
+            <p:ph type="title"/>
+          </p:nvPr>
+        </p:nvSpPr>
+        <p:spPr>
+          <a:xfrm>
+            <a:off x="1429566" y="1045445"/>
+            <a:ext cx="9238434" cy="857559"/>
+          </a:xfrm>
+        </p:spPr>
+        <p:txBody>
+          <a:bodyPr>
+            <a:normAutofit/>
+          </a:bodyPr>
+          <a:lstStyle/>
+          <a:p>
+            <a:r>
+              <a:rPr lang="en-US" dirty="0"/>
+              <a:t>Comparison</a:t>
+            </a:r>
+          </a:p>
+        </p:txBody>
+      </p:sp>
+      <p:cxnSp>
+        <p:nvCxnSpPr>
+          <p:cNvPr id="10" name="Straight Connector 9">
+            <a:extLst>
+              <a:ext uri="{FF2B5EF4-FFF2-40B4-BE49-F238E27FC236}">
+                <a16:creationId xmlns:a16="http://schemas.microsoft.com/office/drawing/2014/main" id="{58EFA797-975B-41D8-BC96-56CDC2CFA3E4}"/>
+              </a:ext>
+              <a:ext uri="{C183D7F6-B498-43B3-948B-1728B52AA6E4}">
+                <adec:decorative xmlns:adec="http://schemas.microsoft.com/office/drawing/2017/decorative" val="1"/>
+              </a:ext>
+            </a:extLst>
+          </p:cNvPr>
+          <p:cNvCxnSpPr>
+            <a:cxnSpLocks noGrp="1" noRot="1" noChangeAspect="1" noMove="1" noResize="1" noEditPoints="1" noAdjustHandles="1" noChangeArrowheads="1" noChangeShapeType="1"/>
+          </p:cNvCxnSpPr>
+          <p:nvPr>
+            <p:extLst>
+              <p:ext uri="{386F3935-93C4-4BCD-93E2-E3B085C9AB24}">
+                <p16:designElem xmlns:p16="http://schemas.microsoft.com/office/powerpoint/2015/main" val="1"/>
+              </p:ext>
+            </p:extLst>
+          </p:nvPr>
+        </p:nvCxnSpPr>
+        <p:spPr>
+          <a:xfrm>
+            <a:off x="1524000" y="2286000"/>
+            <a:ext cx="971155" cy="0"/>
+          </a:xfrm>
+          <a:prstGeom prst="line">
+            <a:avLst/>
+          </a:prstGeom>
+          <a:ln w="31750">
+            <a:solidFill>
+              <a:schemeClr val="tx1"/>
+            </a:solidFill>
+          </a:ln>
+        </p:spPr>
+        <p:style>
+          <a:lnRef idx="1">
+            <a:schemeClr val="accent1"/>
+          </a:lnRef>
+          <a:fillRef idx="0">
+            <a:schemeClr val="accent1"/>
+          </a:fillRef>
+          <a:effectRef idx="0">
+            <a:schemeClr val="accent1"/>
+          </a:effectRef>
+          <a:fontRef idx="minor">
+            <a:schemeClr val="tx1"/>
+          </a:fontRef>
+        </p:style>
+      </p:cxnSp>
+      <p:pic>
+        <p:nvPicPr>
+          <p:cNvPr id="5" name="Content Placeholder 4" descr="Table&#10;&#10;Description automatically generated">
+            <a:extLst>
+              <a:ext uri="{FF2B5EF4-FFF2-40B4-BE49-F238E27FC236}">
+                <a16:creationId xmlns:a16="http://schemas.microsoft.com/office/drawing/2014/main" id="{B36EBF77-2B11-F442-B565-9DA4A42D0B7A}"/>
+              </a:ext>
+            </a:extLst>
+          </p:cNvPr>
+          <p:cNvPicPr>
+            <a:picLocks noGrp="1" noChangeAspect="1"/>
+          </p:cNvPicPr>
+          <p:nvPr>
+            <p:ph idx="1"/>
+          </p:nvPr>
+        </p:nvPicPr>
+        <p:blipFill>
+          <a:blip r:embed="rId2"/>
+          <a:stretch>
+            <a:fillRect/>
+          </a:stretch>
+        </p:blipFill>
+        <p:spPr>
+          <a:xfrm>
+            <a:off x="2155912" y="2365259"/>
+            <a:ext cx="8086979" cy="4413482"/>
+          </a:xfrm>
+        </p:spPr>
+      </p:pic>
+    </p:spTree>
+    <p:extLst>
+      <p:ext uri="{BB962C8B-B14F-4D97-AF65-F5344CB8AC3E}">
+        <p14:creationId xmlns:p14="http://schemas.microsoft.com/office/powerpoint/2010/main" val="1781868594"/>
       </p:ext>
     </p:extLst>
   </p:cSld>
@@ -14974,8 +17556,8 @@
         </p:nvSpPr>
         <p:spPr>
           <a:xfrm>
-            <a:off x="698430" y="6004348"/>
-            <a:ext cx="9328745" cy="523220"/>
+            <a:off x="529097" y="5901099"/>
+            <a:ext cx="9328745" cy="738664"/>
           </a:xfrm>
           <a:prstGeom prst="rect">
             <a:avLst/>
@@ -14996,7 +17578,13 @@
           <a:p>
             <a:r>
               <a:rPr lang="en-US" sz="1400" dirty="0"/>
-              <a:t>we  discovered that there is a strong positive correlation between domestic and foreign gross. </a:t>
+              <a:t>we  discovered that there is a strong positive correlation between domestic and foreign gross.</a:t>
+            </a:r>
+          </a:p>
+          <a:p>
+            <a:r>
+              <a:rPr lang="en-US" sz="1400" dirty="0"/>
+              <a:t>Domestic gross is responsible  for 47%  of worldwide gross when Foreign gross is responsible for 53%.  </a:t>
             </a:r>
           </a:p>
         </p:txBody>
@@ -15041,7 +17629,225 @@
       </p:grpSpPr>
       <p:sp useBgFill="1">
         <p:nvSpPr>
-          <p:cNvPr id="29" name="Rectangle 28">
+          <p:cNvPr id="12" name="Rectangle 7">
+            <a:extLst>
+              <a:ext uri="{FF2B5EF4-FFF2-40B4-BE49-F238E27FC236}">
+                <a16:creationId xmlns:a16="http://schemas.microsoft.com/office/drawing/2014/main" id="{A4E9F8B3-8282-4A93-BBF8-3342538A70FB}"/>
+              </a:ext>
+              <a:ext uri="{C183D7F6-B498-43B3-948B-1728B52AA6E4}">
+                <adec:decorative xmlns:adec="http://schemas.microsoft.com/office/drawing/2017/decorative" val="1"/>
+              </a:ext>
+            </a:extLst>
+          </p:cNvPr>
+          <p:cNvSpPr>
+            <a:spLocks noGrp="1" noRot="1" noChangeAspect="1" noMove="1" noResize="1" noEditPoints="1" noAdjustHandles="1" noChangeArrowheads="1" noChangeShapeType="1" noTextEdit="1"/>
+          </p:cNvSpPr>
+          <p:nvPr>
+            <p:extLst>
+              <p:ext uri="{386F3935-93C4-4BCD-93E2-E3B085C9AB24}">
+                <p16:designElem xmlns:p16="http://schemas.microsoft.com/office/powerpoint/2015/main" val="1"/>
+              </p:ext>
+            </p:extLst>
+          </p:nvPr>
+        </p:nvSpPr>
+        <p:spPr>
+          <a:xfrm>
+            <a:off x="0" y="0"/>
+            <a:ext cx="12192000" cy="6858000"/>
+          </a:xfrm>
+          <a:prstGeom prst="rect">
+            <a:avLst/>
+          </a:prstGeom>
+          <a:ln w="12700" cap="flat" cmpd="sng" algn="ctr">
+            <a:noFill/>
+            <a:prstDash val="solid"/>
+            <a:miter lim="800000"/>
+          </a:ln>
+          <a:effectLst/>
+        </p:spPr>
+        <p:style>
+          <a:lnRef idx="2">
+            <a:schemeClr val="accent1">
+              <a:shade val="50000"/>
+            </a:schemeClr>
+          </a:lnRef>
+          <a:fillRef idx="1">
+            <a:schemeClr val="accent1"/>
+          </a:fillRef>
+          <a:effectRef idx="0">
+            <a:schemeClr val="accent1"/>
+          </a:effectRef>
+          <a:fontRef idx="minor">
+            <a:schemeClr val="lt1"/>
+          </a:fontRef>
+        </p:style>
+        <p:txBody>
+          <a:bodyPr rtlCol="0" anchor="ctr"/>
+          <a:lstStyle/>
+          <a:p>
+            <a:pPr algn="ctr"/>
+            <a:endParaRPr lang="en-US"/>
+          </a:p>
+        </p:txBody>
+      </p:sp>
+      <p:sp>
+        <p:nvSpPr>
+          <p:cNvPr id="2" name="Title 1">
+            <a:extLst>
+              <a:ext uri="{FF2B5EF4-FFF2-40B4-BE49-F238E27FC236}">
+                <a16:creationId xmlns:a16="http://schemas.microsoft.com/office/drawing/2014/main" id="{8402C484-34E4-2544-B051-3DD66C4FFA5A}"/>
+              </a:ext>
+            </a:extLst>
+          </p:cNvPr>
+          <p:cNvSpPr>
+            <a:spLocks noGrp="1"/>
+          </p:cNvSpPr>
+          <p:nvPr>
+            <p:ph type="title"/>
+          </p:nvPr>
+        </p:nvSpPr>
+        <p:spPr>
+          <a:xfrm>
+            <a:off x="1429566" y="1045445"/>
+            <a:ext cx="9238434" cy="857559"/>
+          </a:xfrm>
+        </p:spPr>
+        <p:txBody>
+          <a:bodyPr>
+            <a:normAutofit/>
+          </a:bodyPr>
+          <a:lstStyle/>
+          <a:p>
+            <a:r>
+              <a:rPr lang="en-US" dirty="0"/>
+              <a:t>comparison</a:t>
+            </a:r>
+          </a:p>
+        </p:txBody>
+      </p:sp>
+      <p:cxnSp>
+        <p:nvCxnSpPr>
+          <p:cNvPr id="13" name="Straight Connector 9">
+            <a:extLst>
+              <a:ext uri="{FF2B5EF4-FFF2-40B4-BE49-F238E27FC236}">
+                <a16:creationId xmlns:a16="http://schemas.microsoft.com/office/drawing/2014/main" id="{58EFA797-975B-41D8-BC96-56CDC2CFA3E4}"/>
+              </a:ext>
+              <a:ext uri="{C183D7F6-B498-43B3-948B-1728B52AA6E4}">
+                <adec:decorative xmlns:adec="http://schemas.microsoft.com/office/drawing/2017/decorative" val="1"/>
+              </a:ext>
+            </a:extLst>
+          </p:cNvPr>
+          <p:cNvCxnSpPr>
+            <a:cxnSpLocks noGrp="1" noRot="1" noChangeAspect="1" noMove="1" noResize="1" noEditPoints="1" noAdjustHandles="1" noChangeArrowheads="1" noChangeShapeType="1"/>
+          </p:cNvCxnSpPr>
+          <p:nvPr>
+            <p:extLst>
+              <p:ext uri="{386F3935-93C4-4BCD-93E2-E3B085C9AB24}">
+                <p16:designElem xmlns:p16="http://schemas.microsoft.com/office/powerpoint/2015/main" val="1"/>
+              </p:ext>
+            </p:extLst>
+          </p:nvPr>
+        </p:nvCxnSpPr>
+        <p:spPr>
+          <a:xfrm>
+            <a:off x="1524000" y="2286000"/>
+            <a:ext cx="971155" cy="0"/>
+          </a:xfrm>
+          <a:prstGeom prst="line">
+            <a:avLst/>
+          </a:prstGeom>
+          <a:ln w="31750">
+            <a:solidFill>
+              <a:schemeClr val="tx1"/>
+            </a:solidFill>
+          </a:ln>
+        </p:spPr>
+        <p:style>
+          <a:lnRef idx="1">
+            <a:schemeClr val="accent1"/>
+          </a:lnRef>
+          <a:fillRef idx="0">
+            <a:schemeClr val="accent1"/>
+          </a:fillRef>
+          <a:effectRef idx="0">
+            <a:schemeClr val="accent1"/>
+          </a:effectRef>
+          <a:fontRef idx="minor">
+            <a:schemeClr val="tx1"/>
+          </a:fontRef>
+        </p:style>
+      </p:cxnSp>
+      <p:pic>
+        <p:nvPicPr>
+          <p:cNvPr id="5" name="Picture 4" descr="Table&#10;&#10;Description automatically generated">
+            <a:extLst>
+              <a:ext uri="{FF2B5EF4-FFF2-40B4-BE49-F238E27FC236}">
+                <a16:creationId xmlns:a16="http://schemas.microsoft.com/office/drawing/2014/main" id="{8A8F37CA-2E93-5649-8843-8B2F6614FB7E}"/>
+              </a:ext>
+            </a:extLst>
+          </p:cNvPr>
+          <p:cNvPicPr>
+            <a:picLocks noChangeAspect="1"/>
+          </p:cNvPicPr>
+          <p:nvPr/>
+        </p:nvPicPr>
+        <p:blipFill>
+          <a:blip r:embed="rId2"/>
+          <a:stretch>
+            <a:fillRect/>
+          </a:stretch>
+        </p:blipFill>
+        <p:spPr>
+          <a:xfrm>
+            <a:off x="806125" y="2384104"/>
+            <a:ext cx="9968518" cy="4375791"/>
+          </a:xfrm>
+          <a:prstGeom prst="rect">
+            <a:avLst/>
+          </a:prstGeom>
+        </p:spPr>
+      </p:pic>
+    </p:spTree>
+    <p:extLst>
+      <p:ext uri="{BB962C8B-B14F-4D97-AF65-F5344CB8AC3E}">
+        <p14:creationId xmlns:p14="http://schemas.microsoft.com/office/powerpoint/2010/main" val="2142248913"/>
+      </p:ext>
+    </p:extLst>
+  </p:cSld>
+  <p:clrMapOvr>
+    <a:overrideClrMapping bg1="lt1" tx1="dk1" bg2="lt2" tx2="dk2" accent1="accent1" accent2="accent2" accent3="accent3" accent4="accent4" accent5="accent5" accent6="accent6" hlink="hlink" folHlink="folHlink"/>
+  </p:clrMapOvr>
+</p:sld>
+</file>
+
+<file path=ppt/slides/slide18.xml><?xml version="1.0" encoding="utf-8"?>
+<p:sld xmlns:a="http://schemas.openxmlformats.org/drawingml/2006/main" xmlns:r="http://schemas.openxmlformats.org/officeDocument/2006/relationships" xmlns:p="http://schemas.openxmlformats.org/presentationml/2006/main">
+  <p:cSld>
+    <p:bg>
+      <p:bgPr>
+        <a:solidFill>
+          <a:schemeClr val="bg1"/>
+        </a:solidFill>
+        <a:effectLst/>
+      </p:bgPr>
+    </p:bg>
+    <p:spTree>
+      <p:nvGrpSpPr>
+        <p:cNvPr id="1" name=""/>
+        <p:cNvGrpSpPr/>
+        <p:nvPr/>
+      </p:nvGrpSpPr>
+      <p:grpSpPr>
+        <a:xfrm>
+          <a:off x="0" y="0"/>
+          <a:ext cx="0" cy="0"/>
+          <a:chOff x="0" y="0"/>
+          <a:chExt cx="0" cy="0"/>
+        </a:xfrm>
+      </p:grpSpPr>
+      <p:sp useBgFill="1">
+        <p:nvSpPr>
+          <p:cNvPr id="47" name="Rectangle 42">
             <a:extLst>
               <a:ext uri="{FF2B5EF4-FFF2-40B4-BE49-F238E27FC236}">
                 <a16:creationId xmlns:a16="http://schemas.microsoft.com/office/drawing/2014/main" id="{A4E9F8B3-8282-4A93-BBF8-3342538A70FB}"/>
@@ -15139,7 +17945,7 @@
       </p:sp>
       <p:cxnSp>
         <p:nvCxnSpPr>
-          <p:cNvPr id="31" name="Straight Connector 30">
+          <p:cNvPr id="48" name="Straight Connector 44">
             <a:extLst>
               <a:ext uri="{FF2B5EF4-FFF2-40B4-BE49-F238E27FC236}">
                 <a16:creationId xmlns:a16="http://schemas.microsoft.com/office/drawing/2014/main" id="{58EFA797-975B-41D8-BC96-56CDC2CFA3E4}"/>
@@ -15189,53 +17995,88 @@
           </a:fontRef>
         </p:style>
       </p:cxnSp>
+      <p:graphicFrame>
+        <p:nvGraphicFramePr>
+          <p:cNvPr id="57" name="Content Placeholder 2">
+            <a:extLst>
+              <a:ext uri="{FF2B5EF4-FFF2-40B4-BE49-F238E27FC236}">
+                <a16:creationId xmlns:a16="http://schemas.microsoft.com/office/drawing/2014/main" id="{9574254C-8359-4BBF-A919-E1802FEE5585}"/>
+              </a:ext>
+            </a:extLst>
+          </p:cNvPr>
+          <p:cNvGraphicFramePr>
+            <a:graphicFrameLocks noGrp="1"/>
+          </p:cNvGraphicFramePr>
+          <p:nvPr>
+            <p:ph idx="1"/>
+            <p:extLst>
+              <p:ext uri="{D42A27DB-BD31-4B8C-83A1-F6EECF244321}">
+                <p14:modId xmlns:p14="http://schemas.microsoft.com/office/powerpoint/2010/main" val="1243687507"/>
+              </p:ext>
+            </p:extLst>
+          </p:nvPr>
+        </p:nvGraphicFramePr>
+        <p:xfrm>
+          <a:off x="1429566" y="2729554"/>
+          <a:ext cx="8476434" cy="3817999"/>
+        </p:xfrm>
+        <a:graphic>
+          <a:graphicData uri="http://schemas.openxmlformats.org/drawingml/2006/diagram">
+            <dgm:relIds xmlns:dgm="http://schemas.openxmlformats.org/drawingml/2006/diagram" xmlns:r="http://schemas.openxmlformats.org/officeDocument/2006/relationships" r:dm="rId2" r:lo="rId3" r:qs="rId4" r:cs="rId5"/>
+          </a:graphicData>
+        </a:graphic>
+      </p:graphicFrame>
       <p:sp>
         <p:nvSpPr>
-          <p:cNvPr id="28" name="Content Placeholder 2">
+          <p:cNvPr id="40" name="Title 1">
             <a:extLst>
               <a:ext uri="{FF2B5EF4-FFF2-40B4-BE49-F238E27FC236}">
-                <a16:creationId xmlns:a16="http://schemas.microsoft.com/office/drawing/2014/main" id="{AA1B132B-8EF4-5D41-9D18-4BA086D50476}"/>
+                <a16:creationId xmlns:a16="http://schemas.microsoft.com/office/drawing/2014/main" id="{D1940DB6-F2E8-974E-A896-922CFD5356E3}"/>
               </a:ext>
             </a:extLst>
           </p:cNvPr>
-          <p:cNvSpPr>
-            <a:spLocks noGrp="1"/>
+          <p:cNvSpPr txBox="1">
+            <a:spLocks/>
           </p:cNvSpPr>
-          <p:nvPr>
-            <p:ph idx="1"/>
-          </p:nvPr>
+          <p:nvPr/>
         </p:nvSpPr>
         <p:spPr>
           <a:xfrm>
-            <a:off x="1429566" y="2729554"/>
-            <a:ext cx="8476434" cy="3359621"/>
+            <a:off x="1429566" y="3951722"/>
+            <a:ext cx="9238434" cy="857559"/>
           </a:xfrm>
+          <a:prstGeom prst="rect">
+            <a:avLst/>
+          </a:prstGeom>
         </p:spPr>
         <p:txBody>
-          <a:bodyPr>
+          <a:bodyPr vert="horz" lIns="91440" tIns="45720" rIns="91440" bIns="45720" rtlCol="0" anchor="b">
             <a:normAutofit/>
           </a:bodyPr>
-          <a:lstStyle/>
+          <a:lstStyle>
+            <a:lvl1pPr algn="l" defTabSz="914400" rtl="0" eaLnBrk="1" latinLnBrk="0" hangingPunct="1">
+              <a:lnSpc>
+                <a:spcPct val="120000"/>
+              </a:lnSpc>
+              <a:spcBef>
+                <a:spcPct val="0"/>
+              </a:spcBef>
+              <a:buNone/>
+              <a:defRPr sz="2800" b="1" kern="1200" cap="all" spc="600" baseline="0">
+                <a:solidFill>
+                  <a:schemeClr val="tx1"/>
+                </a:solidFill>
+                <a:latin typeface="+mj-lt"/>
+                <a:ea typeface="+mj-ea"/>
+                <a:cs typeface="+mj-cs"/>
+              </a:defRPr>
+            </a:lvl1pPr>
+          </a:lstStyle>
           <a:p>
             <a:r>
               <a:rPr lang="en-US" dirty="0"/>
-              <a:t>Fantasy and Romance are the most profitable. </a:t>
+              <a:t>Next steps:</a:t>
             </a:r>
-          </a:p>
-          <a:p>
-            <a:r>
-              <a:rPr lang="en-US" dirty="0"/>
-              <a:t>Action, Adventure, Sci-Fi, Fantasy, Mystery, and War are the most popular.</a:t>
-            </a:r>
-          </a:p>
-          <a:p>
-            <a:r>
-              <a:rPr lang="en-US" dirty="0"/>
-              <a:t>Release a movie in both domestic and foreign markets to get the maximum gross.  </a:t>
-            </a:r>
-          </a:p>
-          <a:p>
-            <a:endParaRPr lang="en-US" dirty="0"/>
           </a:p>
         </p:txBody>
       </p:sp>
@@ -16324,6 +19165,11 @@
           </p:cNvGraphicFramePr>
           <p:nvPr>
             <p:ph idx="1"/>
+            <p:extLst>
+              <p:ext uri="{D42A27DB-BD31-4B8C-83A1-F6EECF244321}">
+                <p14:modId xmlns:p14="http://schemas.microsoft.com/office/powerpoint/2010/main" val="3486744159"/>
+              </p:ext>
+            </p:extLst>
           </p:nvPr>
         </p:nvGraphicFramePr>
         <p:xfrm>
@@ -16333,6 +19179,90 @@
         <a:graphic>
           <a:graphicData uri="http://schemas.openxmlformats.org/drawingml/2006/diagram">
             <dgm:relIds xmlns:dgm="http://schemas.openxmlformats.org/drawingml/2006/diagram" xmlns:r="http://schemas.openxmlformats.org/officeDocument/2006/relationships" r:dm="rId2" r:lo="rId3" r:qs="rId4" r:cs="rId5"/>
+          </a:graphicData>
+        </a:graphic>
+      </p:graphicFrame>
+      <p:sp>
+        <p:nvSpPr>
+          <p:cNvPr id="20" name="Title 1">
+            <a:extLst>
+              <a:ext uri="{FF2B5EF4-FFF2-40B4-BE49-F238E27FC236}">
+                <a16:creationId xmlns:a16="http://schemas.microsoft.com/office/drawing/2014/main" id="{F73E32D7-BD77-9D44-95B2-253C0DE955D4}"/>
+              </a:ext>
+            </a:extLst>
+          </p:cNvPr>
+          <p:cNvSpPr txBox="1">
+            <a:spLocks/>
+          </p:cNvSpPr>
+          <p:nvPr/>
+        </p:nvSpPr>
+        <p:spPr>
+          <a:xfrm>
+            <a:off x="9389534" y="151955"/>
+            <a:ext cx="4080933" cy="719333"/>
+          </a:xfrm>
+          <a:prstGeom prst="rect">
+            <a:avLst/>
+          </a:prstGeom>
+        </p:spPr>
+        <p:txBody>
+          <a:bodyPr vert="horz" lIns="91440" tIns="45720" rIns="91440" bIns="45720" rtlCol="0" anchor="b">
+            <a:normAutofit/>
+          </a:bodyPr>
+          <a:lstStyle>
+            <a:lvl1pPr algn="l" defTabSz="914400" rtl="0" eaLnBrk="1" latinLnBrk="0" hangingPunct="1">
+              <a:lnSpc>
+                <a:spcPct val="120000"/>
+              </a:lnSpc>
+              <a:spcBef>
+                <a:spcPct val="0"/>
+              </a:spcBef>
+              <a:buNone/>
+              <a:defRPr sz="2800" b="1" kern="1200" cap="all" spc="600" baseline="0">
+                <a:solidFill>
+                  <a:schemeClr val="tx1"/>
+                </a:solidFill>
+                <a:latin typeface="+mj-lt"/>
+                <a:ea typeface="+mj-ea"/>
+                <a:cs typeface="+mj-cs"/>
+              </a:defRPr>
+            </a:lvl1pPr>
+          </a:lstStyle>
+          <a:p>
+            <a:r>
+              <a:rPr lang="en-US" sz="1600" dirty="0"/>
+              <a:t>Data Sources:</a:t>
+            </a:r>
+          </a:p>
+        </p:txBody>
+      </p:sp>
+      <p:graphicFrame>
+        <p:nvGraphicFramePr>
+          <p:cNvPr id="22" name="Content Placeholder 2">
+            <a:extLst>
+              <a:ext uri="{FF2B5EF4-FFF2-40B4-BE49-F238E27FC236}">
+                <a16:creationId xmlns:a16="http://schemas.microsoft.com/office/drawing/2014/main" id="{121425A8-0B6B-7C45-BF5B-6EF9B7FC5D5A}"/>
+              </a:ext>
+            </a:extLst>
+          </p:cNvPr>
+          <p:cNvGraphicFramePr>
+            <a:graphicFrameLocks/>
+          </p:cNvGraphicFramePr>
+          <p:nvPr>
+            <p:extLst>
+              <p:ext uri="{D42A27DB-BD31-4B8C-83A1-F6EECF244321}">
+                <p14:modId xmlns:p14="http://schemas.microsoft.com/office/powerpoint/2010/main" val="666716940"/>
+              </p:ext>
+            </p:extLst>
+          </p:nvPr>
+        </p:nvGraphicFramePr>
+        <p:xfrm>
+          <a:off x="9491134" y="1045445"/>
+          <a:ext cx="1692844" cy="1135203"/>
+        </p:xfrm>
+        <a:graphic>
+          <a:graphicData uri="http://schemas.openxmlformats.org/drawingml/2006/diagram">
+            <dgm:relIds xmlns:dgm="http://schemas.openxmlformats.org/drawingml/2006/diagram" xmlns:r="http://schemas.openxmlformats.org/officeDocument/2006/relationships" r:dm="rId7" r:lo="rId8" r:qs="rId9" r:cs="rId10"/>
           </a:graphicData>
         </a:graphic>
       </p:graphicFrame>
@@ -16350,220 +19280,6 @@
 </file>
 
 <file path=ppt/slides/slide6.xml><?xml version="1.0" encoding="utf-8"?>
-<p:sld xmlns:a="http://schemas.openxmlformats.org/drawingml/2006/main" xmlns:r="http://schemas.openxmlformats.org/officeDocument/2006/relationships" xmlns:p="http://schemas.openxmlformats.org/presentationml/2006/main">
-  <p:cSld>
-    <p:bg>
-      <p:bgPr>
-        <a:solidFill>
-          <a:schemeClr val="bg1"/>
-        </a:solidFill>
-        <a:effectLst/>
-      </p:bgPr>
-    </p:bg>
-    <p:spTree>
-      <p:nvGrpSpPr>
-        <p:cNvPr id="1" name=""/>
-        <p:cNvGrpSpPr/>
-        <p:nvPr/>
-      </p:nvGrpSpPr>
-      <p:grpSpPr>
-        <a:xfrm>
-          <a:off x="0" y="0"/>
-          <a:ext cx="0" cy="0"/>
-          <a:chOff x="0" y="0"/>
-          <a:chExt cx="0" cy="0"/>
-        </a:xfrm>
-      </p:grpSpPr>
-      <p:sp useBgFill="1">
-        <p:nvSpPr>
-          <p:cNvPr id="8" name="Rectangle 7">
-            <a:extLst>
-              <a:ext uri="{FF2B5EF4-FFF2-40B4-BE49-F238E27FC236}">
-                <a16:creationId xmlns:a16="http://schemas.microsoft.com/office/drawing/2014/main" id="{A4E9F8B3-8282-4A93-BBF8-3342538A70FB}"/>
-              </a:ext>
-              <a:ext uri="{C183D7F6-B498-43B3-948B-1728B52AA6E4}">
-                <adec:decorative xmlns:adec="http://schemas.microsoft.com/office/drawing/2017/decorative" val="1"/>
-              </a:ext>
-            </a:extLst>
-          </p:cNvPr>
-          <p:cNvSpPr>
-            <a:spLocks noGrp="1" noRot="1" noChangeAspect="1" noMove="1" noResize="1" noEditPoints="1" noAdjustHandles="1" noChangeArrowheads="1" noChangeShapeType="1" noTextEdit="1"/>
-          </p:cNvSpPr>
-          <p:nvPr>
-            <p:extLst>
-              <p:ext uri="{386F3935-93C4-4BCD-93E2-E3B085C9AB24}">
-                <p16:designElem xmlns:p16="http://schemas.microsoft.com/office/powerpoint/2015/main" val="1"/>
-              </p:ext>
-            </p:extLst>
-          </p:nvPr>
-        </p:nvSpPr>
-        <p:spPr>
-          <a:xfrm>
-            <a:off x="0" y="0"/>
-            <a:ext cx="12192000" cy="6858000"/>
-          </a:xfrm>
-          <a:prstGeom prst="rect">
-            <a:avLst/>
-          </a:prstGeom>
-          <a:ln w="12700" cap="flat" cmpd="sng" algn="ctr">
-            <a:noFill/>
-            <a:prstDash val="solid"/>
-            <a:miter lim="800000"/>
-          </a:ln>
-          <a:effectLst/>
-        </p:spPr>
-        <p:style>
-          <a:lnRef idx="2">
-            <a:schemeClr val="accent1">
-              <a:shade val="50000"/>
-            </a:schemeClr>
-          </a:lnRef>
-          <a:fillRef idx="1">
-            <a:schemeClr val="accent1"/>
-          </a:fillRef>
-          <a:effectRef idx="0">
-            <a:schemeClr val="accent1"/>
-          </a:effectRef>
-          <a:fontRef idx="minor">
-            <a:schemeClr val="lt1"/>
-          </a:fontRef>
-        </p:style>
-        <p:txBody>
-          <a:bodyPr rtlCol="0" anchor="ctr"/>
-          <a:lstStyle/>
-          <a:p>
-            <a:pPr algn="ctr"/>
-            <a:endParaRPr lang="en-US"/>
-          </a:p>
-        </p:txBody>
-      </p:sp>
-      <p:sp>
-        <p:nvSpPr>
-          <p:cNvPr id="2" name="Title 1">
-            <a:extLst>
-              <a:ext uri="{FF2B5EF4-FFF2-40B4-BE49-F238E27FC236}">
-                <a16:creationId xmlns:a16="http://schemas.microsoft.com/office/drawing/2014/main" id="{C68FCA62-C336-3341-B01F-D189DF6A6DBB}"/>
-              </a:ext>
-            </a:extLst>
-          </p:cNvPr>
-          <p:cNvSpPr>
-            <a:spLocks noGrp="1"/>
-          </p:cNvSpPr>
-          <p:nvPr>
-            <p:ph type="title"/>
-          </p:nvPr>
-        </p:nvSpPr>
-        <p:spPr>
-          <a:xfrm>
-            <a:off x="1429566" y="1045445"/>
-            <a:ext cx="9238434" cy="857559"/>
-          </a:xfrm>
-        </p:spPr>
-        <p:txBody>
-          <a:bodyPr>
-            <a:normAutofit/>
-          </a:bodyPr>
-          <a:lstStyle/>
-          <a:p>
-            <a:r>
-              <a:rPr lang="en-US" dirty="0"/>
-              <a:t>Data Sources:</a:t>
-            </a:r>
-          </a:p>
-        </p:txBody>
-      </p:sp>
-      <p:cxnSp>
-        <p:nvCxnSpPr>
-          <p:cNvPr id="10" name="Straight Connector 9">
-            <a:extLst>
-              <a:ext uri="{FF2B5EF4-FFF2-40B4-BE49-F238E27FC236}">
-                <a16:creationId xmlns:a16="http://schemas.microsoft.com/office/drawing/2014/main" id="{58EFA797-975B-41D8-BC96-56CDC2CFA3E4}"/>
-              </a:ext>
-              <a:ext uri="{C183D7F6-B498-43B3-948B-1728B52AA6E4}">
-                <adec:decorative xmlns:adec="http://schemas.microsoft.com/office/drawing/2017/decorative" val="1"/>
-              </a:ext>
-            </a:extLst>
-          </p:cNvPr>
-          <p:cNvCxnSpPr>
-            <a:cxnSpLocks noGrp="1" noRot="1" noChangeAspect="1" noMove="1" noResize="1" noEditPoints="1" noAdjustHandles="1" noChangeArrowheads="1" noChangeShapeType="1"/>
-          </p:cNvCxnSpPr>
-          <p:nvPr>
-            <p:extLst>
-              <p:ext uri="{386F3935-93C4-4BCD-93E2-E3B085C9AB24}">
-                <p16:designElem xmlns:p16="http://schemas.microsoft.com/office/powerpoint/2015/main" val="1"/>
-              </p:ext>
-            </p:extLst>
-          </p:nvPr>
-        </p:nvCxnSpPr>
-        <p:spPr>
-          <a:xfrm>
-            <a:off x="1524000" y="2286000"/>
-            <a:ext cx="971155" cy="0"/>
-          </a:xfrm>
-          <a:prstGeom prst="line">
-            <a:avLst/>
-          </a:prstGeom>
-          <a:ln w="31750">
-            <a:solidFill>
-              <a:schemeClr val="tx1"/>
-            </a:solidFill>
-          </a:ln>
-        </p:spPr>
-        <p:style>
-          <a:lnRef idx="1">
-            <a:schemeClr val="accent1"/>
-          </a:lnRef>
-          <a:fillRef idx="0">
-            <a:schemeClr val="accent1"/>
-          </a:fillRef>
-          <a:effectRef idx="0">
-            <a:schemeClr val="accent1"/>
-          </a:effectRef>
-          <a:fontRef idx="minor">
-            <a:schemeClr val="tx1"/>
-          </a:fontRef>
-        </p:style>
-      </p:cxnSp>
-      <p:graphicFrame>
-        <p:nvGraphicFramePr>
-          <p:cNvPr id="12" name="Content Placeholder 2">
-            <a:extLst>
-              <a:ext uri="{FF2B5EF4-FFF2-40B4-BE49-F238E27FC236}">
-                <a16:creationId xmlns:a16="http://schemas.microsoft.com/office/drawing/2014/main" id="{DC6DAC92-E7F0-4734-9C74-9D13B03FB8DD}"/>
-              </a:ext>
-            </a:extLst>
-          </p:cNvPr>
-          <p:cNvGraphicFramePr>
-            <a:graphicFrameLocks noGrp="1"/>
-          </p:cNvGraphicFramePr>
-          <p:nvPr>
-            <p:ph idx="1"/>
-          </p:nvPr>
-        </p:nvGraphicFramePr>
-        <p:xfrm>
-          <a:off x="1429566" y="2729554"/>
-          <a:ext cx="8476434" cy="3359621"/>
-        </p:xfrm>
-        <a:graphic>
-          <a:graphicData uri="http://schemas.openxmlformats.org/drawingml/2006/diagram">
-            <dgm:relIds xmlns:dgm="http://schemas.openxmlformats.org/drawingml/2006/diagram" xmlns:r="http://schemas.openxmlformats.org/officeDocument/2006/relationships" r:dm="rId2" r:lo="rId3" r:qs="rId4" r:cs="rId5"/>
-          </a:graphicData>
-        </a:graphic>
-      </p:graphicFrame>
-    </p:spTree>
-    <p:extLst>
-      <p:ext uri="{BB962C8B-B14F-4D97-AF65-F5344CB8AC3E}">
-        <p14:creationId xmlns:p14="http://schemas.microsoft.com/office/powerpoint/2010/main" val="2328640106"/>
-      </p:ext>
-    </p:extLst>
-  </p:cSld>
-  <p:clrMapOvr>
-    <a:overrideClrMapping bg1="lt1" tx1="dk1" bg2="lt2" tx2="dk2" accent1="accent1" accent2="accent2" accent3="accent3" accent4="accent4" accent5="accent5" accent6="accent6" hlink="hlink" folHlink="folHlink"/>
-  </p:clrMapOvr>
-</p:sld>
-</file>
-
-<file path=ppt/slides/slide7.xml><?xml version="1.0" encoding="utf-8"?>
 <p:sld xmlns:a="http://schemas.openxmlformats.org/drawingml/2006/main" xmlns:r="http://schemas.openxmlformats.org/officeDocument/2006/relationships" xmlns:p="http://schemas.openxmlformats.org/presentationml/2006/main">
   <p:cSld>
     <p:bg>
@@ -16821,7 +19537,7 @@
 </p:sld>
 </file>
 
-<file path=ppt/slides/slide8.xml><?xml version="1.0" encoding="utf-8"?>
+<file path=ppt/slides/slide7.xml><?xml version="1.0" encoding="utf-8"?>
 <p:sld xmlns:a="http://schemas.openxmlformats.org/drawingml/2006/main" xmlns:r="http://schemas.openxmlformats.org/officeDocument/2006/relationships" xmlns:p="http://schemas.openxmlformats.org/presentationml/2006/main">
   <p:cSld>
     <p:bg>
@@ -17170,7 +19886,7 @@
 </p:sld>
 </file>
 
-<file path=ppt/slides/slide9.xml><?xml version="1.0" encoding="utf-8"?>
+<file path=ppt/slides/slide8.xml><?xml version="1.0" encoding="utf-8"?>
 <p:sld xmlns:a="http://schemas.openxmlformats.org/drawingml/2006/main" xmlns:r="http://schemas.openxmlformats.org/officeDocument/2006/relationships" xmlns:p="http://schemas.openxmlformats.org/presentationml/2006/main">
   <p:cSld>
     <p:bg>
@@ -17419,6 +20135,265 @@
     <p:extLst>
       <p:ext uri="{BB962C8B-B14F-4D97-AF65-F5344CB8AC3E}">
         <p14:creationId xmlns:p14="http://schemas.microsoft.com/office/powerpoint/2010/main" val="2851264868"/>
+      </p:ext>
+    </p:extLst>
+  </p:cSld>
+  <p:clrMapOvr>
+    <a:overrideClrMapping bg1="lt1" tx1="dk1" bg2="lt2" tx2="dk2" accent1="accent1" accent2="accent2" accent3="accent3" accent4="accent4" accent5="accent5" accent6="accent6" hlink="hlink" folHlink="folHlink"/>
+  </p:clrMapOvr>
+</p:sld>
+</file>
+
+<file path=ppt/slides/slide9.xml><?xml version="1.0" encoding="utf-8"?>
+<p:sld xmlns:a="http://schemas.openxmlformats.org/drawingml/2006/main" xmlns:r="http://schemas.openxmlformats.org/officeDocument/2006/relationships" xmlns:p="http://schemas.openxmlformats.org/presentationml/2006/main">
+  <p:cSld>
+    <p:bg>
+      <p:bgPr>
+        <a:solidFill>
+          <a:schemeClr val="bg1"/>
+        </a:solidFill>
+        <a:effectLst/>
+      </p:bgPr>
+    </p:bg>
+    <p:spTree>
+      <p:nvGrpSpPr>
+        <p:cNvPr id="1" name=""/>
+        <p:cNvGrpSpPr/>
+        <p:nvPr/>
+      </p:nvGrpSpPr>
+      <p:grpSpPr>
+        <a:xfrm>
+          <a:off x="0" y="0"/>
+          <a:ext cx="0" cy="0"/>
+          <a:chOff x="0" y="0"/>
+          <a:chExt cx="0" cy="0"/>
+        </a:xfrm>
+      </p:grpSpPr>
+      <p:sp useBgFill="1">
+        <p:nvSpPr>
+          <p:cNvPr id="8" name="Rectangle 7">
+            <a:extLst>
+              <a:ext uri="{FF2B5EF4-FFF2-40B4-BE49-F238E27FC236}">
+                <a16:creationId xmlns:a16="http://schemas.microsoft.com/office/drawing/2014/main" id="{A4E9F8B3-8282-4A93-BBF8-3342538A70FB}"/>
+              </a:ext>
+              <a:ext uri="{C183D7F6-B498-43B3-948B-1728B52AA6E4}">
+                <adec:decorative xmlns:adec="http://schemas.microsoft.com/office/drawing/2017/decorative" val="1"/>
+              </a:ext>
+            </a:extLst>
+          </p:cNvPr>
+          <p:cNvSpPr>
+            <a:spLocks noGrp="1" noRot="1" noChangeAspect="1" noMove="1" noResize="1" noEditPoints="1" noAdjustHandles="1" noChangeArrowheads="1" noChangeShapeType="1" noTextEdit="1"/>
+          </p:cNvSpPr>
+          <p:nvPr>
+            <p:extLst>
+              <p:ext uri="{386F3935-93C4-4BCD-93E2-E3B085C9AB24}">
+                <p16:designElem xmlns:p16="http://schemas.microsoft.com/office/powerpoint/2015/main" val="1"/>
+              </p:ext>
+            </p:extLst>
+          </p:nvPr>
+        </p:nvSpPr>
+        <p:spPr>
+          <a:xfrm>
+            <a:off x="0" y="0"/>
+            <a:ext cx="12192000" cy="6858000"/>
+          </a:xfrm>
+          <a:prstGeom prst="rect">
+            <a:avLst/>
+          </a:prstGeom>
+          <a:ln w="12700" cap="flat" cmpd="sng" algn="ctr">
+            <a:noFill/>
+            <a:prstDash val="solid"/>
+            <a:miter lim="800000"/>
+          </a:ln>
+          <a:effectLst/>
+        </p:spPr>
+        <p:style>
+          <a:lnRef idx="2">
+            <a:schemeClr val="accent1">
+              <a:shade val="50000"/>
+            </a:schemeClr>
+          </a:lnRef>
+          <a:fillRef idx="1">
+            <a:schemeClr val="accent1"/>
+          </a:fillRef>
+          <a:effectRef idx="0">
+            <a:schemeClr val="accent1"/>
+          </a:effectRef>
+          <a:fontRef idx="minor">
+            <a:schemeClr val="lt1"/>
+          </a:fontRef>
+        </p:style>
+        <p:txBody>
+          <a:bodyPr rtlCol="0" anchor="ctr"/>
+          <a:lstStyle/>
+          <a:p>
+            <a:pPr algn="ctr"/>
+            <a:endParaRPr lang="en-US"/>
+          </a:p>
+        </p:txBody>
+      </p:sp>
+      <p:sp>
+        <p:nvSpPr>
+          <p:cNvPr id="2" name="Title 1">
+            <a:extLst>
+              <a:ext uri="{FF2B5EF4-FFF2-40B4-BE49-F238E27FC236}">
+                <a16:creationId xmlns:a16="http://schemas.microsoft.com/office/drawing/2014/main" id="{E367B809-61CA-1E46-BCF7-4EC2C2A70B94}"/>
+              </a:ext>
+            </a:extLst>
+          </p:cNvPr>
+          <p:cNvSpPr>
+            <a:spLocks noGrp="1"/>
+          </p:cNvSpPr>
+          <p:nvPr>
+            <p:ph type="title"/>
+          </p:nvPr>
+        </p:nvSpPr>
+        <p:spPr>
+          <a:xfrm>
+            <a:off x="1429566" y="1045445"/>
+            <a:ext cx="9238434" cy="857559"/>
+          </a:xfrm>
+        </p:spPr>
+        <p:txBody>
+          <a:bodyPr>
+            <a:normAutofit/>
+          </a:bodyPr>
+          <a:lstStyle/>
+          <a:p>
+            <a:r>
+              <a:rPr lang="en-US" dirty="0"/>
+              <a:t>Results: rating</a:t>
+            </a:r>
+          </a:p>
+        </p:txBody>
+      </p:sp>
+      <p:cxnSp>
+        <p:nvCxnSpPr>
+          <p:cNvPr id="10" name="Straight Connector 9">
+            <a:extLst>
+              <a:ext uri="{FF2B5EF4-FFF2-40B4-BE49-F238E27FC236}">
+                <a16:creationId xmlns:a16="http://schemas.microsoft.com/office/drawing/2014/main" id="{58EFA797-975B-41D8-BC96-56CDC2CFA3E4}"/>
+              </a:ext>
+              <a:ext uri="{C183D7F6-B498-43B3-948B-1728B52AA6E4}">
+                <adec:decorative xmlns:adec="http://schemas.microsoft.com/office/drawing/2017/decorative" val="1"/>
+              </a:ext>
+            </a:extLst>
+          </p:cNvPr>
+          <p:cNvCxnSpPr>
+            <a:cxnSpLocks noGrp="1" noRot="1" noChangeAspect="1" noMove="1" noResize="1" noEditPoints="1" noAdjustHandles="1" noChangeArrowheads="1" noChangeShapeType="1"/>
+          </p:cNvCxnSpPr>
+          <p:nvPr>
+            <p:extLst>
+              <p:ext uri="{386F3935-93C4-4BCD-93E2-E3B085C9AB24}">
+                <p16:designElem xmlns:p16="http://schemas.microsoft.com/office/powerpoint/2015/main" val="1"/>
+              </p:ext>
+            </p:extLst>
+          </p:nvPr>
+        </p:nvCxnSpPr>
+        <p:spPr>
+          <a:xfrm>
+            <a:off x="1524000" y="2286000"/>
+            <a:ext cx="971155" cy="0"/>
+          </a:xfrm>
+          <a:prstGeom prst="line">
+            <a:avLst/>
+          </a:prstGeom>
+          <a:ln w="31750">
+            <a:solidFill>
+              <a:schemeClr val="tx1"/>
+            </a:solidFill>
+          </a:ln>
+        </p:spPr>
+        <p:style>
+          <a:lnRef idx="1">
+            <a:schemeClr val="accent1"/>
+          </a:lnRef>
+          <a:fillRef idx="0">
+            <a:schemeClr val="accent1"/>
+          </a:fillRef>
+          <a:effectRef idx="0">
+            <a:schemeClr val="accent1"/>
+          </a:effectRef>
+          <a:fontRef idx="minor">
+            <a:schemeClr val="tx1"/>
+          </a:fontRef>
+        </p:style>
+      </p:cxnSp>
+      <p:sp>
+        <p:nvSpPr>
+          <p:cNvPr id="9" name="TextBox 8">
+            <a:extLst>
+              <a:ext uri="{FF2B5EF4-FFF2-40B4-BE49-F238E27FC236}">
+                <a16:creationId xmlns:a16="http://schemas.microsoft.com/office/drawing/2014/main" id="{AE896DA0-A3AA-E045-A5FC-B7D3E7E12F37}"/>
+              </a:ext>
+            </a:extLst>
+          </p:cNvPr>
+          <p:cNvSpPr txBox="1"/>
+          <p:nvPr/>
+        </p:nvSpPr>
+        <p:spPr>
+          <a:xfrm>
+            <a:off x="1429565" y="6027500"/>
+            <a:ext cx="9328745" cy="738664"/>
+          </a:xfrm>
+          <a:prstGeom prst="rect">
+            <a:avLst/>
+          </a:prstGeom>
+          <a:noFill/>
+        </p:spPr>
+        <p:txBody>
+          <a:bodyPr wrap="square" rtlCol="0">
+            <a:spAutoFit/>
+          </a:bodyPr>
+          <a:lstStyle/>
+          <a:p>
+            <a:r>
+              <a:rPr lang="en-US" sz="1400" dirty="0"/>
+              <a:t>For this analysis we used data of 28,628 movies with over 100 votes. </a:t>
+            </a:r>
+          </a:p>
+          <a:p>
+            <a:r>
+              <a:rPr lang="en-US" sz="1400" dirty="0"/>
+              <a:t>Documentary, Music, War, Adventure, and Drama have been the highest rated movie genres in the past decade. Their average rating is 8.9. However other 10 genres are  not far behind and rated around 8. </a:t>
+            </a:r>
+          </a:p>
+        </p:txBody>
+      </p:sp>
+      <p:pic>
+        <p:nvPicPr>
+          <p:cNvPr id="12" name="Picture 11" descr="Graphical user interface, application&#10;&#10;Description automatically generated">
+            <a:extLst>
+              <a:ext uri="{FF2B5EF4-FFF2-40B4-BE49-F238E27FC236}">
+                <a16:creationId xmlns:a16="http://schemas.microsoft.com/office/drawing/2014/main" id="{4532725F-6DC2-9F43-9F93-200AD2C9FBA2}"/>
+              </a:ext>
+            </a:extLst>
+          </p:cNvPr>
+          <p:cNvPicPr>
+            <a:picLocks noChangeAspect="1"/>
+          </p:cNvPicPr>
+          <p:nvPr/>
+        </p:nvPicPr>
+        <p:blipFill>
+          <a:blip r:embed="rId2"/>
+          <a:stretch>
+            <a:fillRect/>
+          </a:stretch>
+        </p:blipFill>
+        <p:spPr>
+          <a:xfrm>
+            <a:off x="1524000" y="2344500"/>
+            <a:ext cx="8184444" cy="3683000"/>
+          </a:xfrm>
+          <a:prstGeom prst="rect">
+            <a:avLst/>
+          </a:prstGeom>
+        </p:spPr>
+      </p:pic>
+    </p:spTree>
+    <p:extLst>
+      <p:ext uri="{BB962C8B-B14F-4D97-AF65-F5344CB8AC3E}">
+        <p14:creationId xmlns:p14="http://schemas.microsoft.com/office/powerpoint/2010/main" val="4033150465"/>
       </p:ext>
     </p:extLst>
   </p:cSld>

--- a/Movie_analysis_project.pptx
+++ b/Movie_analysis_project.pptx
@@ -3571,7 +3571,7 @@
             </a:lnSpc>
           </a:pPr>
           <a:r>
-            <a:rPr lang="en-US"/>
+            <a:rPr lang="en-US" dirty="0"/>
             <a:t>Over 140K data entries for movie titles, genres, and release dates from 2010-2020. </a:t>
           </a:r>
         </a:p>
@@ -3612,7 +3612,7 @@
             </a:lnSpc>
           </a:pPr>
           <a:r>
-            <a:rPr lang="en-US"/>
+            <a:rPr lang="en-US" dirty="0"/>
             <a:t>Over 73K data entries for average ratings and number of votes. </a:t>
           </a:r>
         </a:p>
@@ -3653,7 +3653,7 @@
             </a:lnSpc>
           </a:pPr>
           <a:r>
-            <a:rPr lang="en-US"/>
+            <a:rPr lang="en-US" dirty="0"/>
             <a:t>Over 2,800 data entries for movie budgets, domestic/foreign/worldwide gross. </a:t>
           </a:r>
         </a:p>
@@ -5224,7 +5224,7 @@
             <a:buNone/>
           </a:pPr>
           <a:r>
-            <a:rPr lang="en-US" sz="1300" kern="1200"/>
+            <a:rPr lang="en-US" sz="1300" kern="1200" dirty="0"/>
             <a:t>Over 140K data entries for movie titles, genres, and release dates from 2010-2020. </a:t>
           </a:r>
         </a:p>
@@ -5341,7 +5341,7 @@
             <a:buNone/>
           </a:pPr>
           <a:r>
-            <a:rPr lang="en-US" sz="1300" kern="1200"/>
+            <a:rPr lang="en-US" sz="1300" kern="1200" dirty="0"/>
             <a:t>Over 73K data entries for average ratings and number of votes. </a:t>
           </a:r>
         </a:p>
@@ -5458,7 +5458,7 @@
             <a:buNone/>
           </a:pPr>
           <a:r>
-            <a:rPr lang="en-US" sz="1300" kern="1200"/>
+            <a:rPr lang="en-US" sz="1300" kern="1200" dirty="0"/>
             <a:t>Over 2,800 data entries for movie budgets, domestic/foreign/worldwide gross. </a:t>
           </a:r>
         </a:p>
@@ -16021,19 +16021,17 @@
       </p:cxnSp>
       <p:pic>
         <p:nvPicPr>
-          <p:cNvPr id="5" name="Content Placeholder 4" descr="Table&#10;&#10;Description automatically generated">
+          <p:cNvPr id="7" name="Picture 6" descr="Table&#10;&#10;Description automatically generated">
             <a:extLst>
               <a:ext uri="{FF2B5EF4-FFF2-40B4-BE49-F238E27FC236}">
-                <a16:creationId xmlns:a16="http://schemas.microsoft.com/office/drawing/2014/main" id="{B36EBF77-2B11-F442-B565-9DA4A42D0B7A}"/>
+                <a16:creationId xmlns:a16="http://schemas.microsoft.com/office/drawing/2014/main" id="{0AF4422B-0B1B-6046-8ADA-2D3AB90DE4A2}"/>
               </a:ext>
             </a:extLst>
           </p:cNvPr>
           <p:cNvPicPr>
-            <a:picLocks noGrp="1" noChangeAspect="1"/>
+            <a:picLocks noChangeAspect="1"/>
           </p:cNvPicPr>
-          <p:nvPr>
-            <p:ph idx="1"/>
-          </p:nvPr>
+          <p:nvPr/>
         </p:nvPicPr>
         <p:blipFill>
           <a:blip r:embed="rId2"/>
@@ -16043,11 +16041,49 @@
         </p:blipFill>
         <p:spPr>
           <a:xfrm>
-            <a:off x="2155912" y="2365259"/>
-            <a:ext cx="8086979" cy="4413482"/>
+            <a:off x="2495155" y="2377430"/>
+            <a:ext cx="7416800" cy="3848100"/>
           </a:xfrm>
+          <a:prstGeom prst="rect">
+            <a:avLst/>
+          </a:prstGeom>
         </p:spPr>
       </p:pic>
+      <p:sp>
+        <p:nvSpPr>
+          <p:cNvPr id="12" name="TextBox 11">
+            <a:extLst>
+              <a:ext uri="{FF2B5EF4-FFF2-40B4-BE49-F238E27FC236}">
+                <a16:creationId xmlns:a16="http://schemas.microsoft.com/office/drawing/2014/main" id="{6B3A9932-E4C6-C742-BBC1-F98455CA664F}"/>
+              </a:ext>
+            </a:extLst>
+          </p:cNvPr>
+          <p:cNvSpPr txBox="1"/>
+          <p:nvPr/>
+        </p:nvSpPr>
+        <p:spPr>
+          <a:xfrm>
+            <a:off x="1431627" y="6233987"/>
+            <a:ext cx="9328745" cy="307777"/>
+          </a:xfrm>
+          <a:prstGeom prst="rect">
+            <a:avLst/>
+          </a:prstGeom>
+          <a:noFill/>
+        </p:spPr>
+        <p:txBody>
+          <a:bodyPr wrap="square" rtlCol="0">
+            <a:spAutoFit/>
+          </a:bodyPr>
+          <a:lstStyle/>
+          <a:p>
+            <a:r>
+              <a:rPr lang="en-US" sz="1400" dirty="0"/>
+              <a:t>Documentary and Drama overlap in the most Released and Highest Rated genres. </a:t>
+            </a:r>
+          </a:p>
+        </p:txBody>
+      </p:sp>
     </p:spTree>
     <p:extLst>
       <p:ext uri="{BB962C8B-B14F-4D97-AF65-F5344CB8AC3E}">
